--- a/ECMAScript.pptx
+++ b/ECMAScript.pptx
@@ -5,7 +5,7 @@
     <p:sldMasterId id="2147483672" r:id="rId1"/>
   </p:sldMasterIdLst>
   <p:notesMasterIdLst>
-    <p:notesMasterId r:id="rId43"/>
+    <p:notesMasterId r:id="rId52"/>
   </p:notesMasterIdLst>
   <p:sldIdLst>
     <p:sldId id="256" r:id="rId2"/>
@@ -38,17 +38,26 @@
     <p:sldId id="336" r:id="rId29"/>
     <p:sldId id="349" r:id="rId30"/>
     <p:sldId id="350" r:id="rId31"/>
-    <p:sldId id="338" r:id="rId32"/>
-    <p:sldId id="339" r:id="rId33"/>
-    <p:sldId id="340" r:id="rId34"/>
-    <p:sldId id="341" r:id="rId35"/>
-    <p:sldId id="342" r:id="rId36"/>
-    <p:sldId id="343" r:id="rId37"/>
-    <p:sldId id="344" r:id="rId38"/>
-    <p:sldId id="345" r:id="rId39"/>
-    <p:sldId id="346" r:id="rId40"/>
-    <p:sldId id="347" r:id="rId41"/>
-    <p:sldId id="348" r:id="rId42"/>
+    <p:sldId id="357" r:id="rId32"/>
+    <p:sldId id="338" r:id="rId33"/>
+    <p:sldId id="339" r:id="rId34"/>
+    <p:sldId id="340" r:id="rId35"/>
+    <p:sldId id="341" r:id="rId36"/>
+    <p:sldId id="342" r:id="rId37"/>
+    <p:sldId id="343" r:id="rId38"/>
+    <p:sldId id="344" r:id="rId39"/>
+    <p:sldId id="345" r:id="rId40"/>
+    <p:sldId id="346" r:id="rId41"/>
+    <p:sldId id="347" r:id="rId42"/>
+    <p:sldId id="348" r:id="rId43"/>
+    <p:sldId id="351" r:id="rId44"/>
+    <p:sldId id="352" r:id="rId45"/>
+    <p:sldId id="353" r:id="rId46"/>
+    <p:sldId id="354" r:id="rId47"/>
+    <p:sldId id="355" r:id="rId48"/>
+    <p:sldId id="356" r:id="rId49"/>
+    <p:sldId id="358" r:id="rId50"/>
+    <p:sldId id="359" r:id="rId51"/>
   </p:sldIdLst>
   <p:sldSz cx="9144000" cy="6858000" type="screen4x3"/>
   <p:notesSz cx="6858000" cy="9144000"/>
@@ -5683,7 +5692,7 @@
             <a:fld id="{BC6FC07C-0485-40B9-BC68-01FB6F3C1F19}" type="datetimeFigureOut">
               <a:rPr lang="en-US" smtClean="0"/>
               <a:pPr/>
-              <a:t>6/3/2018</a:t>
+              <a:t>6/4/2018</a:t>
             </a:fld>
             <a:endParaRPr lang="en-US"/>
           </a:p>
@@ -27665,7 +27674,7 @@
           <a:p>
             <a:r>
               <a:rPr lang="en-US" dirty="0"/>
-              <a:t>Any object can be iterated by for .. Of</a:t>
+              <a:t>Any object can be iterated by for .. of</a:t>
             </a:r>
           </a:p>
           <a:p>
@@ -29413,6 +29422,762 @@
           <p:cNvPr id="2" name="Title 1">
             <a:extLst>
               <a:ext uri="{FF2B5EF4-FFF2-40B4-BE49-F238E27FC236}">
+                <a16:creationId xmlns:a16="http://schemas.microsoft.com/office/drawing/2014/main" id="{8CDC7BAE-DD2D-4B1E-A960-433A1DF8009B}"/>
+              </a:ext>
+            </a:extLst>
+          </p:cNvPr>
+          <p:cNvSpPr>
+            <a:spLocks noGrp="1"/>
+          </p:cNvSpPr>
+          <p:nvPr>
+            <p:ph type="title"/>
+          </p:nvPr>
+        </p:nvSpPr>
+        <p:spPr/>
+        <p:txBody>
+          <a:bodyPr/>
+          <a:lstStyle/>
+          <a:p>
+            <a:r>
+              <a:rPr lang="en-US" dirty="0"/>
+              <a:t>Async Iterator (ES2018)</a:t>
+            </a:r>
+          </a:p>
+        </p:txBody>
+      </p:sp>
+      <p:sp>
+        <p:nvSpPr>
+          <p:cNvPr id="3" name="Footer Placeholder 2">
+            <a:extLst>
+              <a:ext uri="{FF2B5EF4-FFF2-40B4-BE49-F238E27FC236}">
+                <a16:creationId xmlns:a16="http://schemas.microsoft.com/office/drawing/2014/main" id="{F388B168-B121-4495-A36C-FD4BA849E4B6}"/>
+              </a:ext>
+            </a:extLst>
+          </p:cNvPr>
+          <p:cNvSpPr>
+            <a:spLocks noGrp="1"/>
+          </p:cNvSpPr>
+          <p:nvPr>
+            <p:ph type="ftr" sz="quarter" idx="11"/>
+          </p:nvPr>
+        </p:nvSpPr>
+        <p:spPr/>
+        <p:txBody>
+          <a:bodyPr/>
+          <a:lstStyle/>
+          <a:p>
+            <a:r>
+              <a:rPr lang="en-US"/>
+              <a:t>© 2018 Ori Calvo</a:t>
+            </a:r>
+            <a:endParaRPr lang="en-US" dirty="0"/>
+          </a:p>
+        </p:txBody>
+      </p:sp>
+      <p:sp>
+        <p:nvSpPr>
+          <p:cNvPr id="4" name="Slide Number Placeholder 3">
+            <a:extLst>
+              <a:ext uri="{FF2B5EF4-FFF2-40B4-BE49-F238E27FC236}">
+                <a16:creationId xmlns:a16="http://schemas.microsoft.com/office/drawing/2014/main" id="{8D60E121-23FE-4003-A219-BE5DAF686713}"/>
+              </a:ext>
+            </a:extLst>
+          </p:cNvPr>
+          <p:cNvSpPr>
+            <a:spLocks noGrp="1"/>
+          </p:cNvSpPr>
+          <p:nvPr>
+            <p:ph type="sldNum" sz="quarter" idx="12"/>
+          </p:nvPr>
+        </p:nvSpPr>
+        <p:spPr/>
+        <p:txBody>
+          <a:bodyPr>
+            <a:normAutofit fontScale="85000" lnSpcReduction="20000"/>
+          </a:bodyPr>
+          <a:lstStyle/>
+          <a:p>
+            <a:fld id="{87B78B44-2135-4DB2-B732-E7D5FFF77B6A}" type="slidenum">
+              <a:rPr lang="en-US" smtClean="0"/>
+              <a:pPr/>
+              <a:t>31</a:t>
+            </a:fld>
+            <a:endParaRPr lang="en-US"/>
+          </a:p>
+        </p:txBody>
+      </p:sp>
+      <p:sp>
+        <p:nvSpPr>
+          <p:cNvPr id="6" name="Rectangle 5">
+            <a:extLst>
+              <a:ext uri="{FF2B5EF4-FFF2-40B4-BE49-F238E27FC236}">
+                <a16:creationId xmlns:a16="http://schemas.microsoft.com/office/drawing/2014/main" id="{F68B2DE0-DD8C-401A-9BCF-B8BCE105D0B7}"/>
+              </a:ext>
+            </a:extLst>
+          </p:cNvPr>
+          <p:cNvSpPr/>
+          <p:nvPr/>
+        </p:nvSpPr>
+        <p:spPr>
+          <a:xfrm>
+            <a:off x="971600" y="2060848"/>
+            <a:ext cx="3078088" cy="1754326"/>
+          </a:xfrm>
+          <a:prstGeom prst="rect">
+            <a:avLst/>
+          </a:prstGeom>
+          <a:solidFill>
+            <a:schemeClr val="accent1">
+              <a:lumMod val="40000"/>
+              <a:lumOff val="60000"/>
+            </a:schemeClr>
+          </a:solidFill>
+        </p:spPr>
+        <p:txBody>
+          <a:bodyPr wrap="square">
+            <a:spAutoFit/>
+          </a:bodyPr>
+          <a:lstStyle/>
+          <a:p>
+            <a:r>
+              <a:rPr lang="en-US" b="1" dirty="0">
+                <a:solidFill>
+                  <a:srgbClr val="000080"/>
+                </a:solidFill>
+                <a:latin typeface="Calibri" panose="020F0502020204030204" pitchFamily="34" charset="0"/>
+                <a:ea typeface="Calibri" panose="020F0502020204030204" pitchFamily="34" charset="0"/>
+                <a:cs typeface="Arial" panose="020B0604020202020204" pitchFamily="34" charset="0"/>
+              </a:rPr>
+              <a:t>async function </a:t>
+            </a:r>
+            <a:r>
+              <a:rPr lang="en-US" dirty="0">
+                <a:solidFill>
+                  <a:srgbClr val="000000"/>
+                </a:solidFill>
+                <a:latin typeface="Calibri" panose="020F0502020204030204" pitchFamily="34" charset="0"/>
+                <a:ea typeface="Calibri" panose="020F0502020204030204" pitchFamily="34" charset="0"/>
+                <a:cs typeface="Arial" panose="020B0604020202020204" pitchFamily="34" charset="0"/>
+              </a:rPr>
+              <a:t>*</a:t>
+            </a:r>
+            <a:r>
+              <a:rPr lang="en-US" i="1" dirty="0" err="1">
+                <a:solidFill>
+                  <a:srgbClr val="000000"/>
+                </a:solidFill>
+                <a:latin typeface="Calibri" panose="020F0502020204030204" pitchFamily="34" charset="0"/>
+                <a:ea typeface="Calibri" panose="020F0502020204030204" pitchFamily="34" charset="0"/>
+                <a:cs typeface="Arial" panose="020B0604020202020204" pitchFamily="34" charset="0"/>
+              </a:rPr>
+              <a:t>getData</a:t>
+            </a:r>
+            <a:r>
+              <a:rPr lang="en-US" dirty="0">
+                <a:solidFill>
+                  <a:srgbClr val="000000"/>
+                </a:solidFill>
+                <a:latin typeface="Calibri" panose="020F0502020204030204" pitchFamily="34" charset="0"/>
+                <a:ea typeface="Calibri" panose="020F0502020204030204" pitchFamily="34" charset="0"/>
+                <a:cs typeface="Arial" panose="020B0604020202020204" pitchFamily="34" charset="0"/>
+              </a:rPr>
+              <a:t>() {</a:t>
+            </a:r>
+            <a:br>
+              <a:rPr lang="en-US" dirty="0">
+                <a:solidFill>
+                  <a:srgbClr val="000000"/>
+                </a:solidFill>
+                <a:latin typeface="Calibri" panose="020F0502020204030204" pitchFamily="34" charset="0"/>
+                <a:ea typeface="Calibri" panose="020F0502020204030204" pitchFamily="34" charset="0"/>
+                <a:cs typeface="Arial" panose="020B0604020202020204" pitchFamily="34" charset="0"/>
+              </a:rPr>
+            </a:br>
+            <a:r>
+              <a:rPr lang="en-US" dirty="0">
+                <a:solidFill>
+                  <a:srgbClr val="000000"/>
+                </a:solidFill>
+                <a:latin typeface="Calibri" panose="020F0502020204030204" pitchFamily="34" charset="0"/>
+                <a:ea typeface="Calibri" panose="020F0502020204030204" pitchFamily="34" charset="0"/>
+                <a:cs typeface="Arial" panose="020B0604020202020204" pitchFamily="34" charset="0"/>
+              </a:rPr>
+              <a:t>    </a:t>
+            </a:r>
+            <a:r>
+              <a:rPr lang="en-US" b="1" dirty="0">
+                <a:solidFill>
+                  <a:srgbClr val="000080"/>
+                </a:solidFill>
+                <a:latin typeface="Calibri" panose="020F0502020204030204" pitchFamily="34" charset="0"/>
+                <a:ea typeface="Calibri" panose="020F0502020204030204" pitchFamily="34" charset="0"/>
+                <a:cs typeface="Arial" panose="020B0604020202020204" pitchFamily="34" charset="0"/>
+              </a:rPr>
+              <a:t>await </a:t>
+            </a:r>
+            <a:r>
+              <a:rPr lang="en-US" i="1" dirty="0">
+                <a:solidFill>
+                  <a:srgbClr val="000000"/>
+                </a:solidFill>
+                <a:latin typeface="Calibri" panose="020F0502020204030204" pitchFamily="34" charset="0"/>
+                <a:ea typeface="Calibri" panose="020F0502020204030204" pitchFamily="34" charset="0"/>
+                <a:cs typeface="Arial" panose="020B0604020202020204" pitchFamily="34" charset="0"/>
+              </a:rPr>
+              <a:t>delay</a:t>
+            </a:r>
+            <a:r>
+              <a:rPr lang="en-US" dirty="0">
+                <a:solidFill>
+                  <a:srgbClr val="000000"/>
+                </a:solidFill>
+                <a:latin typeface="Calibri" panose="020F0502020204030204" pitchFamily="34" charset="0"/>
+                <a:ea typeface="Calibri" panose="020F0502020204030204" pitchFamily="34" charset="0"/>
+                <a:cs typeface="Arial" panose="020B0604020202020204" pitchFamily="34" charset="0"/>
+              </a:rPr>
+              <a:t>(</a:t>
+            </a:r>
+            <a:r>
+              <a:rPr lang="en-US" dirty="0">
+                <a:solidFill>
+                  <a:srgbClr val="0000FF"/>
+                </a:solidFill>
+                <a:latin typeface="Calibri" panose="020F0502020204030204" pitchFamily="34" charset="0"/>
+                <a:ea typeface="Calibri" panose="020F0502020204030204" pitchFamily="34" charset="0"/>
+                <a:cs typeface="Arial" panose="020B0604020202020204" pitchFamily="34" charset="0"/>
+              </a:rPr>
+              <a:t>1000</a:t>
+            </a:r>
+            <a:r>
+              <a:rPr lang="en-US" dirty="0">
+                <a:solidFill>
+                  <a:srgbClr val="000000"/>
+                </a:solidFill>
+                <a:latin typeface="Calibri" panose="020F0502020204030204" pitchFamily="34" charset="0"/>
+                <a:ea typeface="Calibri" panose="020F0502020204030204" pitchFamily="34" charset="0"/>
+                <a:cs typeface="Arial" panose="020B0604020202020204" pitchFamily="34" charset="0"/>
+              </a:rPr>
+              <a:t>);</a:t>
+            </a:r>
+            <a:br>
+              <a:rPr lang="en-US" dirty="0">
+                <a:solidFill>
+                  <a:srgbClr val="000000"/>
+                </a:solidFill>
+                <a:latin typeface="Calibri" panose="020F0502020204030204" pitchFamily="34" charset="0"/>
+                <a:ea typeface="Calibri" panose="020F0502020204030204" pitchFamily="34" charset="0"/>
+                <a:cs typeface="Arial" panose="020B0604020202020204" pitchFamily="34" charset="0"/>
+              </a:rPr>
+            </a:br>
+            <a:r>
+              <a:rPr lang="en-US" dirty="0">
+                <a:solidFill>
+                  <a:srgbClr val="000000"/>
+                </a:solidFill>
+                <a:latin typeface="Calibri" panose="020F0502020204030204" pitchFamily="34" charset="0"/>
+                <a:ea typeface="Calibri" panose="020F0502020204030204" pitchFamily="34" charset="0"/>
+                <a:cs typeface="Arial" panose="020B0604020202020204" pitchFamily="34" charset="0"/>
+              </a:rPr>
+              <a:t>    </a:t>
+            </a:r>
+            <a:r>
+              <a:rPr lang="en-US" b="1" dirty="0">
+                <a:solidFill>
+                  <a:srgbClr val="000080"/>
+                </a:solidFill>
+                <a:latin typeface="Calibri" panose="020F0502020204030204" pitchFamily="34" charset="0"/>
+                <a:ea typeface="Calibri" panose="020F0502020204030204" pitchFamily="34" charset="0"/>
+                <a:cs typeface="Arial" panose="020B0604020202020204" pitchFamily="34" charset="0"/>
+              </a:rPr>
+              <a:t>yield </a:t>
+            </a:r>
+            <a:r>
+              <a:rPr lang="en-US" dirty="0">
+                <a:solidFill>
+                  <a:srgbClr val="0000FF"/>
+                </a:solidFill>
+                <a:latin typeface="Calibri" panose="020F0502020204030204" pitchFamily="34" charset="0"/>
+                <a:ea typeface="Calibri" panose="020F0502020204030204" pitchFamily="34" charset="0"/>
+                <a:cs typeface="Arial" panose="020B0604020202020204" pitchFamily="34" charset="0"/>
+              </a:rPr>
+              <a:t>1</a:t>
+            </a:r>
+            <a:r>
+              <a:rPr lang="en-US" dirty="0">
+                <a:solidFill>
+                  <a:srgbClr val="000000"/>
+                </a:solidFill>
+                <a:latin typeface="Calibri" panose="020F0502020204030204" pitchFamily="34" charset="0"/>
+                <a:ea typeface="Calibri" panose="020F0502020204030204" pitchFamily="34" charset="0"/>
+                <a:cs typeface="Arial" panose="020B0604020202020204" pitchFamily="34" charset="0"/>
+              </a:rPr>
+              <a:t>;</a:t>
+            </a:r>
+            <a:br>
+              <a:rPr lang="en-US" dirty="0">
+                <a:solidFill>
+                  <a:srgbClr val="000000"/>
+                </a:solidFill>
+                <a:latin typeface="Calibri" panose="020F0502020204030204" pitchFamily="34" charset="0"/>
+                <a:ea typeface="Calibri" panose="020F0502020204030204" pitchFamily="34" charset="0"/>
+                <a:cs typeface="Arial" panose="020B0604020202020204" pitchFamily="34" charset="0"/>
+              </a:rPr>
+            </a:br>
+            <a:r>
+              <a:rPr lang="en-US" dirty="0">
+                <a:solidFill>
+                  <a:srgbClr val="000000"/>
+                </a:solidFill>
+                <a:latin typeface="Calibri" panose="020F0502020204030204" pitchFamily="34" charset="0"/>
+                <a:ea typeface="Calibri" panose="020F0502020204030204" pitchFamily="34" charset="0"/>
+                <a:cs typeface="Arial" panose="020B0604020202020204" pitchFamily="34" charset="0"/>
+              </a:rPr>
+              <a:t>    </a:t>
+            </a:r>
+            <a:r>
+              <a:rPr lang="en-US" b="1" dirty="0">
+                <a:solidFill>
+                  <a:srgbClr val="000080"/>
+                </a:solidFill>
+                <a:latin typeface="Calibri" panose="020F0502020204030204" pitchFamily="34" charset="0"/>
+                <a:ea typeface="Calibri" panose="020F0502020204030204" pitchFamily="34" charset="0"/>
+                <a:cs typeface="Arial" panose="020B0604020202020204" pitchFamily="34" charset="0"/>
+              </a:rPr>
+              <a:t>await </a:t>
+            </a:r>
+            <a:r>
+              <a:rPr lang="en-US" i="1" dirty="0">
+                <a:solidFill>
+                  <a:srgbClr val="000000"/>
+                </a:solidFill>
+                <a:latin typeface="Calibri" panose="020F0502020204030204" pitchFamily="34" charset="0"/>
+                <a:ea typeface="Calibri" panose="020F0502020204030204" pitchFamily="34" charset="0"/>
+                <a:cs typeface="Arial" panose="020B0604020202020204" pitchFamily="34" charset="0"/>
+              </a:rPr>
+              <a:t>delay</a:t>
+            </a:r>
+            <a:r>
+              <a:rPr lang="en-US" dirty="0">
+                <a:solidFill>
+                  <a:srgbClr val="000000"/>
+                </a:solidFill>
+                <a:latin typeface="Calibri" panose="020F0502020204030204" pitchFamily="34" charset="0"/>
+                <a:ea typeface="Calibri" panose="020F0502020204030204" pitchFamily="34" charset="0"/>
+                <a:cs typeface="Arial" panose="020B0604020202020204" pitchFamily="34" charset="0"/>
+              </a:rPr>
+              <a:t>(</a:t>
+            </a:r>
+            <a:r>
+              <a:rPr lang="en-US" dirty="0">
+                <a:solidFill>
+                  <a:srgbClr val="0000FF"/>
+                </a:solidFill>
+                <a:latin typeface="Calibri" panose="020F0502020204030204" pitchFamily="34" charset="0"/>
+                <a:ea typeface="Calibri" panose="020F0502020204030204" pitchFamily="34" charset="0"/>
+                <a:cs typeface="Arial" panose="020B0604020202020204" pitchFamily="34" charset="0"/>
+              </a:rPr>
+              <a:t>2000</a:t>
+            </a:r>
+            <a:r>
+              <a:rPr lang="en-US" dirty="0">
+                <a:solidFill>
+                  <a:srgbClr val="000000"/>
+                </a:solidFill>
+                <a:latin typeface="Calibri" panose="020F0502020204030204" pitchFamily="34" charset="0"/>
+                <a:ea typeface="Calibri" panose="020F0502020204030204" pitchFamily="34" charset="0"/>
+                <a:cs typeface="Arial" panose="020B0604020202020204" pitchFamily="34" charset="0"/>
+              </a:rPr>
+              <a:t>);</a:t>
+            </a:r>
+            <a:br>
+              <a:rPr lang="en-US" dirty="0">
+                <a:solidFill>
+                  <a:srgbClr val="000000"/>
+                </a:solidFill>
+                <a:latin typeface="Calibri" panose="020F0502020204030204" pitchFamily="34" charset="0"/>
+                <a:ea typeface="Calibri" panose="020F0502020204030204" pitchFamily="34" charset="0"/>
+                <a:cs typeface="Arial" panose="020B0604020202020204" pitchFamily="34" charset="0"/>
+              </a:rPr>
+            </a:br>
+            <a:r>
+              <a:rPr lang="en-US" dirty="0">
+                <a:solidFill>
+                  <a:srgbClr val="000000"/>
+                </a:solidFill>
+                <a:latin typeface="Calibri" panose="020F0502020204030204" pitchFamily="34" charset="0"/>
+                <a:ea typeface="Calibri" panose="020F0502020204030204" pitchFamily="34" charset="0"/>
+                <a:cs typeface="Arial" panose="020B0604020202020204" pitchFamily="34" charset="0"/>
+              </a:rPr>
+              <a:t>    </a:t>
+            </a:r>
+            <a:r>
+              <a:rPr lang="en-US" b="1" dirty="0">
+                <a:solidFill>
+                  <a:srgbClr val="000080"/>
+                </a:solidFill>
+                <a:latin typeface="Calibri" panose="020F0502020204030204" pitchFamily="34" charset="0"/>
+                <a:ea typeface="Calibri" panose="020F0502020204030204" pitchFamily="34" charset="0"/>
+                <a:cs typeface="Arial" panose="020B0604020202020204" pitchFamily="34" charset="0"/>
+              </a:rPr>
+              <a:t>yield </a:t>
+            </a:r>
+            <a:r>
+              <a:rPr lang="en-US" dirty="0">
+                <a:solidFill>
+                  <a:srgbClr val="0000FF"/>
+                </a:solidFill>
+                <a:latin typeface="Calibri" panose="020F0502020204030204" pitchFamily="34" charset="0"/>
+                <a:ea typeface="Calibri" panose="020F0502020204030204" pitchFamily="34" charset="0"/>
+                <a:cs typeface="Arial" panose="020B0604020202020204" pitchFamily="34" charset="0"/>
+              </a:rPr>
+              <a:t>2</a:t>
+            </a:r>
+            <a:r>
+              <a:rPr lang="en-US" dirty="0">
+                <a:solidFill>
+                  <a:srgbClr val="000000"/>
+                </a:solidFill>
+                <a:latin typeface="Calibri" panose="020F0502020204030204" pitchFamily="34" charset="0"/>
+                <a:ea typeface="Calibri" panose="020F0502020204030204" pitchFamily="34" charset="0"/>
+                <a:cs typeface="Arial" panose="020B0604020202020204" pitchFamily="34" charset="0"/>
+              </a:rPr>
+              <a:t>;</a:t>
+            </a:r>
+            <a:br>
+              <a:rPr lang="en-US" dirty="0">
+                <a:solidFill>
+                  <a:srgbClr val="000000"/>
+                </a:solidFill>
+                <a:latin typeface="Calibri" panose="020F0502020204030204" pitchFamily="34" charset="0"/>
+                <a:ea typeface="Calibri" panose="020F0502020204030204" pitchFamily="34" charset="0"/>
+                <a:cs typeface="Arial" panose="020B0604020202020204" pitchFamily="34" charset="0"/>
+              </a:rPr>
+            </a:br>
+            <a:r>
+              <a:rPr lang="en-US" dirty="0">
+                <a:solidFill>
+                  <a:srgbClr val="000000"/>
+                </a:solidFill>
+                <a:latin typeface="Calibri" panose="020F0502020204030204" pitchFamily="34" charset="0"/>
+                <a:ea typeface="Calibri" panose="020F0502020204030204" pitchFamily="34" charset="0"/>
+                <a:cs typeface="Arial" panose="020B0604020202020204" pitchFamily="34" charset="0"/>
+              </a:rPr>
+              <a:t>}</a:t>
+            </a:r>
+            <a:endParaRPr lang="en-US" dirty="0"/>
+          </a:p>
+        </p:txBody>
+      </p:sp>
+      <p:sp>
+        <p:nvSpPr>
+          <p:cNvPr id="7" name="Rectangle 6">
+            <a:extLst>
+              <a:ext uri="{FF2B5EF4-FFF2-40B4-BE49-F238E27FC236}">
+                <a16:creationId xmlns:a16="http://schemas.microsoft.com/office/drawing/2014/main" id="{08CFDD46-BCF6-45D1-B759-652632C49451}"/>
+              </a:ext>
+            </a:extLst>
+          </p:cNvPr>
+          <p:cNvSpPr/>
+          <p:nvPr/>
+        </p:nvSpPr>
+        <p:spPr>
+          <a:xfrm>
+            <a:off x="4431230" y="2060848"/>
+            <a:ext cx="3744416" cy="1477328"/>
+          </a:xfrm>
+          <a:prstGeom prst="rect">
+            <a:avLst/>
+          </a:prstGeom>
+          <a:solidFill>
+            <a:schemeClr val="accent1">
+              <a:lumMod val="40000"/>
+              <a:lumOff val="60000"/>
+            </a:schemeClr>
+          </a:solidFill>
+        </p:spPr>
+        <p:txBody>
+          <a:bodyPr wrap="square">
+            <a:spAutoFit/>
+          </a:bodyPr>
+          <a:lstStyle/>
+          <a:p>
+            <a:r>
+              <a:rPr lang="en-US" b="1" dirty="0">
+                <a:solidFill>
+                  <a:srgbClr val="000080"/>
+                </a:solidFill>
+                <a:latin typeface="Calibri" panose="020F0502020204030204" pitchFamily="34" charset="0"/>
+                <a:ea typeface="Calibri" panose="020F0502020204030204" pitchFamily="34" charset="0"/>
+                <a:cs typeface="Arial" panose="020B0604020202020204" pitchFamily="34" charset="0"/>
+              </a:rPr>
+              <a:t>async function </a:t>
+            </a:r>
+            <a:r>
+              <a:rPr lang="en-US" i="1" dirty="0">
+                <a:solidFill>
+                  <a:srgbClr val="000000"/>
+                </a:solidFill>
+                <a:latin typeface="Calibri" panose="020F0502020204030204" pitchFamily="34" charset="0"/>
+                <a:ea typeface="Calibri" panose="020F0502020204030204" pitchFamily="34" charset="0"/>
+                <a:cs typeface="Arial" panose="020B0604020202020204" pitchFamily="34" charset="0"/>
+              </a:rPr>
+              <a:t>main</a:t>
+            </a:r>
+            <a:r>
+              <a:rPr lang="en-US" dirty="0">
+                <a:solidFill>
+                  <a:srgbClr val="000000"/>
+                </a:solidFill>
+                <a:latin typeface="Calibri" panose="020F0502020204030204" pitchFamily="34" charset="0"/>
+                <a:ea typeface="Calibri" panose="020F0502020204030204" pitchFamily="34" charset="0"/>
+                <a:cs typeface="Arial" panose="020B0604020202020204" pitchFamily="34" charset="0"/>
+              </a:rPr>
+              <a:t>() {</a:t>
+            </a:r>
+            <a:br>
+              <a:rPr lang="en-US" dirty="0">
+                <a:solidFill>
+                  <a:srgbClr val="000000"/>
+                </a:solidFill>
+                <a:latin typeface="Calibri" panose="020F0502020204030204" pitchFamily="34" charset="0"/>
+                <a:ea typeface="Calibri" panose="020F0502020204030204" pitchFamily="34" charset="0"/>
+                <a:cs typeface="Arial" panose="020B0604020202020204" pitchFamily="34" charset="0"/>
+              </a:rPr>
+            </a:br>
+            <a:r>
+              <a:rPr lang="en-US" dirty="0">
+                <a:solidFill>
+                  <a:srgbClr val="000000"/>
+                </a:solidFill>
+                <a:latin typeface="Calibri" panose="020F0502020204030204" pitchFamily="34" charset="0"/>
+                <a:ea typeface="Calibri" panose="020F0502020204030204" pitchFamily="34" charset="0"/>
+                <a:cs typeface="Arial" panose="020B0604020202020204" pitchFamily="34" charset="0"/>
+              </a:rPr>
+              <a:t>    </a:t>
+            </a:r>
+            <a:r>
+              <a:rPr lang="en-US" b="1" dirty="0">
+                <a:solidFill>
+                  <a:srgbClr val="000080"/>
+                </a:solidFill>
+                <a:latin typeface="Calibri" panose="020F0502020204030204" pitchFamily="34" charset="0"/>
+                <a:ea typeface="Calibri" panose="020F0502020204030204" pitchFamily="34" charset="0"/>
+                <a:cs typeface="Arial" panose="020B0604020202020204" pitchFamily="34" charset="0"/>
+              </a:rPr>
+              <a:t>for await</a:t>
+            </a:r>
+            <a:r>
+              <a:rPr lang="en-US" dirty="0">
+                <a:solidFill>
+                  <a:srgbClr val="000000"/>
+                </a:solidFill>
+                <a:latin typeface="Calibri" panose="020F0502020204030204" pitchFamily="34" charset="0"/>
+                <a:ea typeface="Calibri" panose="020F0502020204030204" pitchFamily="34" charset="0"/>
+                <a:cs typeface="Arial" panose="020B0604020202020204" pitchFamily="34" charset="0"/>
+              </a:rPr>
+              <a:t>(</a:t>
+            </a:r>
+            <a:r>
+              <a:rPr lang="en-US" b="1" dirty="0">
+                <a:solidFill>
+                  <a:srgbClr val="000080"/>
+                </a:solidFill>
+                <a:latin typeface="Calibri" panose="020F0502020204030204" pitchFamily="34" charset="0"/>
+                <a:ea typeface="Calibri" panose="020F0502020204030204" pitchFamily="34" charset="0"/>
+                <a:cs typeface="Arial" panose="020B0604020202020204" pitchFamily="34" charset="0"/>
+              </a:rPr>
+              <a:t>const </a:t>
+            </a:r>
+            <a:r>
+              <a:rPr lang="en-US" dirty="0">
+                <a:solidFill>
+                  <a:srgbClr val="458383"/>
+                </a:solidFill>
+                <a:latin typeface="Calibri" panose="020F0502020204030204" pitchFamily="34" charset="0"/>
+                <a:ea typeface="Calibri" panose="020F0502020204030204" pitchFamily="34" charset="0"/>
+                <a:cs typeface="Arial" panose="020B0604020202020204" pitchFamily="34" charset="0"/>
+              </a:rPr>
+              <a:t>line </a:t>
+            </a:r>
+            <a:r>
+              <a:rPr lang="en-US" b="1" dirty="0">
+                <a:solidFill>
+                  <a:srgbClr val="000080"/>
+                </a:solidFill>
+                <a:latin typeface="Calibri" panose="020F0502020204030204" pitchFamily="34" charset="0"/>
+                <a:ea typeface="Calibri" panose="020F0502020204030204" pitchFamily="34" charset="0"/>
+                <a:cs typeface="Arial" panose="020B0604020202020204" pitchFamily="34" charset="0"/>
+              </a:rPr>
+              <a:t>of </a:t>
+            </a:r>
+            <a:r>
+              <a:rPr lang="en-US" i="1" dirty="0" err="1">
+                <a:solidFill>
+                  <a:srgbClr val="000000"/>
+                </a:solidFill>
+                <a:latin typeface="Calibri" panose="020F0502020204030204" pitchFamily="34" charset="0"/>
+                <a:ea typeface="Calibri" panose="020F0502020204030204" pitchFamily="34" charset="0"/>
+                <a:cs typeface="Arial" panose="020B0604020202020204" pitchFamily="34" charset="0"/>
+              </a:rPr>
+              <a:t>getData</a:t>
+            </a:r>
+            <a:r>
+              <a:rPr lang="en-US" dirty="0">
+                <a:solidFill>
+                  <a:srgbClr val="000000"/>
+                </a:solidFill>
+                <a:latin typeface="Calibri" panose="020F0502020204030204" pitchFamily="34" charset="0"/>
+                <a:ea typeface="Calibri" panose="020F0502020204030204" pitchFamily="34" charset="0"/>
+                <a:cs typeface="Arial" panose="020B0604020202020204" pitchFamily="34" charset="0"/>
+              </a:rPr>
+              <a:t>()) {</a:t>
+            </a:r>
+            <a:br>
+              <a:rPr lang="en-US" dirty="0">
+                <a:solidFill>
+                  <a:srgbClr val="000000"/>
+                </a:solidFill>
+                <a:latin typeface="Calibri" panose="020F0502020204030204" pitchFamily="34" charset="0"/>
+                <a:ea typeface="Calibri" panose="020F0502020204030204" pitchFamily="34" charset="0"/>
+                <a:cs typeface="Arial" panose="020B0604020202020204" pitchFamily="34" charset="0"/>
+              </a:rPr>
+            </a:br>
+            <a:r>
+              <a:rPr lang="en-US" dirty="0">
+                <a:solidFill>
+                  <a:srgbClr val="000000"/>
+                </a:solidFill>
+                <a:latin typeface="Calibri" panose="020F0502020204030204" pitchFamily="34" charset="0"/>
+                <a:ea typeface="Calibri" panose="020F0502020204030204" pitchFamily="34" charset="0"/>
+                <a:cs typeface="Arial" panose="020B0604020202020204" pitchFamily="34" charset="0"/>
+              </a:rPr>
+              <a:t>        console.</a:t>
+            </a:r>
+            <a:r>
+              <a:rPr lang="en-US" dirty="0">
+                <a:solidFill>
+                  <a:srgbClr val="7A7A43"/>
+                </a:solidFill>
+                <a:latin typeface="Calibri" panose="020F0502020204030204" pitchFamily="34" charset="0"/>
+                <a:ea typeface="Calibri" panose="020F0502020204030204" pitchFamily="34" charset="0"/>
+                <a:cs typeface="Arial" panose="020B0604020202020204" pitchFamily="34" charset="0"/>
+              </a:rPr>
+              <a:t>log</a:t>
+            </a:r>
+            <a:r>
+              <a:rPr lang="en-US" dirty="0">
+                <a:solidFill>
+                  <a:srgbClr val="000000"/>
+                </a:solidFill>
+                <a:latin typeface="Calibri" panose="020F0502020204030204" pitchFamily="34" charset="0"/>
+                <a:ea typeface="Calibri" panose="020F0502020204030204" pitchFamily="34" charset="0"/>
+                <a:cs typeface="Arial" panose="020B0604020202020204" pitchFamily="34" charset="0"/>
+              </a:rPr>
+              <a:t>(</a:t>
+            </a:r>
+            <a:r>
+              <a:rPr lang="en-US" dirty="0">
+                <a:solidFill>
+                  <a:srgbClr val="458383"/>
+                </a:solidFill>
+                <a:latin typeface="Calibri" panose="020F0502020204030204" pitchFamily="34" charset="0"/>
+                <a:ea typeface="Calibri" panose="020F0502020204030204" pitchFamily="34" charset="0"/>
+                <a:cs typeface="Arial" panose="020B0604020202020204" pitchFamily="34" charset="0"/>
+              </a:rPr>
+              <a:t>line</a:t>
+            </a:r>
+            <a:r>
+              <a:rPr lang="en-US" dirty="0">
+                <a:solidFill>
+                  <a:srgbClr val="000000"/>
+                </a:solidFill>
+                <a:latin typeface="Calibri" panose="020F0502020204030204" pitchFamily="34" charset="0"/>
+                <a:ea typeface="Calibri" panose="020F0502020204030204" pitchFamily="34" charset="0"/>
+                <a:cs typeface="Arial" panose="020B0604020202020204" pitchFamily="34" charset="0"/>
+              </a:rPr>
+              <a:t>);</a:t>
+            </a:r>
+            <a:br>
+              <a:rPr lang="en-US" dirty="0">
+                <a:solidFill>
+                  <a:srgbClr val="000000"/>
+                </a:solidFill>
+                <a:latin typeface="Calibri" panose="020F0502020204030204" pitchFamily="34" charset="0"/>
+                <a:ea typeface="Calibri" panose="020F0502020204030204" pitchFamily="34" charset="0"/>
+                <a:cs typeface="Arial" panose="020B0604020202020204" pitchFamily="34" charset="0"/>
+              </a:rPr>
+            </a:br>
+            <a:r>
+              <a:rPr lang="en-US" dirty="0">
+                <a:solidFill>
+                  <a:srgbClr val="000000"/>
+                </a:solidFill>
+                <a:latin typeface="Calibri" panose="020F0502020204030204" pitchFamily="34" charset="0"/>
+                <a:ea typeface="Calibri" panose="020F0502020204030204" pitchFamily="34" charset="0"/>
+                <a:cs typeface="Arial" panose="020B0604020202020204" pitchFamily="34" charset="0"/>
+              </a:rPr>
+              <a:t>    }</a:t>
+            </a:r>
+            <a:br>
+              <a:rPr lang="en-US" dirty="0">
+                <a:solidFill>
+                  <a:srgbClr val="000000"/>
+                </a:solidFill>
+                <a:latin typeface="Calibri" panose="020F0502020204030204" pitchFamily="34" charset="0"/>
+                <a:ea typeface="Calibri" panose="020F0502020204030204" pitchFamily="34" charset="0"/>
+                <a:cs typeface="Arial" panose="020B0604020202020204" pitchFamily="34" charset="0"/>
+              </a:rPr>
+            </a:br>
+            <a:r>
+              <a:rPr lang="en-US" dirty="0">
+                <a:solidFill>
+                  <a:srgbClr val="000000"/>
+                </a:solidFill>
+                <a:latin typeface="Calibri" panose="020F0502020204030204" pitchFamily="34" charset="0"/>
+                <a:ea typeface="Calibri" panose="020F0502020204030204" pitchFamily="34" charset="0"/>
+                <a:cs typeface="Arial" panose="020B0604020202020204" pitchFamily="34" charset="0"/>
+              </a:rPr>
+              <a:t>}</a:t>
+            </a:r>
+            <a:endParaRPr lang="en-US" dirty="0"/>
+          </a:p>
+        </p:txBody>
+      </p:sp>
+    </p:spTree>
+    <p:extLst>
+      <p:ext uri="{BB962C8B-B14F-4D97-AF65-F5344CB8AC3E}">
+        <p14:creationId xmlns:p14="http://schemas.microsoft.com/office/powerpoint/2010/main" val="1822803368"/>
+      </p:ext>
+    </p:extLst>
+  </p:cSld>
+  <p:clrMapOvr>
+    <a:masterClrMapping/>
+  </p:clrMapOvr>
+</p:sld>
+</file>
+
+<file path=ppt/slides/slide32.xml><?xml version="1.0" encoding="utf-8"?>
+<p:sld xmlns:a="http://schemas.openxmlformats.org/drawingml/2006/main" xmlns:r="http://schemas.openxmlformats.org/officeDocument/2006/relationships" xmlns:p="http://schemas.openxmlformats.org/presentationml/2006/main">
+  <p:cSld>
+    <p:spTree>
+      <p:nvGrpSpPr>
+        <p:cNvPr id="1" name=""/>
+        <p:cNvGrpSpPr/>
+        <p:nvPr/>
+      </p:nvGrpSpPr>
+      <p:grpSpPr>
+        <a:xfrm>
+          <a:off x="0" y="0"/>
+          <a:ext cx="0" cy="0"/>
+          <a:chOff x="0" y="0"/>
+          <a:chExt cx="0" cy="0"/>
+        </a:xfrm>
+      </p:grpSpPr>
+      <p:sp>
+        <p:nvSpPr>
+          <p:cNvPr id="2" name="Title 1">
+            <a:extLst>
+              <a:ext uri="{FF2B5EF4-FFF2-40B4-BE49-F238E27FC236}">
                 <a16:creationId xmlns:a16="http://schemas.microsoft.com/office/drawing/2014/main" id="{E6556C4D-9231-4DC8-9B88-331E52FE80FB}"/>
               </a:ext>
             </a:extLst>
@@ -29492,7 +30257,7 @@
             <a:fld id="{87B78B44-2135-4DB2-B732-E7D5FFF77B6A}" type="slidenum">
               <a:rPr lang="en-US" smtClean="0"/>
               <a:pPr/>
-              <a:t>31</a:t>
+              <a:t>32</a:t>
             </a:fld>
             <a:endParaRPr lang="en-US"/>
           </a:p>
@@ -30191,7 +30956,7 @@
 </p:sld>
 </file>
 
-<file path=ppt/slides/slide32.xml><?xml version="1.0" encoding="utf-8"?>
+<file path=ppt/slides/slide33.xml><?xml version="1.0" encoding="utf-8"?>
 <p:sld xmlns:a="http://schemas.openxmlformats.org/drawingml/2006/main" xmlns:r="http://schemas.openxmlformats.org/officeDocument/2006/relationships" xmlns:p="http://schemas.openxmlformats.org/presentationml/2006/main">
   <p:cSld>
     <p:spTree>
@@ -30292,7 +31057,7 @@
             <a:fld id="{87B78B44-2135-4DB2-B732-E7D5FFF77B6A}" type="slidenum">
               <a:rPr lang="en-US" smtClean="0"/>
               <a:pPr/>
-              <a:t>32</a:t>
+              <a:t>33</a:t>
             </a:fld>
             <a:endParaRPr lang="en-US"/>
           </a:p>
@@ -31106,7 +31871,7 @@
 </p:sld>
 </file>
 
-<file path=ppt/slides/slide33.xml><?xml version="1.0" encoding="utf-8"?>
+<file path=ppt/slides/slide34.xml><?xml version="1.0" encoding="utf-8"?>
 <p:sld xmlns:a="http://schemas.openxmlformats.org/drawingml/2006/main" xmlns:r="http://schemas.openxmlformats.org/officeDocument/2006/relationships" xmlns:p="http://schemas.openxmlformats.org/presentationml/2006/main">
   <p:cSld>
     <p:spTree>
@@ -31207,7 +31972,7 @@
             <a:fld id="{87B78B44-2135-4DB2-B732-E7D5FFF77B6A}" type="slidenum">
               <a:rPr lang="en-US" smtClean="0"/>
               <a:pPr/>
-              <a:t>33</a:t>
+              <a:t>34</a:t>
             </a:fld>
             <a:endParaRPr lang="en-US"/>
           </a:p>
@@ -32026,7 +32791,7 @@
 </p:sld>
 </file>
 
-<file path=ppt/slides/slide34.xml><?xml version="1.0" encoding="utf-8"?>
+<file path=ppt/slides/slide35.xml><?xml version="1.0" encoding="utf-8"?>
 <p:sld xmlns:a="http://schemas.openxmlformats.org/drawingml/2006/main" xmlns:r="http://schemas.openxmlformats.org/officeDocument/2006/relationships" xmlns:p="http://schemas.openxmlformats.org/presentationml/2006/main">
   <p:cSld>
     <p:spTree>
@@ -32127,7 +32892,7 @@
             <a:fld id="{87B78B44-2135-4DB2-B732-E7D5FFF77B6A}" type="slidenum">
               <a:rPr lang="en-US" smtClean="0"/>
               <a:pPr/>
-              <a:t>34</a:t>
+              <a:t>35</a:t>
             </a:fld>
             <a:endParaRPr lang="en-US"/>
           </a:p>
@@ -32963,7 +33728,7 @@
 </p:sld>
 </file>
 
-<file path=ppt/slides/slide35.xml><?xml version="1.0" encoding="utf-8"?>
+<file path=ppt/slides/slide36.xml><?xml version="1.0" encoding="utf-8"?>
 <p:sld xmlns:a="http://schemas.openxmlformats.org/drawingml/2006/main" xmlns:r="http://schemas.openxmlformats.org/officeDocument/2006/relationships" xmlns:p="http://schemas.openxmlformats.org/presentationml/2006/main">
   <p:cSld>
     <p:spTree>
@@ -33064,7 +33829,7 @@
             <a:fld id="{87B78B44-2135-4DB2-B732-E7D5FFF77B6A}" type="slidenum">
               <a:rPr lang="en-US" smtClean="0"/>
               <a:pPr/>
-              <a:t>35</a:t>
+              <a:t>36</a:t>
             </a:fld>
             <a:endParaRPr lang="en-US"/>
           </a:p>
@@ -33156,7 +33921,7 @@
 </p:sld>
 </file>
 
-<file path=ppt/slides/slide36.xml><?xml version="1.0" encoding="utf-8"?>
+<file path=ppt/slides/slide37.xml><?xml version="1.0" encoding="utf-8"?>
 <p:sld xmlns:a="http://schemas.openxmlformats.org/drawingml/2006/main" xmlns:r="http://schemas.openxmlformats.org/officeDocument/2006/relationships" xmlns:p="http://schemas.openxmlformats.org/presentationml/2006/main">
   <p:cSld>
     <p:spTree>
@@ -33257,7 +34022,7 @@
             <a:fld id="{87B78B44-2135-4DB2-B732-E7D5FFF77B6A}" type="slidenum">
               <a:rPr lang="en-US" smtClean="0"/>
               <a:pPr/>
-              <a:t>36</a:t>
+              <a:t>37</a:t>
             </a:fld>
             <a:endParaRPr lang="en-US"/>
           </a:p>
@@ -34156,7 +34921,7 @@
 </p:sld>
 </file>
 
-<file path=ppt/slides/slide37.xml><?xml version="1.0" encoding="utf-8"?>
+<file path=ppt/slides/slide38.xml><?xml version="1.0" encoding="utf-8"?>
 <p:sld xmlns:a="http://schemas.openxmlformats.org/drawingml/2006/main" xmlns:r="http://schemas.openxmlformats.org/officeDocument/2006/relationships" xmlns:p="http://schemas.openxmlformats.org/presentationml/2006/main">
   <p:cSld>
     <p:spTree>
@@ -34257,7 +35022,7 @@
             <a:fld id="{87B78B44-2135-4DB2-B732-E7D5FFF77B6A}" type="slidenum">
               <a:rPr lang="en-US" smtClean="0"/>
               <a:pPr/>
-              <a:t>37</a:t>
+              <a:t>38</a:t>
             </a:fld>
             <a:endParaRPr lang="en-US"/>
           </a:p>
@@ -35098,7 +35863,7 @@
 </p:sld>
 </file>
 
-<file path=ppt/slides/slide38.xml><?xml version="1.0" encoding="utf-8"?>
+<file path=ppt/slides/slide39.xml><?xml version="1.0" encoding="utf-8"?>
 <p:sld xmlns:a="http://schemas.openxmlformats.org/drawingml/2006/main" xmlns:r="http://schemas.openxmlformats.org/officeDocument/2006/relationships" xmlns:p="http://schemas.openxmlformats.org/presentationml/2006/main">
   <p:cSld>
     <p:spTree>
@@ -35199,7 +35964,7 @@
             <a:fld id="{87B78B44-2135-4DB2-B732-E7D5FFF77B6A}" type="slidenum">
               <a:rPr lang="en-US" smtClean="0"/>
               <a:pPr/>
-              <a:t>38</a:t>
+              <a:t>39</a:t>
             </a:fld>
             <a:endParaRPr lang="en-US"/>
           </a:p>
@@ -35681,182 +36446,6 @@
     <p:extLst>
       <p:ext uri="{BB962C8B-B14F-4D97-AF65-F5344CB8AC3E}">
         <p14:creationId xmlns:p14="http://schemas.microsoft.com/office/powerpoint/2010/main" val="2211250112"/>
-      </p:ext>
-    </p:extLst>
-  </p:cSld>
-  <p:clrMapOvr>
-    <a:masterClrMapping/>
-  </p:clrMapOvr>
-</p:sld>
-</file>
-
-<file path=ppt/slides/slide39.xml><?xml version="1.0" encoding="utf-8"?>
-<p:sld xmlns:a="http://schemas.openxmlformats.org/drawingml/2006/main" xmlns:r="http://schemas.openxmlformats.org/officeDocument/2006/relationships" xmlns:p="http://schemas.openxmlformats.org/presentationml/2006/main">
-  <p:cSld>
-    <p:spTree>
-      <p:nvGrpSpPr>
-        <p:cNvPr id="1" name=""/>
-        <p:cNvGrpSpPr/>
-        <p:nvPr/>
-      </p:nvGrpSpPr>
-      <p:grpSpPr>
-        <a:xfrm>
-          <a:off x="0" y="0"/>
-          <a:ext cx="0" cy="0"/>
-          <a:chOff x="0" y="0"/>
-          <a:chExt cx="0" cy="0"/>
-        </a:xfrm>
-      </p:grpSpPr>
-      <p:sp>
-        <p:nvSpPr>
-          <p:cNvPr id="2" name="Title 1">
-            <a:extLst>
-              <a:ext uri="{FF2B5EF4-FFF2-40B4-BE49-F238E27FC236}">
-                <a16:creationId xmlns:a16="http://schemas.microsoft.com/office/drawing/2014/main" id="{53C3C042-2E60-4F2F-8CAB-5A143F19806F}"/>
-              </a:ext>
-            </a:extLst>
-          </p:cNvPr>
-          <p:cNvSpPr>
-            <a:spLocks noGrp="1"/>
-          </p:cNvSpPr>
-          <p:nvPr>
-            <p:ph type="title"/>
-          </p:nvPr>
-        </p:nvSpPr>
-        <p:spPr/>
-        <p:txBody>
-          <a:bodyPr/>
-          <a:lstStyle/>
-          <a:p>
-            <a:r>
-              <a:rPr lang="en-US" dirty="0"/>
-              <a:t>AMD</a:t>
-            </a:r>
-            <a:endParaRPr lang="he-IL" dirty="0"/>
-          </a:p>
-        </p:txBody>
-      </p:sp>
-      <p:sp>
-        <p:nvSpPr>
-          <p:cNvPr id="3" name="Footer Placeholder 2">
-            <a:extLst>
-              <a:ext uri="{FF2B5EF4-FFF2-40B4-BE49-F238E27FC236}">
-                <a16:creationId xmlns:a16="http://schemas.microsoft.com/office/drawing/2014/main" id="{4134CDDC-5BB6-4F6E-8B9D-D71D1AAF0DA0}"/>
-              </a:ext>
-            </a:extLst>
-          </p:cNvPr>
-          <p:cNvSpPr>
-            <a:spLocks noGrp="1"/>
-          </p:cNvSpPr>
-          <p:nvPr>
-            <p:ph type="ftr" sz="quarter" idx="11"/>
-          </p:nvPr>
-        </p:nvSpPr>
-        <p:spPr/>
-        <p:txBody>
-          <a:bodyPr/>
-          <a:lstStyle/>
-          <a:p>
-            <a:r>
-              <a:rPr lang="en-US"/>
-              <a:t>© 2018 Ori Calvo</a:t>
-            </a:r>
-            <a:endParaRPr lang="en-US" dirty="0"/>
-          </a:p>
-        </p:txBody>
-      </p:sp>
-      <p:sp>
-        <p:nvSpPr>
-          <p:cNvPr id="4" name="Slide Number Placeholder 3">
-            <a:extLst>
-              <a:ext uri="{FF2B5EF4-FFF2-40B4-BE49-F238E27FC236}">
-                <a16:creationId xmlns:a16="http://schemas.microsoft.com/office/drawing/2014/main" id="{7EAEEE52-428E-432D-B2FF-42B2AFDCB0A5}"/>
-              </a:ext>
-            </a:extLst>
-          </p:cNvPr>
-          <p:cNvSpPr>
-            <a:spLocks noGrp="1"/>
-          </p:cNvSpPr>
-          <p:nvPr>
-            <p:ph type="sldNum" sz="quarter" idx="12"/>
-          </p:nvPr>
-        </p:nvSpPr>
-        <p:spPr/>
-        <p:txBody>
-          <a:bodyPr>
-            <a:normAutofit fontScale="85000" lnSpcReduction="20000"/>
-          </a:bodyPr>
-          <a:lstStyle/>
-          <a:p>
-            <a:fld id="{87B78B44-2135-4DB2-B732-E7D5FFF77B6A}" type="slidenum">
-              <a:rPr lang="en-US" smtClean="0"/>
-              <a:pPr/>
-              <a:t>39</a:t>
-            </a:fld>
-            <a:endParaRPr lang="en-US"/>
-          </a:p>
-        </p:txBody>
-      </p:sp>
-      <p:sp>
-        <p:nvSpPr>
-          <p:cNvPr id="5" name="Content Placeholder 4">
-            <a:extLst>
-              <a:ext uri="{FF2B5EF4-FFF2-40B4-BE49-F238E27FC236}">
-                <a16:creationId xmlns:a16="http://schemas.microsoft.com/office/drawing/2014/main" id="{A1C97810-DFA2-46C3-8DEC-A19D6761A314}"/>
-              </a:ext>
-            </a:extLst>
-          </p:cNvPr>
-          <p:cNvSpPr>
-            <a:spLocks noGrp="1"/>
-          </p:cNvSpPr>
-          <p:nvPr>
-            <p:ph sz="quarter" idx="1"/>
-          </p:nvPr>
-        </p:nvSpPr>
-        <p:spPr/>
-        <p:txBody>
-          <a:bodyPr/>
-          <a:lstStyle/>
-          <a:p>
-            <a:r>
-              <a:rPr lang="en-US" dirty="0"/>
-              <a:t>AMD does not require browser help</a:t>
-            </a:r>
-          </a:p>
-          <a:p>
-            <a:r>
-              <a:rPr lang="en-US" dirty="0"/>
-              <a:t>It is implement by the </a:t>
-            </a:r>
-            <a:r>
-              <a:rPr lang="en-US" dirty="0">
-                <a:solidFill>
-                  <a:srgbClr val="FF0000"/>
-                </a:solidFill>
-              </a:rPr>
-              <a:t>require.js</a:t>
-            </a:r>
-            <a:r>
-              <a:rPr lang="en-US" dirty="0"/>
-              <a:t> library</a:t>
-            </a:r>
-          </a:p>
-          <a:p>
-            <a:endParaRPr lang="en-US" dirty="0"/>
-          </a:p>
-          <a:p>
-            <a:r>
-              <a:rPr lang="en-US" dirty="0"/>
-              <a:t>Too much details … take me to interesting part</a:t>
-            </a:r>
-            <a:endParaRPr lang="he-IL" dirty="0"/>
-          </a:p>
-        </p:txBody>
-      </p:sp>
-    </p:spTree>
-    <p:extLst>
-      <p:ext uri="{BB962C8B-B14F-4D97-AF65-F5344CB8AC3E}">
-        <p14:creationId xmlns:p14="http://schemas.microsoft.com/office/powerpoint/2010/main" val="3976294869"/>
       </p:ext>
     </p:extLst>
   </p:cSld>
@@ -36046,6 +36635,182 @@
           <p:cNvPr id="2" name="Title 1">
             <a:extLst>
               <a:ext uri="{FF2B5EF4-FFF2-40B4-BE49-F238E27FC236}">
+                <a16:creationId xmlns:a16="http://schemas.microsoft.com/office/drawing/2014/main" id="{53C3C042-2E60-4F2F-8CAB-5A143F19806F}"/>
+              </a:ext>
+            </a:extLst>
+          </p:cNvPr>
+          <p:cNvSpPr>
+            <a:spLocks noGrp="1"/>
+          </p:cNvSpPr>
+          <p:nvPr>
+            <p:ph type="title"/>
+          </p:nvPr>
+        </p:nvSpPr>
+        <p:spPr/>
+        <p:txBody>
+          <a:bodyPr/>
+          <a:lstStyle/>
+          <a:p>
+            <a:r>
+              <a:rPr lang="en-US" dirty="0"/>
+              <a:t>AMD</a:t>
+            </a:r>
+            <a:endParaRPr lang="he-IL" dirty="0"/>
+          </a:p>
+        </p:txBody>
+      </p:sp>
+      <p:sp>
+        <p:nvSpPr>
+          <p:cNvPr id="3" name="Footer Placeholder 2">
+            <a:extLst>
+              <a:ext uri="{FF2B5EF4-FFF2-40B4-BE49-F238E27FC236}">
+                <a16:creationId xmlns:a16="http://schemas.microsoft.com/office/drawing/2014/main" id="{4134CDDC-5BB6-4F6E-8B9D-D71D1AAF0DA0}"/>
+              </a:ext>
+            </a:extLst>
+          </p:cNvPr>
+          <p:cNvSpPr>
+            <a:spLocks noGrp="1"/>
+          </p:cNvSpPr>
+          <p:nvPr>
+            <p:ph type="ftr" sz="quarter" idx="11"/>
+          </p:nvPr>
+        </p:nvSpPr>
+        <p:spPr/>
+        <p:txBody>
+          <a:bodyPr/>
+          <a:lstStyle/>
+          <a:p>
+            <a:r>
+              <a:rPr lang="en-US"/>
+              <a:t>© 2018 Ori Calvo</a:t>
+            </a:r>
+            <a:endParaRPr lang="en-US" dirty="0"/>
+          </a:p>
+        </p:txBody>
+      </p:sp>
+      <p:sp>
+        <p:nvSpPr>
+          <p:cNvPr id="4" name="Slide Number Placeholder 3">
+            <a:extLst>
+              <a:ext uri="{FF2B5EF4-FFF2-40B4-BE49-F238E27FC236}">
+                <a16:creationId xmlns:a16="http://schemas.microsoft.com/office/drawing/2014/main" id="{7EAEEE52-428E-432D-B2FF-42B2AFDCB0A5}"/>
+              </a:ext>
+            </a:extLst>
+          </p:cNvPr>
+          <p:cNvSpPr>
+            <a:spLocks noGrp="1"/>
+          </p:cNvSpPr>
+          <p:nvPr>
+            <p:ph type="sldNum" sz="quarter" idx="12"/>
+          </p:nvPr>
+        </p:nvSpPr>
+        <p:spPr/>
+        <p:txBody>
+          <a:bodyPr>
+            <a:normAutofit fontScale="85000" lnSpcReduction="20000"/>
+          </a:bodyPr>
+          <a:lstStyle/>
+          <a:p>
+            <a:fld id="{87B78B44-2135-4DB2-B732-E7D5FFF77B6A}" type="slidenum">
+              <a:rPr lang="en-US" smtClean="0"/>
+              <a:pPr/>
+              <a:t>40</a:t>
+            </a:fld>
+            <a:endParaRPr lang="en-US"/>
+          </a:p>
+        </p:txBody>
+      </p:sp>
+      <p:sp>
+        <p:nvSpPr>
+          <p:cNvPr id="5" name="Content Placeholder 4">
+            <a:extLst>
+              <a:ext uri="{FF2B5EF4-FFF2-40B4-BE49-F238E27FC236}">
+                <a16:creationId xmlns:a16="http://schemas.microsoft.com/office/drawing/2014/main" id="{A1C97810-DFA2-46C3-8DEC-A19D6761A314}"/>
+              </a:ext>
+            </a:extLst>
+          </p:cNvPr>
+          <p:cNvSpPr>
+            <a:spLocks noGrp="1"/>
+          </p:cNvSpPr>
+          <p:nvPr>
+            <p:ph sz="quarter" idx="1"/>
+          </p:nvPr>
+        </p:nvSpPr>
+        <p:spPr/>
+        <p:txBody>
+          <a:bodyPr/>
+          <a:lstStyle/>
+          <a:p>
+            <a:r>
+              <a:rPr lang="en-US" dirty="0"/>
+              <a:t>AMD does not require browser help</a:t>
+            </a:r>
+          </a:p>
+          <a:p>
+            <a:r>
+              <a:rPr lang="en-US" dirty="0"/>
+              <a:t>It is implement by the </a:t>
+            </a:r>
+            <a:r>
+              <a:rPr lang="en-US" dirty="0">
+                <a:solidFill>
+                  <a:srgbClr val="FF0000"/>
+                </a:solidFill>
+              </a:rPr>
+              <a:t>require.js</a:t>
+            </a:r>
+            <a:r>
+              <a:rPr lang="en-US" dirty="0"/>
+              <a:t> library</a:t>
+            </a:r>
+          </a:p>
+          <a:p>
+            <a:endParaRPr lang="en-US" dirty="0"/>
+          </a:p>
+          <a:p>
+            <a:r>
+              <a:rPr lang="en-US" dirty="0"/>
+              <a:t>Too much details … take me to interesting part</a:t>
+            </a:r>
+            <a:endParaRPr lang="he-IL" dirty="0"/>
+          </a:p>
+        </p:txBody>
+      </p:sp>
+    </p:spTree>
+    <p:extLst>
+      <p:ext uri="{BB962C8B-B14F-4D97-AF65-F5344CB8AC3E}">
+        <p14:creationId xmlns:p14="http://schemas.microsoft.com/office/powerpoint/2010/main" val="3976294869"/>
+      </p:ext>
+    </p:extLst>
+  </p:cSld>
+  <p:clrMapOvr>
+    <a:masterClrMapping/>
+  </p:clrMapOvr>
+</p:sld>
+</file>
+
+<file path=ppt/slides/slide41.xml><?xml version="1.0" encoding="utf-8"?>
+<p:sld xmlns:a="http://schemas.openxmlformats.org/drawingml/2006/main" xmlns:r="http://schemas.openxmlformats.org/officeDocument/2006/relationships" xmlns:p="http://schemas.openxmlformats.org/presentationml/2006/main">
+  <p:cSld>
+    <p:spTree>
+      <p:nvGrpSpPr>
+        <p:cNvPr id="1" name=""/>
+        <p:cNvGrpSpPr/>
+        <p:nvPr/>
+      </p:nvGrpSpPr>
+      <p:grpSpPr>
+        <a:xfrm>
+          <a:off x="0" y="0"/>
+          <a:ext cx="0" cy="0"/>
+          <a:chOff x="0" y="0"/>
+          <a:chExt cx="0" cy="0"/>
+        </a:xfrm>
+      </p:grpSpPr>
+      <p:sp>
+        <p:nvSpPr>
+          <p:cNvPr id="2" name="Title 1">
+            <a:extLst>
+              <a:ext uri="{FF2B5EF4-FFF2-40B4-BE49-F238E27FC236}">
                 <a16:creationId xmlns:a16="http://schemas.microsoft.com/office/drawing/2014/main" id="{A8054994-E00F-4751-B413-7E9D3C259831}"/>
               </a:ext>
             </a:extLst>
@@ -36125,7 +36890,7 @@
             <a:fld id="{87B78B44-2135-4DB2-B732-E7D5FFF77B6A}" type="slidenum">
               <a:rPr lang="en-US" smtClean="0"/>
               <a:pPr/>
-              <a:t>40</a:t>
+              <a:t>41</a:t>
             </a:fld>
             <a:endParaRPr lang="en-US"/>
           </a:p>
@@ -36532,7 +37297,7 @@
 </p:sld>
 </file>
 
-<file path=ppt/slides/slide41.xml><?xml version="1.0" encoding="utf-8"?>
+<file path=ppt/slides/slide42.xml><?xml version="1.0" encoding="utf-8"?>
 <p:sld xmlns:a="http://schemas.openxmlformats.org/drawingml/2006/main" xmlns:r="http://schemas.openxmlformats.org/officeDocument/2006/relationships" xmlns:p="http://schemas.openxmlformats.org/presentationml/2006/main">
   <p:cSld>
     <p:spTree>
@@ -36633,7 +37398,7 @@
             <a:fld id="{87B78B44-2135-4DB2-B732-E7D5FFF77B6A}" type="slidenum">
               <a:rPr lang="en-US" smtClean="0"/>
               <a:pPr/>
-              <a:t>41</a:t>
+              <a:t>42</a:t>
             </a:fld>
             <a:endParaRPr lang="en-US"/>
           </a:p>
@@ -37628,6 +38393,4105 @@
     <p:extLst>
       <p:ext uri="{BB962C8B-B14F-4D97-AF65-F5344CB8AC3E}">
         <p14:creationId xmlns:p14="http://schemas.microsoft.com/office/powerpoint/2010/main" val="3725769886"/>
+      </p:ext>
+    </p:extLst>
+  </p:cSld>
+  <p:clrMapOvr>
+    <a:masterClrMapping/>
+  </p:clrMapOvr>
+</p:sld>
+</file>
+
+<file path=ppt/slides/slide43.xml><?xml version="1.0" encoding="utf-8"?>
+<p:sld xmlns:a="http://schemas.openxmlformats.org/drawingml/2006/main" xmlns:r="http://schemas.openxmlformats.org/officeDocument/2006/relationships" xmlns:p="http://schemas.openxmlformats.org/presentationml/2006/main">
+  <p:cSld>
+    <p:spTree>
+      <p:nvGrpSpPr>
+        <p:cNvPr id="1" name=""/>
+        <p:cNvGrpSpPr/>
+        <p:nvPr/>
+      </p:nvGrpSpPr>
+      <p:grpSpPr>
+        <a:xfrm>
+          <a:off x="0" y="0"/>
+          <a:ext cx="0" cy="0"/>
+          <a:chOff x="0" y="0"/>
+          <a:chExt cx="0" cy="0"/>
+        </a:xfrm>
+      </p:grpSpPr>
+      <p:sp>
+        <p:nvSpPr>
+          <p:cNvPr id="2" name="Title 1">
+            <a:extLst>
+              <a:ext uri="{FF2B5EF4-FFF2-40B4-BE49-F238E27FC236}">
+                <a16:creationId xmlns:a16="http://schemas.microsoft.com/office/drawing/2014/main" id="{327E364C-7F0F-4B2A-A076-7AFC9C769C43}"/>
+              </a:ext>
+            </a:extLst>
+          </p:cNvPr>
+          <p:cNvSpPr>
+            <a:spLocks noGrp="1"/>
+          </p:cNvSpPr>
+          <p:nvPr>
+            <p:ph type="title"/>
+          </p:nvPr>
+        </p:nvSpPr>
+        <p:spPr/>
+        <p:txBody>
+          <a:bodyPr/>
+          <a:lstStyle/>
+          <a:p>
+            <a:r>
+              <a:rPr lang="en-US" dirty="0"/>
+              <a:t>Promise</a:t>
+            </a:r>
+          </a:p>
+        </p:txBody>
+      </p:sp>
+      <p:sp>
+        <p:nvSpPr>
+          <p:cNvPr id="3" name="Footer Placeholder 2">
+            <a:extLst>
+              <a:ext uri="{FF2B5EF4-FFF2-40B4-BE49-F238E27FC236}">
+                <a16:creationId xmlns:a16="http://schemas.microsoft.com/office/drawing/2014/main" id="{D5AF120C-78B2-44A9-B25B-10368F6812B4}"/>
+              </a:ext>
+            </a:extLst>
+          </p:cNvPr>
+          <p:cNvSpPr>
+            <a:spLocks noGrp="1"/>
+          </p:cNvSpPr>
+          <p:nvPr>
+            <p:ph type="ftr" sz="quarter" idx="11"/>
+          </p:nvPr>
+        </p:nvSpPr>
+        <p:spPr/>
+        <p:txBody>
+          <a:bodyPr/>
+          <a:lstStyle/>
+          <a:p>
+            <a:r>
+              <a:rPr lang="en-US"/>
+              <a:t>© 2018 Ori Calvo</a:t>
+            </a:r>
+            <a:endParaRPr lang="en-US" dirty="0"/>
+          </a:p>
+        </p:txBody>
+      </p:sp>
+      <p:sp>
+        <p:nvSpPr>
+          <p:cNvPr id="4" name="Slide Number Placeholder 3">
+            <a:extLst>
+              <a:ext uri="{FF2B5EF4-FFF2-40B4-BE49-F238E27FC236}">
+                <a16:creationId xmlns:a16="http://schemas.microsoft.com/office/drawing/2014/main" id="{65DA9B27-87EC-497D-B0D3-6A30A2E353E4}"/>
+              </a:ext>
+            </a:extLst>
+          </p:cNvPr>
+          <p:cNvSpPr>
+            <a:spLocks noGrp="1"/>
+          </p:cNvSpPr>
+          <p:nvPr>
+            <p:ph type="sldNum" sz="quarter" idx="12"/>
+          </p:nvPr>
+        </p:nvSpPr>
+        <p:spPr/>
+        <p:txBody>
+          <a:bodyPr>
+            <a:normAutofit fontScale="85000" lnSpcReduction="20000"/>
+          </a:bodyPr>
+          <a:lstStyle/>
+          <a:p>
+            <a:fld id="{87B78B44-2135-4DB2-B732-E7D5FFF77B6A}" type="slidenum">
+              <a:rPr lang="en-US" smtClean="0"/>
+              <a:pPr/>
+              <a:t>43</a:t>
+            </a:fld>
+            <a:endParaRPr lang="en-US"/>
+          </a:p>
+        </p:txBody>
+      </p:sp>
+      <p:sp>
+        <p:nvSpPr>
+          <p:cNvPr id="5" name="Content Placeholder 4">
+            <a:extLst>
+              <a:ext uri="{FF2B5EF4-FFF2-40B4-BE49-F238E27FC236}">
+                <a16:creationId xmlns:a16="http://schemas.microsoft.com/office/drawing/2014/main" id="{A17E6AF6-F742-4982-85CA-69E781FDFA64}"/>
+              </a:ext>
+            </a:extLst>
+          </p:cNvPr>
+          <p:cNvSpPr>
+            <a:spLocks noGrp="1"/>
+          </p:cNvSpPr>
+          <p:nvPr>
+            <p:ph sz="quarter" idx="1"/>
+          </p:nvPr>
+        </p:nvSpPr>
+        <p:spPr/>
+        <p:txBody>
+          <a:bodyPr/>
+          <a:lstStyle/>
+          <a:p>
+            <a:r>
+              <a:rPr lang="en-US" dirty="0"/>
+              <a:t>Promise object represent an asynchronous operation</a:t>
+            </a:r>
+          </a:p>
+          <a:p>
+            <a:r>
+              <a:rPr lang="en-US" dirty="0"/>
+              <a:t>A function the completes in the future returns a promise</a:t>
+            </a:r>
+          </a:p>
+          <a:p>
+            <a:r>
+              <a:rPr lang="en-US" dirty="0"/>
+              <a:t>The caller keeps the promise object and uses the then/catch handlers</a:t>
+            </a:r>
+          </a:p>
+          <a:p>
+            <a:r>
+              <a:rPr lang="en-US" dirty="0"/>
+              <a:t>Same idea as</a:t>
+            </a:r>
+          </a:p>
+          <a:p>
+            <a:pPr lvl="1"/>
+            <a:r>
+              <a:rPr lang="en-US" dirty="0"/>
+              <a:t>.NET Task</a:t>
+            </a:r>
+          </a:p>
+          <a:p>
+            <a:pPr lvl="1"/>
+            <a:r>
+              <a:rPr lang="en-US" dirty="0"/>
+              <a:t>Java Future</a:t>
+            </a:r>
+          </a:p>
+        </p:txBody>
+      </p:sp>
+    </p:spTree>
+    <p:extLst>
+      <p:ext uri="{BB962C8B-B14F-4D97-AF65-F5344CB8AC3E}">
+        <p14:creationId xmlns:p14="http://schemas.microsoft.com/office/powerpoint/2010/main" val="468821087"/>
+      </p:ext>
+    </p:extLst>
+  </p:cSld>
+  <p:clrMapOvr>
+    <a:masterClrMapping/>
+  </p:clrMapOvr>
+</p:sld>
+</file>
+
+<file path=ppt/slides/slide44.xml><?xml version="1.0" encoding="utf-8"?>
+<p:sld xmlns:a="http://schemas.openxmlformats.org/drawingml/2006/main" xmlns:r="http://schemas.openxmlformats.org/officeDocument/2006/relationships" xmlns:p="http://schemas.openxmlformats.org/presentationml/2006/main">
+  <p:cSld>
+    <p:spTree>
+      <p:nvGrpSpPr>
+        <p:cNvPr id="1" name=""/>
+        <p:cNvGrpSpPr/>
+        <p:nvPr/>
+      </p:nvGrpSpPr>
+      <p:grpSpPr>
+        <a:xfrm>
+          <a:off x="0" y="0"/>
+          <a:ext cx="0" cy="0"/>
+          <a:chOff x="0" y="0"/>
+          <a:chExt cx="0" cy="0"/>
+        </a:xfrm>
+      </p:grpSpPr>
+      <p:sp>
+        <p:nvSpPr>
+          <p:cNvPr id="2" name="Title 1">
+            <a:extLst>
+              <a:ext uri="{FF2B5EF4-FFF2-40B4-BE49-F238E27FC236}">
+                <a16:creationId xmlns:a16="http://schemas.microsoft.com/office/drawing/2014/main" id="{66D422E4-7DB0-475A-9973-4B9F30E6B780}"/>
+              </a:ext>
+            </a:extLst>
+          </p:cNvPr>
+          <p:cNvSpPr>
+            <a:spLocks noGrp="1"/>
+          </p:cNvSpPr>
+          <p:nvPr>
+            <p:ph type="title"/>
+          </p:nvPr>
+        </p:nvSpPr>
+        <p:spPr/>
+        <p:txBody>
+          <a:bodyPr/>
+          <a:lstStyle/>
+          <a:p>
+            <a:r>
+              <a:rPr lang="en-US" dirty="0"/>
+              <a:t>Promise</a:t>
+            </a:r>
+          </a:p>
+        </p:txBody>
+      </p:sp>
+      <p:sp>
+        <p:nvSpPr>
+          <p:cNvPr id="3" name="Footer Placeholder 2">
+            <a:extLst>
+              <a:ext uri="{FF2B5EF4-FFF2-40B4-BE49-F238E27FC236}">
+                <a16:creationId xmlns:a16="http://schemas.microsoft.com/office/drawing/2014/main" id="{33DD09FC-0D61-496D-BAAC-DD7314892F3B}"/>
+              </a:ext>
+            </a:extLst>
+          </p:cNvPr>
+          <p:cNvSpPr>
+            <a:spLocks noGrp="1"/>
+          </p:cNvSpPr>
+          <p:nvPr>
+            <p:ph type="ftr" sz="quarter" idx="11"/>
+          </p:nvPr>
+        </p:nvSpPr>
+        <p:spPr/>
+        <p:txBody>
+          <a:bodyPr/>
+          <a:lstStyle/>
+          <a:p>
+            <a:r>
+              <a:rPr lang="en-US"/>
+              <a:t>© 2018 Ori Calvo</a:t>
+            </a:r>
+            <a:endParaRPr lang="en-US" dirty="0"/>
+          </a:p>
+        </p:txBody>
+      </p:sp>
+      <p:sp>
+        <p:nvSpPr>
+          <p:cNvPr id="4" name="Slide Number Placeholder 3">
+            <a:extLst>
+              <a:ext uri="{FF2B5EF4-FFF2-40B4-BE49-F238E27FC236}">
+                <a16:creationId xmlns:a16="http://schemas.microsoft.com/office/drawing/2014/main" id="{BBB70581-5E99-4649-83C6-871474B95489}"/>
+              </a:ext>
+            </a:extLst>
+          </p:cNvPr>
+          <p:cNvSpPr>
+            <a:spLocks noGrp="1"/>
+          </p:cNvSpPr>
+          <p:nvPr>
+            <p:ph type="sldNum" sz="quarter" idx="12"/>
+          </p:nvPr>
+        </p:nvSpPr>
+        <p:spPr/>
+        <p:txBody>
+          <a:bodyPr>
+            <a:normAutofit fontScale="85000" lnSpcReduction="20000"/>
+          </a:bodyPr>
+          <a:lstStyle/>
+          <a:p>
+            <a:fld id="{87B78B44-2135-4DB2-B732-E7D5FFF77B6A}" type="slidenum">
+              <a:rPr lang="en-US" smtClean="0"/>
+              <a:pPr/>
+              <a:t>44</a:t>
+            </a:fld>
+            <a:endParaRPr lang="en-US"/>
+          </a:p>
+        </p:txBody>
+      </p:sp>
+      <p:sp>
+        <p:nvSpPr>
+          <p:cNvPr id="8" name="Rectangle 7">
+            <a:extLst>
+              <a:ext uri="{FF2B5EF4-FFF2-40B4-BE49-F238E27FC236}">
+                <a16:creationId xmlns:a16="http://schemas.microsoft.com/office/drawing/2014/main" id="{376D2D13-0675-4290-89BE-814AE353027D}"/>
+              </a:ext>
+            </a:extLst>
+          </p:cNvPr>
+          <p:cNvSpPr/>
+          <p:nvPr/>
+        </p:nvSpPr>
+        <p:spPr>
+          <a:xfrm>
+            <a:off x="1638136" y="1844824"/>
+            <a:ext cx="6102424" cy="4247317"/>
+          </a:xfrm>
+          <a:prstGeom prst="rect">
+            <a:avLst/>
+          </a:prstGeom>
+          <a:solidFill>
+            <a:schemeClr val="accent1">
+              <a:lumMod val="40000"/>
+              <a:lumOff val="60000"/>
+            </a:schemeClr>
+          </a:solidFill>
+        </p:spPr>
+        <p:txBody>
+          <a:bodyPr wrap="square">
+            <a:spAutoFit/>
+          </a:bodyPr>
+          <a:lstStyle/>
+          <a:p>
+            <a:r>
+              <a:rPr lang="en-US" b="1" dirty="0">
+                <a:solidFill>
+                  <a:srgbClr val="000080"/>
+                </a:solidFill>
+                <a:latin typeface="Courier New" panose="02070309020205020404" pitchFamily="49" charset="0"/>
+                <a:ea typeface="Times New Roman" panose="02020603050405020304" pitchFamily="18" charset="0"/>
+              </a:rPr>
+              <a:t>function </a:t>
+            </a:r>
+            <a:r>
+              <a:rPr lang="en-US" i="1" dirty="0">
+                <a:solidFill>
+                  <a:srgbClr val="000000"/>
+                </a:solidFill>
+                <a:latin typeface="Courier New" panose="02070309020205020404" pitchFamily="49" charset="0"/>
+                <a:ea typeface="Times New Roman" panose="02020603050405020304" pitchFamily="18" charset="0"/>
+              </a:rPr>
+              <a:t>main</a:t>
+            </a:r>
+            <a:r>
+              <a:rPr lang="en-US" dirty="0">
+                <a:solidFill>
+                  <a:srgbClr val="000000"/>
+                </a:solidFill>
+                <a:latin typeface="Courier New" panose="02070309020205020404" pitchFamily="49" charset="0"/>
+                <a:ea typeface="Times New Roman" panose="02020603050405020304" pitchFamily="18" charset="0"/>
+              </a:rPr>
+              <a:t>() {</a:t>
+            </a:r>
+            <a:br>
+              <a:rPr lang="en-US" dirty="0">
+                <a:solidFill>
+                  <a:srgbClr val="000000"/>
+                </a:solidFill>
+                <a:latin typeface="Courier New" panose="02070309020205020404" pitchFamily="49" charset="0"/>
+                <a:ea typeface="Times New Roman" panose="02020603050405020304" pitchFamily="18" charset="0"/>
+              </a:rPr>
+            </a:br>
+            <a:r>
+              <a:rPr lang="en-US" dirty="0">
+                <a:solidFill>
+                  <a:srgbClr val="000000"/>
+                </a:solidFill>
+                <a:latin typeface="Courier New" panose="02070309020205020404" pitchFamily="49" charset="0"/>
+                <a:ea typeface="Times New Roman" panose="02020603050405020304" pitchFamily="18" charset="0"/>
+              </a:rPr>
+              <a:t>    </a:t>
+            </a:r>
+            <a:r>
+              <a:rPr lang="en-US" i="1" dirty="0">
+                <a:solidFill>
+                  <a:srgbClr val="000000"/>
+                </a:solidFill>
+                <a:latin typeface="Courier New" panose="02070309020205020404" pitchFamily="49" charset="0"/>
+                <a:ea typeface="Times New Roman" panose="02020603050405020304" pitchFamily="18" charset="0"/>
+              </a:rPr>
+              <a:t>delay</a:t>
+            </a:r>
+            <a:r>
+              <a:rPr lang="en-US" dirty="0">
+                <a:solidFill>
+                  <a:srgbClr val="000000"/>
+                </a:solidFill>
+                <a:latin typeface="Courier New" panose="02070309020205020404" pitchFamily="49" charset="0"/>
+                <a:ea typeface="Times New Roman" panose="02020603050405020304" pitchFamily="18" charset="0"/>
+              </a:rPr>
+              <a:t>(</a:t>
+            </a:r>
+            <a:r>
+              <a:rPr lang="en-US" dirty="0">
+                <a:solidFill>
+                  <a:srgbClr val="0000FF"/>
+                </a:solidFill>
+                <a:latin typeface="Courier New" panose="02070309020205020404" pitchFamily="49" charset="0"/>
+                <a:ea typeface="Times New Roman" panose="02020603050405020304" pitchFamily="18" charset="0"/>
+              </a:rPr>
+              <a:t>1500</a:t>
+            </a:r>
+            <a:r>
+              <a:rPr lang="en-US" dirty="0">
+                <a:solidFill>
+                  <a:srgbClr val="000000"/>
+                </a:solidFill>
+                <a:latin typeface="Courier New" panose="02070309020205020404" pitchFamily="49" charset="0"/>
+                <a:ea typeface="Times New Roman" panose="02020603050405020304" pitchFamily="18" charset="0"/>
+              </a:rPr>
+              <a:t>).</a:t>
+            </a:r>
+            <a:r>
+              <a:rPr lang="en-US" dirty="0">
+                <a:solidFill>
+                  <a:srgbClr val="7A7A43"/>
+                </a:solidFill>
+                <a:latin typeface="Courier New" panose="02070309020205020404" pitchFamily="49" charset="0"/>
+                <a:ea typeface="Times New Roman" panose="02020603050405020304" pitchFamily="18" charset="0"/>
+              </a:rPr>
+              <a:t>then</a:t>
+            </a:r>
+            <a:r>
+              <a:rPr lang="en-US" dirty="0">
+                <a:solidFill>
+                  <a:srgbClr val="000000"/>
+                </a:solidFill>
+                <a:latin typeface="Courier New" panose="02070309020205020404" pitchFamily="49" charset="0"/>
+                <a:ea typeface="Times New Roman" panose="02020603050405020304" pitchFamily="18" charset="0"/>
+              </a:rPr>
+              <a:t>(()=&gt; {</a:t>
+            </a:r>
+            <a:br>
+              <a:rPr lang="en-US" dirty="0">
+                <a:solidFill>
+                  <a:srgbClr val="000000"/>
+                </a:solidFill>
+                <a:latin typeface="Courier New" panose="02070309020205020404" pitchFamily="49" charset="0"/>
+                <a:ea typeface="Times New Roman" panose="02020603050405020304" pitchFamily="18" charset="0"/>
+              </a:rPr>
+            </a:br>
+            <a:r>
+              <a:rPr lang="en-US" dirty="0">
+                <a:solidFill>
+                  <a:srgbClr val="000000"/>
+                </a:solidFill>
+                <a:latin typeface="Courier New" panose="02070309020205020404" pitchFamily="49" charset="0"/>
+                <a:ea typeface="Times New Roman" panose="02020603050405020304" pitchFamily="18" charset="0"/>
+              </a:rPr>
+              <a:t>        </a:t>
+            </a:r>
+            <a:r>
+              <a:rPr lang="en-US" b="1" i="1" dirty="0">
+                <a:solidFill>
+                  <a:srgbClr val="660E7A"/>
+                </a:solidFill>
+                <a:latin typeface="Courier New" panose="02070309020205020404" pitchFamily="49" charset="0"/>
+                <a:ea typeface="Times New Roman" panose="02020603050405020304" pitchFamily="18" charset="0"/>
+              </a:rPr>
+              <a:t>console</a:t>
+            </a:r>
+            <a:r>
+              <a:rPr lang="en-US" dirty="0">
+                <a:solidFill>
+                  <a:srgbClr val="000000"/>
+                </a:solidFill>
+                <a:latin typeface="Courier New" panose="02070309020205020404" pitchFamily="49" charset="0"/>
+                <a:ea typeface="Times New Roman" panose="02020603050405020304" pitchFamily="18" charset="0"/>
+              </a:rPr>
+              <a:t>.</a:t>
+            </a:r>
+            <a:r>
+              <a:rPr lang="en-US" dirty="0">
+                <a:solidFill>
+                  <a:srgbClr val="7A7A43"/>
+                </a:solidFill>
+                <a:latin typeface="Courier New" panose="02070309020205020404" pitchFamily="49" charset="0"/>
+                <a:ea typeface="Times New Roman" panose="02020603050405020304" pitchFamily="18" charset="0"/>
+              </a:rPr>
+              <a:t>log</a:t>
+            </a:r>
+            <a:r>
+              <a:rPr lang="en-US" dirty="0">
+                <a:solidFill>
+                  <a:srgbClr val="000000"/>
+                </a:solidFill>
+                <a:latin typeface="Courier New" panose="02070309020205020404" pitchFamily="49" charset="0"/>
+                <a:ea typeface="Times New Roman" panose="02020603050405020304" pitchFamily="18" charset="0"/>
+              </a:rPr>
+              <a:t>(</a:t>
+            </a:r>
+            <a:r>
+              <a:rPr lang="en-US" b="1" dirty="0">
+                <a:solidFill>
+                  <a:srgbClr val="008000"/>
+                </a:solidFill>
+                <a:latin typeface="Courier New" panose="02070309020205020404" pitchFamily="49" charset="0"/>
+                <a:ea typeface="Times New Roman" panose="02020603050405020304" pitchFamily="18" charset="0"/>
+              </a:rPr>
+              <a:t>"OK"</a:t>
+            </a:r>
+            <a:r>
+              <a:rPr lang="en-US" dirty="0">
+                <a:solidFill>
+                  <a:srgbClr val="000000"/>
+                </a:solidFill>
+                <a:latin typeface="Courier New" panose="02070309020205020404" pitchFamily="49" charset="0"/>
+                <a:ea typeface="Times New Roman" panose="02020603050405020304" pitchFamily="18" charset="0"/>
+              </a:rPr>
+              <a:t>);</a:t>
+            </a:r>
+            <a:br>
+              <a:rPr lang="en-US" dirty="0">
+                <a:solidFill>
+                  <a:srgbClr val="000000"/>
+                </a:solidFill>
+                <a:latin typeface="Courier New" panose="02070309020205020404" pitchFamily="49" charset="0"/>
+                <a:ea typeface="Times New Roman" panose="02020603050405020304" pitchFamily="18" charset="0"/>
+              </a:rPr>
+            </a:br>
+            <a:r>
+              <a:rPr lang="en-US" dirty="0">
+                <a:solidFill>
+                  <a:srgbClr val="000000"/>
+                </a:solidFill>
+                <a:latin typeface="Courier New" panose="02070309020205020404" pitchFamily="49" charset="0"/>
+                <a:ea typeface="Times New Roman" panose="02020603050405020304" pitchFamily="18" charset="0"/>
+              </a:rPr>
+              <a:t>    }).</a:t>
+            </a:r>
+            <a:r>
+              <a:rPr lang="en-US" dirty="0">
+                <a:solidFill>
+                  <a:srgbClr val="7A7A43"/>
+                </a:solidFill>
+                <a:latin typeface="Courier New" panose="02070309020205020404" pitchFamily="49" charset="0"/>
+                <a:ea typeface="Times New Roman" panose="02020603050405020304" pitchFamily="18" charset="0"/>
+              </a:rPr>
+              <a:t>catch</a:t>
+            </a:r>
+            <a:r>
+              <a:rPr lang="en-US" dirty="0">
+                <a:solidFill>
+                  <a:srgbClr val="000000"/>
+                </a:solidFill>
+                <a:latin typeface="Courier New" panose="02070309020205020404" pitchFamily="49" charset="0"/>
+                <a:ea typeface="Times New Roman" panose="02020603050405020304" pitchFamily="18" charset="0"/>
+              </a:rPr>
+              <a:t>(()=&gt; {</a:t>
+            </a:r>
+            <a:br>
+              <a:rPr lang="en-US" dirty="0">
+                <a:solidFill>
+                  <a:srgbClr val="000000"/>
+                </a:solidFill>
+                <a:latin typeface="Courier New" panose="02070309020205020404" pitchFamily="49" charset="0"/>
+                <a:ea typeface="Times New Roman" panose="02020603050405020304" pitchFamily="18" charset="0"/>
+              </a:rPr>
+            </a:br>
+            <a:r>
+              <a:rPr lang="en-US" dirty="0">
+                <a:solidFill>
+                  <a:srgbClr val="000000"/>
+                </a:solidFill>
+                <a:latin typeface="Courier New" panose="02070309020205020404" pitchFamily="49" charset="0"/>
+                <a:ea typeface="Times New Roman" panose="02020603050405020304" pitchFamily="18" charset="0"/>
+              </a:rPr>
+              <a:t>        </a:t>
+            </a:r>
+            <a:r>
+              <a:rPr lang="en-US" b="1" i="1" dirty="0">
+                <a:solidFill>
+                  <a:srgbClr val="660E7A"/>
+                </a:solidFill>
+                <a:latin typeface="Courier New" panose="02070309020205020404" pitchFamily="49" charset="0"/>
+                <a:ea typeface="Times New Roman" panose="02020603050405020304" pitchFamily="18" charset="0"/>
+              </a:rPr>
+              <a:t>console</a:t>
+            </a:r>
+            <a:r>
+              <a:rPr lang="en-US" dirty="0">
+                <a:solidFill>
+                  <a:srgbClr val="000000"/>
+                </a:solidFill>
+                <a:latin typeface="Courier New" panose="02070309020205020404" pitchFamily="49" charset="0"/>
+                <a:ea typeface="Times New Roman" panose="02020603050405020304" pitchFamily="18" charset="0"/>
+              </a:rPr>
+              <a:t>.</a:t>
+            </a:r>
+            <a:r>
+              <a:rPr lang="en-US" dirty="0">
+                <a:solidFill>
+                  <a:srgbClr val="7A7A43"/>
+                </a:solidFill>
+                <a:latin typeface="Courier New" panose="02070309020205020404" pitchFamily="49" charset="0"/>
+                <a:ea typeface="Times New Roman" panose="02020603050405020304" pitchFamily="18" charset="0"/>
+              </a:rPr>
+              <a:t>log</a:t>
+            </a:r>
+            <a:r>
+              <a:rPr lang="en-US" dirty="0">
+                <a:solidFill>
+                  <a:srgbClr val="000000"/>
+                </a:solidFill>
+                <a:latin typeface="Courier New" panose="02070309020205020404" pitchFamily="49" charset="0"/>
+                <a:ea typeface="Times New Roman" panose="02020603050405020304" pitchFamily="18" charset="0"/>
+              </a:rPr>
+              <a:t>(</a:t>
+            </a:r>
+            <a:r>
+              <a:rPr lang="en-US" b="1" dirty="0">
+                <a:solidFill>
+                  <a:srgbClr val="008000"/>
+                </a:solidFill>
+                <a:latin typeface="Courier New" panose="02070309020205020404" pitchFamily="49" charset="0"/>
+                <a:ea typeface="Times New Roman" panose="02020603050405020304" pitchFamily="18" charset="0"/>
+              </a:rPr>
+              <a:t>"FAIL"</a:t>
+            </a:r>
+            <a:r>
+              <a:rPr lang="en-US" dirty="0">
+                <a:solidFill>
+                  <a:srgbClr val="000000"/>
+                </a:solidFill>
+                <a:latin typeface="Courier New" panose="02070309020205020404" pitchFamily="49" charset="0"/>
+                <a:ea typeface="Times New Roman" panose="02020603050405020304" pitchFamily="18" charset="0"/>
+              </a:rPr>
+              <a:t>);</a:t>
+            </a:r>
+            <a:br>
+              <a:rPr lang="en-US" dirty="0">
+                <a:solidFill>
+                  <a:srgbClr val="000000"/>
+                </a:solidFill>
+                <a:latin typeface="Courier New" panose="02070309020205020404" pitchFamily="49" charset="0"/>
+                <a:ea typeface="Times New Roman" panose="02020603050405020304" pitchFamily="18" charset="0"/>
+              </a:rPr>
+            </a:br>
+            <a:r>
+              <a:rPr lang="en-US" dirty="0">
+                <a:solidFill>
+                  <a:srgbClr val="000000"/>
+                </a:solidFill>
+                <a:latin typeface="Courier New" panose="02070309020205020404" pitchFamily="49" charset="0"/>
+                <a:ea typeface="Times New Roman" panose="02020603050405020304" pitchFamily="18" charset="0"/>
+              </a:rPr>
+              <a:t>    });</a:t>
+            </a:r>
+            <a:br>
+              <a:rPr lang="en-US" dirty="0">
+                <a:solidFill>
+                  <a:srgbClr val="000000"/>
+                </a:solidFill>
+                <a:latin typeface="Courier New" panose="02070309020205020404" pitchFamily="49" charset="0"/>
+                <a:ea typeface="Times New Roman" panose="02020603050405020304" pitchFamily="18" charset="0"/>
+              </a:rPr>
+            </a:br>
+            <a:r>
+              <a:rPr lang="en-US" dirty="0">
+                <a:solidFill>
+                  <a:srgbClr val="000000"/>
+                </a:solidFill>
+                <a:latin typeface="Courier New" panose="02070309020205020404" pitchFamily="49" charset="0"/>
+                <a:ea typeface="Times New Roman" panose="02020603050405020304" pitchFamily="18" charset="0"/>
+              </a:rPr>
+              <a:t>}</a:t>
+            </a:r>
+            <a:br>
+              <a:rPr lang="en-US" dirty="0">
+                <a:solidFill>
+                  <a:srgbClr val="000000"/>
+                </a:solidFill>
+                <a:latin typeface="Courier New" panose="02070309020205020404" pitchFamily="49" charset="0"/>
+                <a:ea typeface="Times New Roman" panose="02020603050405020304" pitchFamily="18" charset="0"/>
+              </a:rPr>
+            </a:br>
+            <a:br>
+              <a:rPr lang="en-US" dirty="0">
+                <a:solidFill>
+                  <a:srgbClr val="000000"/>
+                </a:solidFill>
+                <a:latin typeface="Courier New" panose="02070309020205020404" pitchFamily="49" charset="0"/>
+                <a:ea typeface="Times New Roman" panose="02020603050405020304" pitchFamily="18" charset="0"/>
+              </a:rPr>
+            </a:br>
+            <a:r>
+              <a:rPr lang="en-US" b="1" dirty="0">
+                <a:solidFill>
+                  <a:srgbClr val="000080"/>
+                </a:solidFill>
+                <a:latin typeface="Courier New" panose="02070309020205020404" pitchFamily="49" charset="0"/>
+                <a:ea typeface="Times New Roman" panose="02020603050405020304" pitchFamily="18" charset="0"/>
+              </a:rPr>
+              <a:t>function </a:t>
+            </a:r>
+            <a:r>
+              <a:rPr lang="en-US" i="1" dirty="0">
+                <a:solidFill>
+                  <a:srgbClr val="000000"/>
+                </a:solidFill>
+                <a:latin typeface="Courier New" panose="02070309020205020404" pitchFamily="49" charset="0"/>
+                <a:ea typeface="Times New Roman" panose="02020603050405020304" pitchFamily="18" charset="0"/>
+              </a:rPr>
+              <a:t>delay</a:t>
+            </a:r>
+            <a:r>
+              <a:rPr lang="en-US" dirty="0">
+                <a:solidFill>
+                  <a:srgbClr val="000000"/>
+                </a:solidFill>
+                <a:latin typeface="Courier New" panose="02070309020205020404" pitchFamily="49" charset="0"/>
+                <a:ea typeface="Times New Roman" panose="02020603050405020304" pitchFamily="18" charset="0"/>
+              </a:rPr>
+              <a:t>(</a:t>
+            </a:r>
+            <a:r>
+              <a:rPr lang="en-US" dirty="0" err="1">
+                <a:solidFill>
+                  <a:srgbClr val="000000"/>
+                </a:solidFill>
+                <a:latin typeface="Courier New" panose="02070309020205020404" pitchFamily="49" charset="0"/>
+                <a:ea typeface="Times New Roman" panose="02020603050405020304" pitchFamily="18" charset="0"/>
+              </a:rPr>
+              <a:t>ms</a:t>
+            </a:r>
+            <a:r>
+              <a:rPr lang="en-US" dirty="0">
+                <a:solidFill>
+                  <a:srgbClr val="000000"/>
+                </a:solidFill>
+                <a:latin typeface="Courier New" panose="02070309020205020404" pitchFamily="49" charset="0"/>
+                <a:ea typeface="Times New Roman" panose="02020603050405020304" pitchFamily="18" charset="0"/>
+              </a:rPr>
+              <a:t>) {</a:t>
+            </a:r>
+            <a:br>
+              <a:rPr lang="en-US" dirty="0">
+                <a:solidFill>
+                  <a:srgbClr val="000000"/>
+                </a:solidFill>
+                <a:latin typeface="Courier New" panose="02070309020205020404" pitchFamily="49" charset="0"/>
+                <a:ea typeface="Times New Roman" panose="02020603050405020304" pitchFamily="18" charset="0"/>
+              </a:rPr>
+            </a:br>
+            <a:r>
+              <a:rPr lang="en-US" dirty="0">
+                <a:solidFill>
+                  <a:srgbClr val="000000"/>
+                </a:solidFill>
+                <a:latin typeface="Courier New" panose="02070309020205020404" pitchFamily="49" charset="0"/>
+                <a:ea typeface="Times New Roman" panose="02020603050405020304" pitchFamily="18" charset="0"/>
+              </a:rPr>
+              <a:t>    </a:t>
+            </a:r>
+            <a:r>
+              <a:rPr lang="en-US" b="1" dirty="0">
+                <a:solidFill>
+                  <a:srgbClr val="000080"/>
+                </a:solidFill>
+                <a:latin typeface="Courier New" panose="02070309020205020404" pitchFamily="49" charset="0"/>
+                <a:ea typeface="Times New Roman" panose="02020603050405020304" pitchFamily="18" charset="0"/>
+              </a:rPr>
+              <a:t>return new </a:t>
+            </a:r>
+            <a:r>
+              <a:rPr lang="en-US" b="1" i="1" dirty="0">
+                <a:solidFill>
+                  <a:srgbClr val="660E7A"/>
+                </a:solidFill>
+                <a:latin typeface="Courier New" panose="02070309020205020404" pitchFamily="49" charset="0"/>
+                <a:ea typeface="Times New Roman" panose="02020603050405020304" pitchFamily="18" charset="0"/>
+              </a:rPr>
+              <a:t>Promise</a:t>
+            </a:r>
+            <a:r>
+              <a:rPr lang="en-US" dirty="0">
+                <a:solidFill>
+                  <a:srgbClr val="000000"/>
+                </a:solidFill>
+                <a:latin typeface="Courier New" panose="02070309020205020404" pitchFamily="49" charset="0"/>
+                <a:ea typeface="Times New Roman" panose="02020603050405020304" pitchFamily="18" charset="0"/>
+              </a:rPr>
+              <a:t>((</a:t>
+            </a:r>
+            <a:r>
+              <a:rPr lang="en-US" dirty="0" err="1">
+                <a:solidFill>
+                  <a:srgbClr val="000000"/>
+                </a:solidFill>
+                <a:latin typeface="Courier New" panose="02070309020205020404" pitchFamily="49" charset="0"/>
+                <a:ea typeface="Times New Roman" panose="02020603050405020304" pitchFamily="18" charset="0"/>
+              </a:rPr>
+              <a:t>resolve,reject</a:t>
+            </a:r>
+            <a:r>
+              <a:rPr lang="en-US" dirty="0">
+                <a:solidFill>
+                  <a:srgbClr val="000000"/>
+                </a:solidFill>
+                <a:latin typeface="Courier New" panose="02070309020205020404" pitchFamily="49" charset="0"/>
+                <a:ea typeface="Times New Roman" panose="02020603050405020304" pitchFamily="18" charset="0"/>
+              </a:rPr>
+              <a:t>)=&gt; {</a:t>
+            </a:r>
+            <a:br>
+              <a:rPr lang="en-US" dirty="0">
+                <a:solidFill>
+                  <a:srgbClr val="000000"/>
+                </a:solidFill>
+                <a:latin typeface="Courier New" panose="02070309020205020404" pitchFamily="49" charset="0"/>
+                <a:ea typeface="Times New Roman" panose="02020603050405020304" pitchFamily="18" charset="0"/>
+              </a:rPr>
+            </a:br>
+            <a:r>
+              <a:rPr lang="en-US" dirty="0">
+                <a:solidFill>
+                  <a:srgbClr val="000000"/>
+                </a:solidFill>
+                <a:latin typeface="Courier New" panose="02070309020205020404" pitchFamily="49" charset="0"/>
+                <a:ea typeface="Times New Roman" panose="02020603050405020304" pitchFamily="18" charset="0"/>
+              </a:rPr>
+              <a:t>        </a:t>
+            </a:r>
+            <a:r>
+              <a:rPr lang="en-US" i="1" dirty="0" err="1">
+                <a:solidFill>
+                  <a:srgbClr val="000000"/>
+                </a:solidFill>
+                <a:latin typeface="Courier New" panose="02070309020205020404" pitchFamily="49" charset="0"/>
+                <a:ea typeface="Times New Roman" panose="02020603050405020304" pitchFamily="18" charset="0"/>
+              </a:rPr>
+              <a:t>setTimeout</a:t>
+            </a:r>
+            <a:r>
+              <a:rPr lang="en-US" dirty="0">
+                <a:solidFill>
+                  <a:srgbClr val="000000"/>
+                </a:solidFill>
+                <a:latin typeface="Courier New" panose="02070309020205020404" pitchFamily="49" charset="0"/>
+                <a:ea typeface="Times New Roman" panose="02020603050405020304" pitchFamily="18" charset="0"/>
+              </a:rPr>
+              <a:t>(() =&gt; {</a:t>
+            </a:r>
+            <a:br>
+              <a:rPr lang="en-US" dirty="0">
+                <a:solidFill>
+                  <a:srgbClr val="000000"/>
+                </a:solidFill>
+                <a:latin typeface="Courier New" panose="02070309020205020404" pitchFamily="49" charset="0"/>
+                <a:ea typeface="Times New Roman" panose="02020603050405020304" pitchFamily="18" charset="0"/>
+              </a:rPr>
+            </a:br>
+            <a:r>
+              <a:rPr lang="en-US" dirty="0">
+                <a:solidFill>
+                  <a:srgbClr val="000000"/>
+                </a:solidFill>
+                <a:latin typeface="Courier New" panose="02070309020205020404" pitchFamily="49" charset="0"/>
+                <a:ea typeface="Times New Roman" panose="02020603050405020304" pitchFamily="18" charset="0"/>
+              </a:rPr>
+              <a:t>            resolve();</a:t>
+            </a:r>
+            <a:br>
+              <a:rPr lang="en-US" dirty="0">
+                <a:solidFill>
+                  <a:srgbClr val="000000"/>
+                </a:solidFill>
+                <a:latin typeface="Courier New" panose="02070309020205020404" pitchFamily="49" charset="0"/>
+                <a:ea typeface="Times New Roman" panose="02020603050405020304" pitchFamily="18" charset="0"/>
+              </a:rPr>
+            </a:br>
+            <a:r>
+              <a:rPr lang="en-US" dirty="0">
+                <a:solidFill>
+                  <a:srgbClr val="000000"/>
+                </a:solidFill>
+                <a:latin typeface="Courier New" panose="02070309020205020404" pitchFamily="49" charset="0"/>
+                <a:ea typeface="Times New Roman" panose="02020603050405020304" pitchFamily="18" charset="0"/>
+              </a:rPr>
+              <a:t>        }, </a:t>
+            </a:r>
+            <a:r>
+              <a:rPr lang="en-US" dirty="0" err="1">
+                <a:solidFill>
+                  <a:srgbClr val="000000"/>
+                </a:solidFill>
+                <a:latin typeface="Courier New" panose="02070309020205020404" pitchFamily="49" charset="0"/>
+                <a:ea typeface="Times New Roman" panose="02020603050405020304" pitchFamily="18" charset="0"/>
+              </a:rPr>
+              <a:t>ms</a:t>
+            </a:r>
+            <a:r>
+              <a:rPr lang="en-US" dirty="0">
+                <a:solidFill>
+                  <a:srgbClr val="000000"/>
+                </a:solidFill>
+                <a:latin typeface="Courier New" panose="02070309020205020404" pitchFamily="49" charset="0"/>
+                <a:ea typeface="Times New Roman" panose="02020603050405020304" pitchFamily="18" charset="0"/>
+              </a:rPr>
+              <a:t>);</a:t>
+            </a:r>
+            <a:br>
+              <a:rPr lang="en-US" dirty="0">
+                <a:solidFill>
+                  <a:srgbClr val="000000"/>
+                </a:solidFill>
+                <a:latin typeface="Courier New" panose="02070309020205020404" pitchFamily="49" charset="0"/>
+                <a:ea typeface="Times New Roman" panose="02020603050405020304" pitchFamily="18" charset="0"/>
+              </a:rPr>
+            </a:br>
+            <a:r>
+              <a:rPr lang="en-US" dirty="0">
+                <a:solidFill>
+                  <a:srgbClr val="000000"/>
+                </a:solidFill>
+                <a:latin typeface="Courier New" panose="02070309020205020404" pitchFamily="49" charset="0"/>
+                <a:ea typeface="Times New Roman" panose="02020603050405020304" pitchFamily="18" charset="0"/>
+              </a:rPr>
+              <a:t>    });</a:t>
+            </a:r>
+            <a:br>
+              <a:rPr lang="en-US" dirty="0">
+                <a:solidFill>
+                  <a:srgbClr val="000000"/>
+                </a:solidFill>
+                <a:latin typeface="Courier New" panose="02070309020205020404" pitchFamily="49" charset="0"/>
+                <a:ea typeface="Times New Roman" panose="02020603050405020304" pitchFamily="18" charset="0"/>
+              </a:rPr>
+            </a:br>
+            <a:r>
+              <a:rPr lang="en-US" dirty="0">
+                <a:solidFill>
+                  <a:srgbClr val="000000"/>
+                </a:solidFill>
+                <a:latin typeface="Courier New" panose="02070309020205020404" pitchFamily="49" charset="0"/>
+                <a:ea typeface="Times New Roman" panose="02020603050405020304" pitchFamily="18" charset="0"/>
+              </a:rPr>
+              <a:t>}</a:t>
+            </a:r>
+            <a:endParaRPr lang="en-US" dirty="0"/>
+          </a:p>
+        </p:txBody>
+      </p:sp>
+    </p:spTree>
+    <p:extLst>
+      <p:ext uri="{BB962C8B-B14F-4D97-AF65-F5344CB8AC3E}">
+        <p14:creationId xmlns:p14="http://schemas.microsoft.com/office/powerpoint/2010/main" val="4256456338"/>
+      </p:ext>
+    </p:extLst>
+  </p:cSld>
+  <p:clrMapOvr>
+    <a:masterClrMapping/>
+  </p:clrMapOvr>
+</p:sld>
+</file>
+
+<file path=ppt/slides/slide45.xml><?xml version="1.0" encoding="utf-8"?>
+<p:sld xmlns:a="http://schemas.openxmlformats.org/drawingml/2006/main" xmlns:r="http://schemas.openxmlformats.org/officeDocument/2006/relationships" xmlns:p="http://schemas.openxmlformats.org/presentationml/2006/main">
+  <p:cSld>
+    <p:spTree>
+      <p:nvGrpSpPr>
+        <p:cNvPr id="1" name=""/>
+        <p:cNvGrpSpPr/>
+        <p:nvPr/>
+      </p:nvGrpSpPr>
+      <p:grpSpPr>
+        <a:xfrm>
+          <a:off x="0" y="0"/>
+          <a:ext cx="0" cy="0"/>
+          <a:chOff x="0" y="0"/>
+          <a:chExt cx="0" cy="0"/>
+        </a:xfrm>
+      </p:grpSpPr>
+      <p:sp>
+        <p:nvSpPr>
+          <p:cNvPr id="2" name="Title 1">
+            <a:extLst>
+              <a:ext uri="{FF2B5EF4-FFF2-40B4-BE49-F238E27FC236}">
+                <a16:creationId xmlns:a16="http://schemas.microsoft.com/office/drawing/2014/main" id="{8071A4A9-310F-4229-AAB3-2E0303B8E88E}"/>
+              </a:ext>
+            </a:extLst>
+          </p:cNvPr>
+          <p:cNvSpPr>
+            <a:spLocks noGrp="1"/>
+          </p:cNvSpPr>
+          <p:nvPr>
+            <p:ph type="title"/>
+          </p:nvPr>
+        </p:nvSpPr>
+        <p:spPr/>
+        <p:txBody>
+          <a:bodyPr/>
+          <a:lstStyle/>
+          <a:p>
+            <a:r>
+              <a:rPr lang="en-US" dirty="0"/>
+              <a:t>Chaining Promises</a:t>
+            </a:r>
+          </a:p>
+        </p:txBody>
+      </p:sp>
+      <p:sp>
+        <p:nvSpPr>
+          <p:cNvPr id="3" name="Footer Placeholder 2">
+            <a:extLst>
+              <a:ext uri="{FF2B5EF4-FFF2-40B4-BE49-F238E27FC236}">
+                <a16:creationId xmlns:a16="http://schemas.microsoft.com/office/drawing/2014/main" id="{D8B41524-2459-4895-A800-F0968DB4A5A9}"/>
+              </a:ext>
+            </a:extLst>
+          </p:cNvPr>
+          <p:cNvSpPr>
+            <a:spLocks noGrp="1"/>
+          </p:cNvSpPr>
+          <p:nvPr>
+            <p:ph type="ftr" sz="quarter" idx="11"/>
+          </p:nvPr>
+        </p:nvSpPr>
+        <p:spPr/>
+        <p:txBody>
+          <a:bodyPr/>
+          <a:lstStyle/>
+          <a:p>
+            <a:r>
+              <a:rPr lang="en-US"/>
+              <a:t>© 2018 Ori Calvo</a:t>
+            </a:r>
+            <a:endParaRPr lang="en-US" dirty="0"/>
+          </a:p>
+        </p:txBody>
+      </p:sp>
+      <p:sp>
+        <p:nvSpPr>
+          <p:cNvPr id="4" name="Slide Number Placeholder 3">
+            <a:extLst>
+              <a:ext uri="{FF2B5EF4-FFF2-40B4-BE49-F238E27FC236}">
+                <a16:creationId xmlns:a16="http://schemas.microsoft.com/office/drawing/2014/main" id="{8CF8DB35-3AEF-48FE-A79D-253A5C1194AE}"/>
+              </a:ext>
+            </a:extLst>
+          </p:cNvPr>
+          <p:cNvSpPr>
+            <a:spLocks noGrp="1"/>
+          </p:cNvSpPr>
+          <p:nvPr>
+            <p:ph type="sldNum" sz="quarter" idx="12"/>
+          </p:nvPr>
+        </p:nvSpPr>
+        <p:spPr/>
+        <p:txBody>
+          <a:bodyPr>
+            <a:normAutofit fontScale="85000" lnSpcReduction="20000"/>
+          </a:bodyPr>
+          <a:lstStyle/>
+          <a:p>
+            <a:fld id="{87B78B44-2135-4DB2-B732-E7D5FFF77B6A}" type="slidenum">
+              <a:rPr lang="en-US" smtClean="0"/>
+              <a:pPr/>
+              <a:t>45</a:t>
+            </a:fld>
+            <a:endParaRPr lang="en-US"/>
+          </a:p>
+        </p:txBody>
+      </p:sp>
+      <p:sp>
+        <p:nvSpPr>
+          <p:cNvPr id="5" name="Content Placeholder 4">
+            <a:extLst>
+              <a:ext uri="{FF2B5EF4-FFF2-40B4-BE49-F238E27FC236}">
+                <a16:creationId xmlns:a16="http://schemas.microsoft.com/office/drawing/2014/main" id="{A46F37B3-AA7B-4930-86F0-76A407D75B63}"/>
+              </a:ext>
+            </a:extLst>
+          </p:cNvPr>
+          <p:cNvSpPr>
+            <a:spLocks noGrp="1"/>
+          </p:cNvSpPr>
+          <p:nvPr>
+            <p:ph sz="quarter" idx="1"/>
+          </p:nvPr>
+        </p:nvSpPr>
+        <p:spPr/>
+        <p:txBody>
+          <a:bodyPr/>
+          <a:lstStyle/>
+          <a:p>
+            <a:r>
+              <a:rPr lang="en-US" dirty="0"/>
+              <a:t>The caller can easily create a new promise with different resolved value</a:t>
+            </a:r>
+          </a:p>
+        </p:txBody>
+      </p:sp>
+      <p:sp>
+        <p:nvSpPr>
+          <p:cNvPr id="6" name="Rectangle 5">
+            <a:extLst>
+              <a:ext uri="{FF2B5EF4-FFF2-40B4-BE49-F238E27FC236}">
+                <a16:creationId xmlns:a16="http://schemas.microsoft.com/office/drawing/2014/main" id="{4C749F30-9605-4A8F-9A25-D2713F9FE6C1}"/>
+              </a:ext>
+            </a:extLst>
+          </p:cNvPr>
+          <p:cNvSpPr/>
+          <p:nvPr/>
+        </p:nvSpPr>
+        <p:spPr>
+          <a:xfrm>
+            <a:off x="2286000" y="3003917"/>
+            <a:ext cx="4572000" cy="2585323"/>
+          </a:xfrm>
+          <a:prstGeom prst="rect">
+            <a:avLst/>
+          </a:prstGeom>
+          <a:solidFill>
+            <a:schemeClr val="accent1">
+              <a:lumMod val="40000"/>
+              <a:lumOff val="60000"/>
+            </a:schemeClr>
+          </a:solidFill>
+        </p:spPr>
+        <p:txBody>
+          <a:bodyPr>
+            <a:spAutoFit/>
+          </a:bodyPr>
+          <a:lstStyle/>
+          <a:p>
+            <a:r>
+              <a:rPr lang="en-US" b="1" dirty="0">
+                <a:solidFill>
+                  <a:srgbClr val="000080"/>
+                </a:solidFill>
+                <a:latin typeface="Calibri" panose="020F0502020204030204" pitchFamily="34" charset="0"/>
+                <a:ea typeface="Calibri" panose="020F0502020204030204" pitchFamily="34" charset="0"/>
+                <a:cs typeface="Arial" panose="020B0604020202020204" pitchFamily="34" charset="0"/>
+              </a:rPr>
+              <a:t>function </a:t>
+            </a:r>
+            <a:r>
+              <a:rPr lang="en-US" i="1" dirty="0">
+                <a:solidFill>
+                  <a:srgbClr val="000000"/>
+                </a:solidFill>
+                <a:latin typeface="Calibri" panose="020F0502020204030204" pitchFamily="34" charset="0"/>
+                <a:ea typeface="Calibri" panose="020F0502020204030204" pitchFamily="34" charset="0"/>
+                <a:cs typeface="Arial" panose="020B0604020202020204" pitchFamily="34" charset="0"/>
+              </a:rPr>
+              <a:t>main</a:t>
+            </a:r>
+            <a:r>
+              <a:rPr lang="en-US" dirty="0">
+                <a:solidFill>
+                  <a:srgbClr val="000000"/>
+                </a:solidFill>
+                <a:latin typeface="Calibri" panose="020F0502020204030204" pitchFamily="34" charset="0"/>
+                <a:ea typeface="Calibri" panose="020F0502020204030204" pitchFamily="34" charset="0"/>
+                <a:cs typeface="Arial" panose="020B0604020202020204" pitchFamily="34" charset="0"/>
+              </a:rPr>
+              <a:t>() {</a:t>
+            </a:r>
+            <a:br>
+              <a:rPr lang="en-US" dirty="0">
+                <a:solidFill>
+                  <a:srgbClr val="000000"/>
+                </a:solidFill>
+                <a:latin typeface="Calibri" panose="020F0502020204030204" pitchFamily="34" charset="0"/>
+                <a:ea typeface="Calibri" panose="020F0502020204030204" pitchFamily="34" charset="0"/>
+                <a:cs typeface="Arial" panose="020B0604020202020204" pitchFamily="34" charset="0"/>
+              </a:rPr>
+            </a:br>
+            <a:r>
+              <a:rPr lang="en-US" dirty="0">
+                <a:solidFill>
+                  <a:srgbClr val="000000"/>
+                </a:solidFill>
+                <a:latin typeface="Calibri" panose="020F0502020204030204" pitchFamily="34" charset="0"/>
+                <a:ea typeface="Calibri" panose="020F0502020204030204" pitchFamily="34" charset="0"/>
+                <a:cs typeface="Arial" panose="020B0604020202020204" pitchFamily="34" charset="0"/>
+              </a:rPr>
+              <a:t>    </a:t>
+            </a:r>
+            <a:r>
+              <a:rPr lang="en-US" i="1" dirty="0">
+                <a:solidFill>
+                  <a:srgbClr val="000000"/>
+                </a:solidFill>
+                <a:latin typeface="Calibri" panose="020F0502020204030204" pitchFamily="34" charset="0"/>
+                <a:ea typeface="Calibri" panose="020F0502020204030204" pitchFamily="34" charset="0"/>
+                <a:cs typeface="Arial" panose="020B0604020202020204" pitchFamily="34" charset="0"/>
+              </a:rPr>
+              <a:t>waitAndReturn42</a:t>
+            </a:r>
+            <a:r>
+              <a:rPr lang="en-US" dirty="0">
+                <a:solidFill>
+                  <a:srgbClr val="000000"/>
+                </a:solidFill>
+                <a:latin typeface="Calibri" panose="020F0502020204030204" pitchFamily="34" charset="0"/>
+                <a:ea typeface="Calibri" panose="020F0502020204030204" pitchFamily="34" charset="0"/>
+                <a:cs typeface="Arial" panose="020B0604020202020204" pitchFamily="34" charset="0"/>
+              </a:rPr>
+              <a:t>(</a:t>
+            </a:r>
+            <a:r>
+              <a:rPr lang="en-US" dirty="0">
+                <a:solidFill>
+                  <a:srgbClr val="0000FF"/>
+                </a:solidFill>
+                <a:latin typeface="Calibri" panose="020F0502020204030204" pitchFamily="34" charset="0"/>
+                <a:ea typeface="Calibri" panose="020F0502020204030204" pitchFamily="34" charset="0"/>
+                <a:cs typeface="Arial" panose="020B0604020202020204" pitchFamily="34" charset="0"/>
+              </a:rPr>
+              <a:t>1500</a:t>
+            </a:r>
+            <a:r>
+              <a:rPr lang="en-US" dirty="0">
+                <a:solidFill>
+                  <a:srgbClr val="000000"/>
+                </a:solidFill>
+                <a:latin typeface="Calibri" panose="020F0502020204030204" pitchFamily="34" charset="0"/>
+                <a:ea typeface="Calibri" panose="020F0502020204030204" pitchFamily="34" charset="0"/>
+                <a:cs typeface="Arial" panose="020B0604020202020204" pitchFamily="34" charset="0"/>
+              </a:rPr>
+              <a:t>).</a:t>
+            </a:r>
+            <a:r>
+              <a:rPr lang="en-US" dirty="0">
+                <a:solidFill>
+                  <a:srgbClr val="7A7A43"/>
+                </a:solidFill>
+                <a:latin typeface="Calibri" panose="020F0502020204030204" pitchFamily="34" charset="0"/>
+                <a:ea typeface="Calibri" panose="020F0502020204030204" pitchFamily="34" charset="0"/>
+                <a:cs typeface="Arial" panose="020B0604020202020204" pitchFamily="34" charset="0"/>
+              </a:rPr>
+              <a:t>then</a:t>
+            </a:r>
+            <a:r>
+              <a:rPr lang="en-US" dirty="0">
+                <a:solidFill>
+                  <a:srgbClr val="000000"/>
+                </a:solidFill>
+                <a:latin typeface="Calibri" panose="020F0502020204030204" pitchFamily="34" charset="0"/>
+                <a:ea typeface="Calibri" panose="020F0502020204030204" pitchFamily="34" charset="0"/>
+                <a:cs typeface="Arial" panose="020B0604020202020204" pitchFamily="34" charset="0"/>
+              </a:rPr>
+              <a:t>(res =&gt; {</a:t>
+            </a:r>
+            <a:br>
+              <a:rPr lang="en-US" dirty="0">
+                <a:solidFill>
+                  <a:srgbClr val="000000"/>
+                </a:solidFill>
+                <a:latin typeface="Calibri" panose="020F0502020204030204" pitchFamily="34" charset="0"/>
+                <a:ea typeface="Calibri" panose="020F0502020204030204" pitchFamily="34" charset="0"/>
+                <a:cs typeface="Arial" panose="020B0604020202020204" pitchFamily="34" charset="0"/>
+              </a:rPr>
+            </a:br>
+            <a:r>
+              <a:rPr lang="en-US" dirty="0">
+                <a:solidFill>
+                  <a:srgbClr val="000000"/>
+                </a:solidFill>
+                <a:latin typeface="Calibri" panose="020F0502020204030204" pitchFamily="34" charset="0"/>
+                <a:ea typeface="Calibri" panose="020F0502020204030204" pitchFamily="34" charset="0"/>
+                <a:cs typeface="Arial" panose="020B0604020202020204" pitchFamily="34" charset="0"/>
+              </a:rPr>
+              <a:t>        </a:t>
+            </a:r>
+            <a:r>
+              <a:rPr lang="en-US" b="1" i="1" dirty="0">
+                <a:solidFill>
+                  <a:srgbClr val="660E7A"/>
+                </a:solidFill>
+                <a:latin typeface="Calibri" panose="020F0502020204030204" pitchFamily="34" charset="0"/>
+                <a:ea typeface="Calibri" panose="020F0502020204030204" pitchFamily="34" charset="0"/>
+                <a:cs typeface="Arial" panose="020B0604020202020204" pitchFamily="34" charset="0"/>
+              </a:rPr>
+              <a:t>console</a:t>
+            </a:r>
+            <a:r>
+              <a:rPr lang="en-US" dirty="0">
+                <a:solidFill>
+                  <a:srgbClr val="000000"/>
+                </a:solidFill>
+                <a:latin typeface="Calibri" panose="020F0502020204030204" pitchFamily="34" charset="0"/>
+                <a:ea typeface="Calibri" panose="020F0502020204030204" pitchFamily="34" charset="0"/>
+                <a:cs typeface="Arial" panose="020B0604020202020204" pitchFamily="34" charset="0"/>
+              </a:rPr>
+              <a:t>.</a:t>
+            </a:r>
+            <a:r>
+              <a:rPr lang="en-US" dirty="0">
+                <a:solidFill>
+                  <a:srgbClr val="7A7A43"/>
+                </a:solidFill>
+                <a:latin typeface="Calibri" panose="020F0502020204030204" pitchFamily="34" charset="0"/>
+                <a:ea typeface="Calibri" panose="020F0502020204030204" pitchFamily="34" charset="0"/>
+                <a:cs typeface="Arial" panose="020B0604020202020204" pitchFamily="34" charset="0"/>
+              </a:rPr>
+              <a:t>log</a:t>
+            </a:r>
+            <a:r>
+              <a:rPr lang="en-US" dirty="0">
+                <a:solidFill>
+                  <a:srgbClr val="000000"/>
+                </a:solidFill>
+                <a:latin typeface="Calibri" panose="020F0502020204030204" pitchFamily="34" charset="0"/>
+                <a:ea typeface="Calibri" panose="020F0502020204030204" pitchFamily="34" charset="0"/>
+                <a:cs typeface="Arial" panose="020B0604020202020204" pitchFamily="34" charset="0"/>
+              </a:rPr>
+              <a:t>(res);</a:t>
+            </a:r>
+            <a:br>
+              <a:rPr lang="en-US" dirty="0">
+                <a:solidFill>
+                  <a:srgbClr val="000000"/>
+                </a:solidFill>
+                <a:latin typeface="Calibri" panose="020F0502020204030204" pitchFamily="34" charset="0"/>
+                <a:ea typeface="Calibri" panose="020F0502020204030204" pitchFamily="34" charset="0"/>
+                <a:cs typeface="Arial" panose="020B0604020202020204" pitchFamily="34" charset="0"/>
+              </a:rPr>
+            </a:br>
+            <a:r>
+              <a:rPr lang="en-US" dirty="0">
+                <a:solidFill>
+                  <a:srgbClr val="000000"/>
+                </a:solidFill>
+                <a:latin typeface="Calibri" panose="020F0502020204030204" pitchFamily="34" charset="0"/>
+                <a:ea typeface="Calibri" panose="020F0502020204030204" pitchFamily="34" charset="0"/>
+                <a:cs typeface="Arial" panose="020B0604020202020204" pitchFamily="34" charset="0"/>
+              </a:rPr>
+              <a:t>    });</a:t>
+            </a:r>
+            <a:br>
+              <a:rPr lang="en-US" dirty="0">
+                <a:solidFill>
+                  <a:srgbClr val="000000"/>
+                </a:solidFill>
+                <a:latin typeface="Calibri" panose="020F0502020204030204" pitchFamily="34" charset="0"/>
+                <a:ea typeface="Calibri" panose="020F0502020204030204" pitchFamily="34" charset="0"/>
+                <a:cs typeface="Arial" panose="020B0604020202020204" pitchFamily="34" charset="0"/>
+              </a:rPr>
+            </a:br>
+            <a:r>
+              <a:rPr lang="en-US" dirty="0">
+                <a:solidFill>
+                  <a:srgbClr val="000000"/>
+                </a:solidFill>
+                <a:latin typeface="Calibri" panose="020F0502020204030204" pitchFamily="34" charset="0"/>
+                <a:ea typeface="Calibri" panose="020F0502020204030204" pitchFamily="34" charset="0"/>
+                <a:cs typeface="Arial" panose="020B0604020202020204" pitchFamily="34" charset="0"/>
+              </a:rPr>
+              <a:t>}</a:t>
+            </a:r>
+            <a:br>
+              <a:rPr lang="en-US" dirty="0">
+                <a:solidFill>
+                  <a:srgbClr val="000000"/>
+                </a:solidFill>
+                <a:latin typeface="Calibri" panose="020F0502020204030204" pitchFamily="34" charset="0"/>
+                <a:ea typeface="Calibri" panose="020F0502020204030204" pitchFamily="34" charset="0"/>
+                <a:cs typeface="Arial" panose="020B0604020202020204" pitchFamily="34" charset="0"/>
+              </a:rPr>
+            </a:br>
+            <a:br>
+              <a:rPr lang="en-US" dirty="0">
+                <a:solidFill>
+                  <a:srgbClr val="000000"/>
+                </a:solidFill>
+                <a:latin typeface="Calibri" panose="020F0502020204030204" pitchFamily="34" charset="0"/>
+                <a:ea typeface="Calibri" panose="020F0502020204030204" pitchFamily="34" charset="0"/>
+                <a:cs typeface="Arial" panose="020B0604020202020204" pitchFamily="34" charset="0"/>
+              </a:rPr>
+            </a:br>
+            <a:r>
+              <a:rPr lang="en-US" b="1" dirty="0">
+                <a:solidFill>
+                  <a:srgbClr val="000080"/>
+                </a:solidFill>
+                <a:latin typeface="Calibri" panose="020F0502020204030204" pitchFamily="34" charset="0"/>
+                <a:ea typeface="Calibri" panose="020F0502020204030204" pitchFamily="34" charset="0"/>
+                <a:cs typeface="Arial" panose="020B0604020202020204" pitchFamily="34" charset="0"/>
+              </a:rPr>
+              <a:t>function </a:t>
+            </a:r>
+            <a:r>
+              <a:rPr lang="en-US" i="1" dirty="0">
+                <a:solidFill>
+                  <a:srgbClr val="000000"/>
+                </a:solidFill>
+                <a:latin typeface="Calibri" panose="020F0502020204030204" pitchFamily="34" charset="0"/>
+                <a:ea typeface="Calibri" panose="020F0502020204030204" pitchFamily="34" charset="0"/>
+                <a:cs typeface="Arial" panose="020B0604020202020204" pitchFamily="34" charset="0"/>
+              </a:rPr>
+              <a:t>waitAndReturn42</a:t>
+            </a:r>
+            <a:r>
+              <a:rPr lang="en-US" dirty="0">
+                <a:solidFill>
+                  <a:srgbClr val="000000"/>
+                </a:solidFill>
+                <a:latin typeface="Calibri" panose="020F0502020204030204" pitchFamily="34" charset="0"/>
+                <a:ea typeface="Calibri" panose="020F0502020204030204" pitchFamily="34" charset="0"/>
+                <a:cs typeface="Arial" panose="020B0604020202020204" pitchFamily="34" charset="0"/>
+              </a:rPr>
+              <a:t>() {</a:t>
+            </a:r>
+            <a:br>
+              <a:rPr lang="en-US" dirty="0">
+                <a:solidFill>
+                  <a:srgbClr val="000000"/>
+                </a:solidFill>
+                <a:latin typeface="Calibri" panose="020F0502020204030204" pitchFamily="34" charset="0"/>
+                <a:ea typeface="Calibri" panose="020F0502020204030204" pitchFamily="34" charset="0"/>
+                <a:cs typeface="Arial" panose="020B0604020202020204" pitchFamily="34" charset="0"/>
+              </a:rPr>
+            </a:br>
+            <a:r>
+              <a:rPr lang="en-US" dirty="0">
+                <a:solidFill>
+                  <a:srgbClr val="000000"/>
+                </a:solidFill>
+                <a:latin typeface="Calibri" panose="020F0502020204030204" pitchFamily="34" charset="0"/>
+                <a:ea typeface="Calibri" panose="020F0502020204030204" pitchFamily="34" charset="0"/>
+                <a:cs typeface="Arial" panose="020B0604020202020204" pitchFamily="34" charset="0"/>
+              </a:rPr>
+              <a:t>    </a:t>
+            </a:r>
+            <a:r>
+              <a:rPr lang="en-US" b="1" dirty="0">
+                <a:solidFill>
+                  <a:srgbClr val="000080"/>
+                </a:solidFill>
+                <a:latin typeface="Calibri" panose="020F0502020204030204" pitchFamily="34" charset="0"/>
+                <a:ea typeface="Calibri" panose="020F0502020204030204" pitchFamily="34" charset="0"/>
+                <a:cs typeface="Arial" panose="020B0604020202020204" pitchFamily="34" charset="0"/>
+              </a:rPr>
+              <a:t>return </a:t>
+            </a:r>
+            <a:r>
+              <a:rPr lang="en-US" i="1" dirty="0">
+                <a:solidFill>
+                  <a:srgbClr val="000000"/>
+                </a:solidFill>
+                <a:latin typeface="Calibri" panose="020F0502020204030204" pitchFamily="34" charset="0"/>
+                <a:ea typeface="Calibri" panose="020F0502020204030204" pitchFamily="34" charset="0"/>
+                <a:cs typeface="Arial" panose="020B0604020202020204" pitchFamily="34" charset="0"/>
+              </a:rPr>
+              <a:t>delay</a:t>
+            </a:r>
+            <a:r>
+              <a:rPr lang="en-US" dirty="0">
+                <a:solidFill>
+                  <a:srgbClr val="000000"/>
+                </a:solidFill>
+                <a:latin typeface="Calibri" panose="020F0502020204030204" pitchFamily="34" charset="0"/>
+                <a:ea typeface="Calibri" panose="020F0502020204030204" pitchFamily="34" charset="0"/>
+                <a:cs typeface="Arial" panose="020B0604020202020204" pitchFamily="34" charset="0"/>
+              </a:rPr>
+              <a:t>(</a:t>
+            </a:r>
+            <a:r>
+              <a:rPr lang="en-US" dirty="0">
+                <a:solidFill>
+                  <a:srgbClr val="0000FF"/>
+                </a:solidFill>
+                <a:latin typeface="Calibri" panose="020F0502020204030204" pitchFamily="34" charset="0"/>
+                <a:ea typeface="Calibri" panose="020F0502020204030204" pitchFamily="34" charset="0"/>
+                <a:cs typeface="Arial" panose="020B0604020202020204" pitchFamily="34" charset="0"/>
+              </a:rPr>
+              <a:t>1500</a:t>
+            </a:r>
+            <a:r>
+              <a:rPr lang="en-US" dirty="0">
+                <a:solidFill>
+                  <a:srgbClr val="000000"/>
+                </a:solidFill>
+                <a:latin typeface="Calibri" panose="020F0502020204030204" pitchFamily="34" charset="0"/>
+                <a:ea typeface="Calibri" panose="020F0502020204030204" pitchFamily="34" charset="0"/>
+                <a:cs typeface="Arial" panose="020B0604020202020204" pitchFamily="34" charset="0"/>
+              </a:rPr>
+              <a:t>).</a:t>
+            </a:r>
+            <a:r>
+              <a:rPr lang="en-US" dirty="0">
+                <a:solidFill>
+                  <a:srgbClr val="7A7A43"/>
+                </a:solidFill>
+                <a:latin typeface="Calibri" panose="020F0502020204030204" pitchFamily="34" charset="0"/>
+                <a:ea typeface="Calibri" panose="020F0502020204030204" pitchFamily="34" charset="0"/>
+                <a:cs typeface="Arial" panose="020B0604020202020204" pitchFamily="34" charset="0"/>
+              </a:rPr>
+              <a:t>then</a:t>
+            </a:r>
+            <a:r>
+              <a:rPr lang="en-US" dirty="0">
+                <a:solidFill>
+                  <a:srgbClr val="000000"/>
+                </a:solidFill>
+                <a:latin typeface="Calibri" panose="020F0502020204030204" pitchFamily="34" charset="0"/>
+                <a:ea typeface="Calibri" panose="020F0502020204030204" pitchFamily="34" charset="0"/>
+                <a:cs typeface="Arial" panose="020B0604020202020204" pitchFamily="34" charset="0"/>
+              </a:rPr>
+              <a:t>(_ =&gt; </a:t>
+            </a:r>
+            <a:r>
+              <a:rPr lang="en-US" dirty="0">
+                <a:solidFill>
+                  <a:srgbClr val="0000FF"/>
+                </a:solidFill>
+                <a:latin typeface="Calibri" panose="020F0502020204030204" pitchFamily="34" charset="0"/>
+                <a:ea typeface="Calibri" panose="020F0502020204030204" pitchFamily="34" charset="0"/>
+                <a:cs typeface="Arial" panose="020B0604020202020204" pitchFamily="34" charset="0"/>
+              </a:rPr>
+              <a:t>42</a:t>
+            </a:r>
+            <a:r>
+              <a:rPr lang="en-US" dirty="0">
+                <a:solidFill>
+                  <a:srgbClr val="000000"/>
+                </a:solidFill>
+                <a:latin typeface="Calibri" panose="020F0502020204030204" pitchFamily="34" charset="0"/>
+                <a:ea typeface="Calibri" panose="020F0502020204030204" pitchFamily="34" charset="0"/>
+                <a:cs typeface="Arial" panose="020B0604020202020204" pitchFamily="34" charset="0"/>
+              </a:rPr>
+              <a:t>);</a:t>
+            </a:r>
+            <a:br>
+              <a:rPr lang="en-US" dirty="0">
+                <a:solidFill>
+                  <a:srgbClr val="000000"/>
+                </a:solidFill>
+                <a:latin typeface="Calibri" panose="020F0502020204030204" pitchFamily="34" charset="0"/>
+                <a:ea typeface="Calibri" panose="020F0502020204030204" pitchFamily="34" charset="0"/>
+                <a:cs typeface="Arial" panose="020B0604020202020204" pitchFamily="34" charset="0"/>
+              </a:rPr>
+            </a:br>
+            <a:r>
+              <a:rPr lang="en-US" dirty="0">
+                <a:solidFill>
+                  <a:srgbClr val="000000"/>
+                </a:solidFill>
+                <a:latin typeface="Calibri" panose="020F0502020204030204" pitchFamily="34" charset="0"/>
+                <a:ea typeface="Calibri" panose="020F0502020204030204" pitchFamily="34" charset="0"/>
+                <a:cs typeface="Arial" panose="020B0604020202020204" pitchFamily="34" charset="0"/>
+              </a:rPr>
+              <a:t>}</a:t>
+            </a:r>
+            <a:endParaRPr lang="en-US" dirty="0"/>
+          </a:p>
+        </p:txBody>
+      </p:sp>
+    </p:spTree>
+    <p:extLst>
+      <p:ext uri="{BB962C8B-B14F-4D97-AF65-F5344CB8AC3E}">
+        <p14:creationId xmlns:p14="http://schemas.microsoft.com/office/powerpoint/2010/main" val="836746335"/>
+      </p:ext>
+    </p:extLst>
+  </p:cSld>
+  <p:clrMapOvr>
+    <a:masterClrMapping/>
+  </p:clrMapOvr>
+</p:sld>
+</file>
+
+<file path=ppt/slides/slide46.xml><?xml version="1.0" encoding="utf-8"?>
+<p:sld xmlns:a="http://schemas.openxmlformats.org/drawingml/2006/main" xmlns:r="http://schemas.openxmlformats.org/officeDocument/2006/relationships" xmlns:p="http://schemas.openxmlformats.org/presentationml/2006/main">
+  <p:cSld>
+    <p:spTree>
+      <p:nvGrpSpPr>
+        <p:cNvPr id="1" name=""/>
+        <p:cNvGrpSpPr/>
+        <p:nvPr/>
+      </p:nvGrpSpPr>
+      <p:grpSpPr>
+        <a:xfrm>
+          <a:off x="0" y="0"/>
+          <a:ext cx="0" cy="0"/>
+          <a:chOff x="0" y="0"/>
+          <a:chExt cx="0" cy="0"/>
+        </a:xfrm>
+      </p:grpSpPr>
+      <p:sp>
+        <p:nvSpPr>
+          <p:cNvPr id="2" name="Title 1">
+            <a:extLst>
+              <a:ext uri="{FF2B5EF4-FFF2-40B4-BE49-F238E27FC236}">
+                <a16:creationId xmlns:a16="http://schemas.microsoft.com/office/drawing/2014/main" id="{619179E0-8709-4ED8-B4DA-9CEDD1F498B4}"/>
+              </a:ext>
+            </a:extLst>
+          </p:cNvPr>
+          <p:cNvSpPr>
+            <a:spLocks noGrp="1"/>
+          </p:cNvSpPr>
+          <p:nvPr>
+            <p:ph type="title"/>
+          </p:nvPr>
+        </p:nvSpPr>
+        <p:spPr/>
+        <p:txBody>
+          <a:bodyPr/>
+          <a:lstStyle/>
+          <a:p>
+            <a:r>
+              <a:rPr lang="en-US" dirty="0"/>
+              <a:t>Nesting</a:t>
+            </a:r>
+          </a:p>
+        </p:txBody>
+      </p:sp>
+      <p:sp>
+        <p:nvSpPr>
+          <p:cNvPr id="3" name="Footer Placeholder 2">
+            <a:extLst>
+              <a:ext uri="{FF2B5EF4-FFF2-40B4-BE49-F238E27FC236}">
+                <a16:creationId xmlns:a16="http://schemas.microsoft.com/office/drawing/2014/main" id="{0AB771F0-34CC-4B16-B277-63846A9AD674}"/>
+              </a:ext>
+            </a:extLst>
+          </p:cNvPr>
+          <p:cNvSpPr>
+            <a:spLocks noGrp="1"/>
+          </p:cNvSpPr>
+          <p:nvPr>
+            <p:ph type="ftr" sz="quarter" idx="11"/>
+          </p:nvPr>
+        </p:nvSpPr>
+        <p:spPr/>
+        <p:txBody>
+          <a:bodyPr/>
+          <a:lstStyle/>
+          <a:p>
+            <a:r>
+              <a:rPr lang="en-US"/>
+              <a:t>© 2018 Ori Calvo</a:t>
+            </a:r>
+            <a:endParaRPr lang="en-US" dirty="0"/>
+          </a:p>
+        </p:txBody>
+      </p:sp>
+      <p:sp>
+        <p:nvSpPr>
+          <p:cNvPr id="4" name="Slide Number Placeholder 3">
+            <a:extLst>
+              <a:ext uri="{FF2B5EF4-FFF2-40B4-BE49-F238E27FC236}">
+                <a16:creationId xmlns:a16="http://schemas.microsoft.com/office/drawing/2014/main" id="{22F66AB1-9E38-4716-B908-46486E65509C}"/>
+              </a:ext>
+            </a:extLst>
+          </p:cNvPr>
+          <p:cNvSpPr>
+            <a:spLocks noGrp="1"/>
+          </p:cNvSpPr>
+          <p:nvPr>
+            <p:ph type="sldNum" sz="quarter" idx="12"/>
+          </p:nvPr>
+        </p:nvSpPr>
+        <p:spPr/>
+        <p:txBody>
+          <a:bodyPr>
+            <a:normAutofit fontScale="85000" lnSpcReduction="20000"/>
+          </a:bodyPr>
+          <a:lstStyle/>
+          <a:p>
+            <a:fld id="{87B78B44-2135-4DB2-B732-E7D5FFF77B6A}" type="slidenum">
+              <a:rPr lang="en-US" smtClean="0"/>
+              <a:pPr/>
+              <a:t>46</a:t>
+            </a:fld>
+            <a:endParaRPr lang="en-US"/>
+          </a:p>
+        </p:txBody>
+      </p:sp>
+      <p:sp>
+        <p:nvSpPr>
+          <p:cNvPr id="5" name="Content Placeholder 4">
+            <a:extLst>
+              <a:ext uri="{FF2B5EF4-FFF2-40B4-BE49-F238E27FC236}">
+                <a16:creationId xmlns:a16="http://schemas.microsoft.com/office/drawing/2014/main" id="{7F9299C1-39C8-4361-954B-B3EEA251C067}"/>
+              </a:ext>
+            </a:extLst>
+          </p:cNvPr>
+          <p:cNvSpPr>
+            <a:spLocks noGrp="1"/>
+          </p:cNvSpPr>
+          <p:nvPr>
+            <p:ph sz="quarter" idx="1"/>
+          </p:nvPr>
+        </p:nvSpPr>
+        <p:spPr/>
+        <p:txBody>
+          <a:bodyPr/>
+          <a:lstStyle/>
+          <a:p>
+            <a:r>
+              <a:rPr lang="en-US" dirty="0"/>
+              <a:t>Although being a significant improvement over callbacks</a:t>
+            </a:r>
+          </a:p>
+          <a:p>
+            <a:r>
+              <a:rPr lang="en-US" dirty="0"/>
+              <a:t>Promise based code is not as simple as blocking/plain code</a:t>
+            </a:r>
+          </a:p>
+        </p:txBody>
+      </p:sp>
+      <p:sp>
+        <p:nvSpPr>
+          <p:cNvPr id="6" name="Rectangle 5">
+            <a:extLst>
+              <a:ext uri="{FF2B5EF4-FFF2-40B4-BE49-F238E27FC236}">
+                <a16:creationId xmlns:a16="http://schemas.microsoft.com/office/drawing/2014/main" id="{DE6FB64C-972C-4838-A21A-09661AD400BC}"/>
+              </a:ext>
+            </a:extLst>
+          </p:cNvPr>
+          <p:cNvSpPr/>
+          <p:nvPr/>
+        </p:nvSpPr>
+        <p:spPr>
+          <a:xfrm>
+            <a:off x="1853952" y="3628456"/>
+            <a:ext cx="2790056" cy="2893100"/>
+          </a:xfrm>
+          <a:prstGeom prst="rect">
+            <a:avLst/>
+          </a:prstGeom>
+          <a:solidFill>
+            <a:schemeClr val="accent1">
+              <a:lumMod val="40000"/>
+              <a:lumOff val="60000"/>
+            </a:schemeClr>
+          </a:solidFill>
+        </p:spPr>
+        <p:txBody>
+          <a:bodyPr wrap="square">
+            <a:spAutoFit/>
+          </a:bodyPr>
+          <a:lstStyle/>
+          <a:p>
+            <a:r>
+              <a:rPr lang="en-US" sz="1400" b="1" dirty="0">
+                <a:solidFill>
+                  <a:srgbClr val="000080"/>
+                </a:solidFill>
+                <a:latin typeface="Calibri" panose="020F0502020204030204" pitchFamily="34" charset="0"/>
+                <a:ea typeface="Calibri" panose="020F0502020204030204" pitchFamily="34" charset="0"/>
+                <a:cs typeface="Arial" panose="020B0604020202020204" pitchFamily="34" charset="0"/>
+              </a:rPr>
+              <a:t>function </a:t>
+            </a:r>
+            <a:r>
+              <a:rPr lang="en-US" sz="1400" i="1" dirty="0">
+                <a:solidFill>
+                  <a:srgbClr val="000000"/>
+                </a:solidFill>
+                <a:latin typeface="Calibri" panose="020F0502020204030204" pitchFamily="34" charset="0"/>
+                <a:ea typeface="Calibri" panose="020F0502020204030204" pitchFamily="34" charset="0"/>
+                <a:cs typeface="Arial" panose="020B0604020202020204" pitchFamily="34" charset="0"/>
+              </a:rPr>
+              <a:t>main</a:t>
+            </a:r>
+            <a:r>
+              <a:rPr lang="en-US" sz="1400" dirty="0">
+                <a:solidFill>
+                  <a:srgbClr val="000000"/>
+                </a:solidFill>
+                <a:latin typeface="Calibri" panose="020F0502020204030204" pitchFamily="34" charset="0"/>
+                <a:ea typeface="Calibri" panose="020F0502020204030204" pitchFamily="34" charset="0"/>
+                <a:cs typeface="Arial" panose="020B0604020202020204" pitchFamily="34" charset="0"/>
+              </a:rPr>
+              <a:t>() {</a:t>
+            </a:r>
+            <a:br>
+              <a:rPr lang="en-US" sz="1400" dirty="0">
+                <a:solidFill>
+                  <a:srgbClr val="000000"/>
+                </a:solidFill>
+                <a:latin typeface="Calibri" panose="020F0502020204030204" pitchFamily="34" charset="0"/>
+                <a:ea typeface="Calibri" panose="020F0502020204030204" pitchFamily="34" charset="0"/>
+                <a:cs typeface="Arial" panose="020B0604020202020204" pitchFamily="34" charset="0"/>
+              </a:rPr>
+            </a:br>
+            <a:r>
+              <a:rPr lang="en-US" sz="1400" dirty="0">
+                <a:solidFill>
+                  <a:srgbClr val="000000"/>
+                </a:solidFill>
+                <a:latin typeface="Calibri" panose="020F0502020204030204" pitchFamily="34" charset="0"/>
+                <a:ea typeface="Calibri" panose="020F0502020204030204" pitchFamily="34" charset="0"/>
+                <a:cs typeface="Arial" panose="020B0604020202020204" pitchFamily="34" charset="0"/>
+              </a:rPr>
+              <a:t>    task1().</a:t>
+            </a:r>
+            <a:r>
+              <a:rPr lang="en-US" sz="1400" dirty="0">
+                <a:solidFill>
+                  <a:srgbClr val="7A7A43"/>
+                </a:solidFill>
+                <a:latin typeface="Calibri" panose="020F0502020204030204" pitchFamily="34" charset="0"/>
+                <a:ea typeface="Calibri" panose="020F0502020204030204" pitchFamily="34" charset="0"/>
+                <a:cs typeface="Arial" panose="020B0604020202020204" pitchFamily="34" charset="0"/>
+              </a:rPr>
+              <a:t>then</a:t>
+            </a:r>
+            <a:r>
+              <a:rPr lang="en-US" sz="1400" dirty="0">
+                <a:solidFill>
+                  <a:srgbClr val="000000"/>
+                </a:solidFill>
+                <a:latin typeface="Calibri" panose="020F0502020204030204" pitchFamily="34" charset="0"/>
+                <a:ea typeface="Calibri" panose="020F0502020204030204" pitchFamily="34" charset="0"/>
+                <a:cs typeface="Arial" panose="020B0604020202020204" pitchFamily="34" charset="0"/>
+              </a:rPr>
+              <a:t>(res =&gt; {</a:t>
+            </a:r>
+            <a:br>
+              <a:rPr lang="en-US" sz="1400" dirty="0">
+                <a:solidFill>
+                  <a:srgbClr val="000000"/>
+                </a:solidFill>
+                <a:latin typeface="Calibri" panose="020F0502020204030204" pitchFamily="34" charset="0"/>
+                <a:ea typeface="Calibri" panose="020F0502020204030204" pitchFamily="34" charset="0"/>
+                <a:cs typeface="Arial" panose="020B0604020202020204" pitchFamily="34" charset="0"/>
+              </a:rPr>
+            </a:br>
+            <a:r>
+              <a:rPr lang="en-US" sz="1400" dirty="0">
+                <a:solidFill>
+                  <a:srgbClr val="000000"/>
+                </a:solidFill>
+                <a:latin typeface="Calibri" panose="020F0502020204030204" pitchFamily="34" charset="0"/>
+                <a:ea typeface="Calibri" panose="020F0502020204030204" pitchFamily="34" charset="0"/>
+                <a:cs typeface="Arial" panose="020B0604020202020204" pitchFamily="34" charset="0"/>
+              </a:rPr>
+              <a:t>        </a:t>
+            </a:r>
+            <a:r>
+              <a:rPr lang="en-US" sz="1400" b="1" dirty="0">
+                <a:solidFill>
+                  <a:srgbClr val="000080"/>
+                </a:solidFill>
+                <a:latin typeface="Calibri" panose="020F0502020204030204" pitchFamily="34" charset="0"/>
+                <a:ea typeface="Calibri" panose="020F0502020204030204" pitchFamily="34" charset="0"/>
+                <a:cs typeface="Arial" panose="020B0604020202020204" pitchFamily="34" charset="0"/>
+              </a:rPr>
+              <a:t>if</a:t>
+            </a:r>
+            <a:r>
+              <a:rPr lang="en-US" sz="1400" dirty="0">
+                <a:solidFill>
+                  <a:srgbClr val="000000"/>
+                </a:solidFill>
+                <a:latin typeface="Calibri" panose="020F0502020204030204" pitchFamily="34" charset="0"/>
+                <a:ea typeface="Calibri" panose="020F0502020204030204" pitchFamily="34" charset="0"/>
+                <a:cs typeface="Arial" panose="020B0604020202020204" pitchFamily="34" charset="0"/>
+              </a:rPr>
+              <a:t>(res == </a:t>
+            </a:r>
+            <a:r>
+              <a:rPr lang="en-US" sz="1400" dirty="0">
+                <a:solidFill>
+                  <a:srgbClr val="0000FF"/>
+                </a:solidFill>
+                <a:latin typeface="Calibri" panose="020F0502020204030204" pitchFamily="34" charset="0"/>
+                <a:ea typeface="Calibri" panose="020F0502020204030204" pitchFamily="34" charset="0"/>
+                <a:cs typeface="Arial" panose="020B0604020202020204" pitchFamily="34" charset="0"/>
+              </a:rPr>
+              <a:t>42</a:t>
+            </a:r>
+            <a:r>
+              <a:rPr lang="en-US" sz="1400" dirty="0">
+                <a:solidFill>
+                  <a:srgbClr val="000000"/>
+                </a:solidFill>
+                <a:latin typeface="Calibri" panose="020F0502020204030204" pitchFamily="34" charset="0"/>
+                <a:ea typeface="Calibri" panose="020F0502020204030204" pitchFamily="34" charset="0"/>
+                <a:cs typeface="Arial" panose="020B0604020202020204" pitchFamily="34" charset="0"/>
+              </a:rPr>
+              <a:t>) {</a:t>
+            </a:r>
+            <a:br>
+              <a:rPr lang="en-US" sz="1400" dirty="0">
+                <a:solidFill>
+                  <a:srgbClr val="000000"/>
+                </a:solidFill>
+                <a:latin typeface="Calibri" panose="020F0502020204030204" pitchFamily="34" charset="0"/>
+                <a:ea typeface="Calibri" panose="020F0502020204030204" pitchFamily="34" charset="0"/>
+                <a:cs typeface="Arial" panose="020B0604020202020204" pitchFamily="34" charset="0"/>
+              </a:rPr>
+            </a:br>
+            <a:r>
+              <a:rPr lang="en-US" sz="1400" dirty="0">
+                <a:solidFill>
+                  <a:srgbClr val="000000"/>
+                </a:solidFill>
+                <a:latin typeface="Calibri" panose="020F0502020204030204" pitchFamily="34" charset="0"/>
+                <a:ea typeface="Calibri" panose="020F0502020204030204" pitchFamily="34" charset="0"/>
+                <a:cs typeface="Arial" panose="020B0604020202020204" pitchFamily="34" charset="0"/>
+              </a:rPr>
+              <a:t>            </a:t>
+            </a:r>
+            <a:r>
+              <a:rPr lang="en-US" sz="1400" b="1" dirty="0">
+                <a:solidFill>
+                  <a:srgbClr val="000080"/>
+                </a:solidFill>
+                <a:latin typeface="Calibri" panose="020F0502020204030204" pitchFamily="34" charset="0"/>
+                <a:ea typeface="Calibri" panose="020F0502020204030204" pitchFamily="34" charset="0"/>
+                <a:cs typeface="Arial" panose="020B0604020202020204" pitchFamily="34" charset="0"/>
+              </a:rPr>
+              <a:t>return </a:t>
+            </a:r>
+            <a:r>
+              <a:rPr lang="en-US" sz="1400" dirty="0">
+                <a:solidFill>
+                  <a:srgbClr val="000000"/>
+                </a:solidFill>
+                <a:latin typeface="Calibri" panose="020F0502020204030204" pitchFamily="34" charset="0"/>
+                <a:ea typeface="Calibri" panose="020F0502020204030204" pitchFamily="34" charset="0"/>
+                <a:cs typeface="Arial" panose="020B0604020202020204" pitchFamily="34" charset="0"/>
+              </a:rPr>
+              <a:t>task2().</a:t>
+            </a:r>
+            <a:r>
+              <a:rPr lang="en-US" sz="1400" dirty="0">
+                <a:solidFill>
+                  <a:srgbClr val="7A7A43"/>
+                </a:solidFill>
+                <a:latin typeface="Calibri" panose="020F0502020204030204" pitchFamily="34" charset="0"/>
+                <a:ea typeface="Calibri" panose="020F0502020204030204" pitchFamily="34" charset="0"/>
+                <a:cs typeface="Arial" panose="020B0604020202020204" pitchFamily="34" charset="0"/>
+              </a:rPr>
+              <a:t>then</a:t>
+            </a:r>
+            <a:r>
+              <a:rPr lang="en-US" sz="1400" dirty="0">
+                <a:solidFill>
+                  <a:srgbClr val="000000"/>
+                </a:solidFill>
+                <a:latin typeface="Calibri" panose="020F0502020204030204" pitchFamily="34" charset="0"/>
+                <a:ea typeface="Calibri" panose="020F0502020204030204" pitchFamily="34" charset="0"/>
+                <a:cs typeface="Arial" panose="020B0604020202020204" pitchFamily="34" charset="0"/>
+              </a:rPr>
+              <a:t>(()=&gt; {</a:t>
+            </a:r>
+            <a:br>
+              <a:rPr lang="en-US" sz="1400" dirty="0">
+                <a:solidFill>
+                  <a:srgbClr val="000000"/>
+                </a:solidFill>
+                <a:latin typeface="Calibri" panose="020F0502020204030204" pitchFamily="34" charset="0"/>
+                <a:ea typeface="Calibri" panose="020F0502020204030204" pitchFamily="34" charset="0"/>
+                <a:cs typeface="Arial" panose="020B0604020202020204" pitchFamily="34" charset="0"/>
+              </a:rPr>
+            </a:br>
+            <a:r>
+              <a:rPr lang="en-US" sz="1400" dirty="0">
+                <a:solidFill>
+                  <a:srgbClr val="000000"/>
+                </a:solidFill>
+                <a:latin typeface="Calibri" panose="020F0502020204030204" pitchFamily="34" charset="0"/>
+                <a:ea typeface="Calibri" panose="020F0502020204030204" pitchFamily="34" charset="0"/>
+                <a:cs typeface="Arial" panose="020B0604020202020204" pitchFamily="34" charset="0"/>
+              </a:rPr>
+              <a:t>                </a:t>
+            </a:r>
+            <a:r>
+              <a:rPr lang="en-US" sz="1400" b="1" i="1" dirty="0">
+                <a:solidFill>
+                  <a:srgbClr val="660E7A"/>
+                </a:solidFill>
+                <a:latin typeface="Calibri" panose="020F0502020204030204" pitchFamily="34" charset="0"/>
+                <a:ea typeface="Calibri" panose="020F0502020204030204" pitchFamily="34" charset="0"/>
+                <a:cs typeface="Arial" panose="020B0604020202020204" pitchFamily="34" charset="0"/>
+              </a:rPr>
+              <a:t>console</a:t>
+            </a:r>
+            <a:r>
+              <a:rPr lang="en-US" sz="1400" dirty="0">
+                <a:solidFill>
+                  <a:srgbClr val="000000"/>
+                </a:solidFill>
+                <a:latin typeface="Calibri" panose="020F0502020204030204" pitchFamily="34" charset="0"/>
+                <a:ea typeface="Calibri" panose="020F0502020204030204" pitchFamily="34" charset="0"/>
+                <a:cs typeface="Arial" panose="020B0604020202020204" pitchFamily="34" charset="0"/>
+              </a:rPr>
+              <a:t>.</a:t>
+            </a:r>
+            <a:r>
+              <a:rPr lang="en-US" sz="1400" dirty="0">
+                <a:solidFill>
+                  <a:srgbClr val="7A7A43"/>
+                </a:solidFill>
+                <a:latin typeface="Calibri" panose="020F0502020204030204" pitchFamily="34" charset="0"/>
+                <a:ea typeface="Calibri" panose="020F0502020204030204" pitchFamily="34" charset="0"/>
+                <a:cs typeface="Arial" panose="020B0604020202020204" pitchFamily="34" charset="0"/>
+              </a:rPr>
+              <a:t>log</a:t>
+            </a:r>
+            <a:r>
+              <a:rPr lang="en-US" sz="1400" dirty="0">
+                <a:solidFill>
+                  <a:srgbClr val="000000"/>
+                </a:solidFill>
+                <a:latin typeface="Calibri" panose="020F0502020204030204" pitchFamily="34" charset="0"/>
+                <a:ea typeface="Calibri" panose="020F0502020204030204" pitchFamily="34" charset="0"/>
+                <a:cs typeface="Arial" panose="020B0604020202020204" pitchFamily="34" charset="0"/>
+              </a:rPr>
+              <a:t>(</a:t>
+            </a:r>
+            <a:r>
+              <a:rPr lang="en-US" sz="1400" b="1" dirty="0">
+                <a:solidFill>
+                  <a:srgbClr val="008000"/>
+                </a:solidFill>
+                <a:latin typeface="Calibri" panose="020F0502020204030204" pitchFamily="34" charset="0"/>
+                <a:ea typeface="Calibri" panose="020F0502020204030204" pitchFamily="34" charset="0"/>
+                <a:cs typeface="Arial" panose="020B0604020202020204" pitchFamily="34" charset="0"/>
+              </a:rPr>
+              <a:t>"COMPLETED"</a:t>
+            </a:r>
+            <a:r>
+              <a:rPr lang="en-US" sz="1400" dirty="0">
+                <a:solidFill>
+                  <a:srgbClr val="000000"/>
+                </a:solidFill>
+                <a:latin typeface="Calibri" panose="020F0502020204030204" pitchFamily="34" charset="0"/>
+                <a:ea typeface="Calibri" panose="020F0502020204030204" pitchFamily="34" charset="0"/>
+                <a:cs typeface="Arial" panose="020B0604020202020204" pitchFamily="34" charset="0"/>
+              </a:rPr>
+              <a:t>);</a:t>
+            </a:r>
+            <a:br>
+              <a:rPr lang="en-US" sz="1400" dirty="0">
+                <a:solidFill>
+                  <a:srgbClr val="000000"/>
+                </a:solidFill>
+                <a:latin typeface="Calibri" panose="020F0502020204030204" pitchFamily="34" charset="0"/>
+                <a:ea typeface="Calibri" panose="020F0502020204030204" pitchFamily="34" charset="0"/>
+                <a:cs typeface="Arial" panose="020B0604020202020204" pitchFamily="34" charset="0"/>
+              </a:rPr>
+            </a:br>
+            <a:r>
+              <a:rPr lang="en-US" sz="1400" dirty="0">
+                <a:solidFill>
+                  <a:srgbClr val="000000"/>
+                </a:solidFill>
+                <a:latin typeface="Calibri" panose="020F0502020204030204" pitchFamily="34" charset="0"/>
+                <a:ea typeface="Calibri" panose="020F0502020204030204" pitchFamily="34" charset="0"/>
+                <a:cs typeface="Arial" panose="020B0604020202020204" pitchFamily="34" charset="0"/>
+              </a:rPr>
+              <a:t>            });</a:t>
+            </a:r>
+            <a:br>
+              <a:rPr lang="en-US" sz="1400" dirty="0">
+                <a:solidFill>
+                  <a:srgbClr val="000000"/>
+                </a:solidFill>
+                <a:latin typeface="Calibri" panose="020F0502020204030204" pitchFamily="34" charset="0"/>
+                <a:ea typeface="Calibri" panose="020F0502020204030204" pitchFamily="34" charset="0"/>
+                <a:cs typeface="Arial" panose="020B0604020202020204" pitchFamily="34" charset="0"/>
+              </a:rPr>
+            </a:br>
+            <a:r>
+              <a:rPr lang="en-US" sz="1400" dirty="0">
+                <a:solidFill>
+                  <a:srgbClr val="000000"/>
+                </a:solidFill>
+                <a:latin typeface="Calibri" panose="020F0502020204030204" pitchFamily="34" charset="0"/>
+                <a:ea typeface="Calibri" panose="020F0502020204030204" pitchFamily="34" charset="0"/>
+                <a:cs typeface="Arial" panose="020B0604020202020204" pitchFamily="34" charset="0"/>
+              </a:rPr>
+              <a:t>        }</a:t>
+            </a:r>
+            <a:br>
+              <a:rPr lang="en-US" sz="1400" dirty="0">
+                <a:solidFill>
+                  <a:srgbClr val="000000"/>
+                </a:solidFill>
+                <a:latin typeface="Calibri" panose="020F0502020204030204" pitchFamily="34" charset="0"/>
+                <a:ea typeface="Calibri" panose="020F0502020204030204" pitchFamily="34" charset="0"/>
+                <a:cs typeface="Arial" panose="020B0604020202020204" pitchFamily="34" charset="0"/>
+              </a:rPr>
+            </a:br>
+            <a:r>
+              <a:rPr lang="en-US" sz="1400" dirty="0">
+                <a:solidFill>
+                  <a:srgbClr val="000000"/>
+                </a:solidFill>
+                <a:latin typeface="Calibri" panose="020F0502020204030204" pitchFamily="34" charset="0"/>
+                <a:ea typeface="Calibri" panose="020F0502020204030204" pitchFamily="34" charset="0"/>
+                <a:cs typeface="Arial" panose="020B0604020202020204" pitchFamily="34" charset="0"/>
+              </a:rPr>
+              <a:t>        </a:t>
+            </a:r>
+            <a:r>
+              <a:rPr lang="en-US" sz="1400" b="1" dirty="0">
+                <a:solidFill>
+                  <a:srgbClr val="000080"/>
+                </a:solidFill>
+                <a:latin typeface="Calibri" panose="020F0502020204030204" pitchFamily="34" charset="0"/>
+                <a:ea typeface="Calibri" panose="020F0502020204030204" pitchFamily="34" charset="0"/>
+                <a:cs typeface="Arial" panose="020B0604020202020204" pitchFamily="34" charset="0"/>
+              </a:rPr>
+              <a:t>else </a:t>
+            </a:r>
+            <a:r>
+              <a:rPr lang="en-US" sz="1400" dirty="0">
+                <a:solidFill>
+                  <a:srgbClr val="000000"/>
+                </a:solidFill>
+                <a:latin typeface="Calibri" panose="020F0502020204030204" pitchFamily="34" charset="0"/>
+                <a:ea typeface="Calibri" panose="020F0502020204030204" pitchFamily="34" charset="0"/>
+                <a:cs typeface="Arial" panose="020B0604020202020204" pitchFamily="34" charset="0"/>
+              </a:rPr>
+              <a:t>{</a:t>
+            </a:r>
+            <a:br>
+              <a:rPr lang="en-US" sz="1400" dirty="0">
+                <a:solidFill>
+                  <a:srgbClr val="000000"/>
+                </a:solidFill>
+                <a:latin typeface="Calibri" panose="020F0502020204030204" pitchFamily="34" charset="0"/>
+                <a:ea typeface="Calibri" panose="020F0502020204030204" pitchFamily="34" charset="0"/>
+                <a:cs typeface="Arial" panose="020B0604020202020204" pitchFamily="34" charset="0"/>
+              </a:rPr>
+            </a:br>
+            <a:r>
+              <a:rPr lang="en-US" sz="1400" dirty="0">
+                <a:solidFill>
+                  <a:srgbClr val="000000"/>
+                </a:solidFill>
+                <a:latin typeface="Calibri" panose="020F0502020204030204" pitchFamily="34" charset="0"/>
+                <a:ea typeface="Calibri" panose="020F0502020204030204" pitchFamily="34" charset="0"/>
+                <a:cs typeface="Arial" panose="020B0604020202020204" pitchFamily="34" charset="0"/>
+              </a:rPr>
+              <a:t>            </a:t>
+            </a:r>
+            <a:r>
+              <a:rPr lang="en-US" sz="1400" b="1" i="1" dirty="0">
+                <a:solidFill>
+                  <a:srgbClr val="660E7A"/>
+                </a:solidFill>
+                <a:latin typeface="Calibri" panose="020F0502020204030204" pitchFamily="34" charset="0"/>
+                <a:ea typeface="Calibri" panose="020F0502020204030204" pitchFamily="34" charset="0"/>
+                <a:cs typeface="Arial" panose="020B0604020202020204" pitchFamily="34" charset="0"/>
+              </a:rPr>
+              <a:t>console</a:t>
+            </a:r>
+            <a:r>
+              <a:rPr lang="en-US" sz="1400" dirty="0">
+                <a:solidFill>
+                  <a:srgbClr val="000000"/>
+                </a:solidFill>
+                <a:latin typeface="Calibri" panose="020F0502020204030204" pitchFamily="34" charset="0"/>
+                <a:ea typeface="Calibri" panose="020F0502020204030204" pitchFamily="34" charset="0"/>
+                <a:cs typeface="Arial" panose="020B0604020202020204" pitchFamily="34" charset="0"/>
+              </a:rPr>
+              <a:t>.</a:t>
+            </a:r>
+            <a:r>
+              <a:rPr lang="en-US" sz="1400" dirty="0">
+                <a:solidFill>
+                  <a:srgbClr val="7A7A43"/>
+                </a:solidFill>
+                <a:latin typeface="Calibri" panose="020F0502020204030204" pitchFamily="34" charset="0"/>
+                <a:ea typeface="Calibri" panose="020F0502020204030204" pitchFamily="34" charset="0"/>
+                <a:cs typeface="Arial" panose="020B0604020202020204" pitchFamily="34" charset="0"/>
+              </a:rPr>
+              <a:t>log</a:t>
+            </a:r>
+            <a:r>
+              <a:rPr lang="en-US" sz="1400" dirty="0">
+                <a:solidFill>
+                  <a:srgbClr val="000000"/>
+                </a:solidFill>
+                <a:latin typeface="Calibri" panose="020F0502020204030204" pitchFamily="34" charset="0"/>
+                <a:ea typeface="Calibri" panose="020F0502020204030204" pitchFamily="34" charset="0"/>
+                <a:cs typeface="Arial" panose="020B0604020202020204" pitchFamily="34" charset="0"/>
+              </a:rPr>
+              <a:t>(</a:t>
+            </a:r>
+            <a:r>
+              <a:rPr lang="en-US" sz="1400" b="1" dirty="0">
+                <a:solidFill>
+                  <a:srgbClr val="008000"/>
+                </a:solidFill>
+                <a:latin typeface="Calibri" panose="020F0502020204030204" pitchFamily="34" charset="0"/>
+                <a:ea typeface="Calibri" panose="020F0502020204030204" pitchFamily="34" charset="0"/>
+                <a:cs typeface="Arial" panose="020B0604020202020204" pitchFamily="34" charset="0"/>
+              </a:rPr>
+              <a:t>"COMPLETED"</a:t>
+            </a:r>
+            <a:r>
+              <a:rPr lang="en-US" sz="1400" dirty="0">
+                <a:solidFill>
+                  <a:srgbClr val="000000"/>
+                </a:solidFill>
+                <a:latin typeface="Calibri" panose="020F0502020204030204" pitchFamily="34" charset="0"/>
+                <a:ea typeface="Calibri" panose="020F0502020204030204" pitchFamily="34" charset="0"/>
+                <a:cs typeface="Arial" panose="020B0604020202020204" pitchFamily="34" charset="0"/>
+              </a:rPr>
+              <a:t>);</a:t>
+            </a:r>
+            <a:br>
+              <a:rPr lang="en-US" sz="1400" dirty="0">
+                <a:solidFill>
+                  <a:srgbClr val="000000"/>
+                </a:solidFill>
+                <a:latin typeface="Calibri" panose="020F0502020204030204" pitchFamily="34" charset="0"/>
+                <a:ea typeface="Calibri" panose="020F0502020204030204" pitchFamily="34" charset="0"/>
+                <a:cs typeface="Arial" panose="020B0604020202020204" pitchFamily="34" charset="0"/>
+              </a:rPr>
+            </a:br>
+            <a:r>
+              <a:rPr lang="en-US" sz="1400" dirty="0">
+                <a:solidFill>
+                  <a:srgbClr val="000000"/>
+                </a:solidFill>
+                <a:latin typeface="Calibri" panose="020F0502020204030204" pitchFamily="34" charset="0"/>
+                <a:ea typeface="Calibri" panose="020F0502020204030204" pitchFamily="34" charset="0"/>
+                <a:cs typeface="Arial" panose="020B0604020202020204" pitchFamily="34" charset="0"/>
+              </a:rPr>
+              <a:t>        }</a:t>
+            </a:r>
+            <a:br>
+              <a:rPr lang="en-US" sz="1400" dirty="0">
+                <a:solidFill>
+                  <a:srgbClr val="000000"/>
+                </a:solidFill>
+                <a:latin typeface="Calibri" panose="020F0502020204030204" pitchFamily="34" charset="0"/>
+                <a:ea typeface="Calibri" panose="020F0502020204030204" pitchFamily="34" charset="0"/>
+                <a:cs typeface="Arial" panose="020B0604020202020204" pitchFamily="34" charset="0"/>
+              </a:rPr>
+            </a:br>
+            <a:r>
+              <a:rPr lang="en-US" sz="1400" dirty="0">
+                <a:solidFill>
+                  <a:srgbClr val="000000"/>
+                </a:solidFill>
+                <a:latin typeface="Calibri" panose="020F0502020204030204" pitchFamily="34" charset="0"/>
+                <a:ea typeface="Calibri" panose="020F0502020204030204" pitchFamily="34" charset="0"/>
+                <a:cs typeface="Arial" panose="020B0604020202020204" pitchFamily="34" charset="0"/>
+              </a:rPr>
+              <a:t>    });</a:t>
+            </a:r>
+            <a:br>
+              <a:rPr lang="en-US" sz="1400" dirty="0">
+                <a:solidFill>
+                  <a:srgbClr val="000000"/>
+                </a:solidFill>
+                <a:latin typeface="Calibri" panose="020F0502020204030204" pitchFamily="34" charset="0"/>
+                <a:ea typeface="Calibri" panose="020F0502020204030204" pitchFamily="34" charset="0"/>
+                <a:cs typeface="Arial" panose="020B0604020202020204" pitchFamily="34" charset="0"/>
+              </a:rPr>
+            </a:br>
+            <a:r>
+              <a:rPr lang="en-US" sz="1400" dirty="0">
+                <a:solidFill>
+                  <a:srgbClr val="000000"/>
+                </a:solidFill>
+                <a:latin typeface="Calibri" panose="020F0502020204030204" pitchFamily="34" charset="0"/>
+                <a:ea typeface="Calibri" panose="020F0502020204030204" pitchFamily="34" charset="0"/>
+                <a:cs typeface="Arial" panose="020B0604020202020204" pitchFamily="34" charset="0"/>
+              </a:rPr>
+              <a:t>}</a:t>
+            </a:r>
+            <a:endParaRPr lang="en-US" sz="1400" dirty="0"/>
+          </a:p>
+        </p:txBody>
+      </p:sp>
+      <p:sp>
+        <p:nvSpPr>
+          <p:cNvPr id="7" name="Rectangle 6">
+            <a:extLst>
+              <a:ext uri="{FF2B5EF4-FFF2-40B4-BE49-F238E27FC236}">
+                <a16:creationId xmlns:a16="http://schemas.microsoft.com/office/drawing/2014/main" id="{0C284A89-1407-4273-BFE6-D617E6DF6D05}"/>
+              </a:ext>
+            </a:extLst>
+          </p:cNvPr>
+          <p:cNvSpPr/>
+          <p:nvPr/>
+        </p:nvSpPr>
+        <p:spPr>
+          <a:xfrm>
+            <a:off x="5220072" y="3628456"/>
+            <a:ext cx="2790056" cy="1600438"/>
+          </a:xfrm>
+          <a:prstGeom prst="rect">
+            <a:avLst/>
+          </a:prstGeom>
+          <a:solidFill>
+            <a:schemeClr val="accent1">
+              <a:lumMod val="40000"/>
+              <a:lumOff val="60000"/>
+            </a:schemeClr>
+          </a:solidFill>
+          <a:ln>
+            <a:noFill/>
+          </a:ln>
+        </p:spPr>
+        <p:txBody>
+          <a:bodyPr wrap="square">
+            <a:spAutoFit/>
+          </a:bodyPr>
+          <a:lstStyle/>
+          <a:p>
+            <a:r>
+              <a:rPr lang="en-US" sz="1400" b="1" dirty="0">
+                <a:solidFill>
+                  <a:srgbClr val="000080"/>
+                </a:solidFill>
+                <a:latin typeface="Calibri" panose="020F0502020204030204" pitchFamily="34" charset="0"/>
+                <a:ea typeface="Calibri" panose="020F0502020204030204" pitchFamily="34" charset="0"/>
+                <a:cs typeface="Arial" panose="020B0604020202020204" pitchFamily="34" charset="0"/>
+              </a:rPr>
+              <a:t>function </a:t>
+            </a:r>
+            <a:r>
+              <a:rPr lang="en-US" sz="1400" i="1" dirty="0" err="1">
+                <a:solidFill>
+                  <a:srgbClr val="000000"/>
+                </a:solidFill>
+                <a:latin typeface="Calibri" panose="020F0502020204030204" pitchFamily="34" charset="0"/>
+                <a:ea typeface="Calibri" panose="020F0502020204030204" pitchFamily="34" charset="0"/>
+                <a:cs typeface="Arial" panose="020B0604020202020204" pitchFamily="34" charset="0"/>
+              </a:rPr>
+              <a:t>plainSynchronousCode</a:t>
+            </a:r>
+            <a:r>
+              <a:rPr lang="en-US" sz="1400" dirty="0">
+                <a:solidFill>
+                  <a:srgbClr val="000000"/>
+                </a:solidFill>
+                <a:latin typeface="Calibri" panose="020F0502020204030204" pitchFamily="34" charset="0"/>
+                <a:ea typeface="Calibri" panose="020F0502020204030204" pitchFamily="34" charset="0"/>
+                <a:cs typeface="Arial" panose="020B0604020202020204" pitchFamily="34" charset="0"/>
+              </a:rPr>
+              <a:t>() {</a:t>
+            </a:r>
+            <a:br>
+              <a:rPr lang="en-US" sz="1400" dirty="0">
+                <a:solidFill>
+                  <a:srgbClr val="000000"/>
+                </a:solidFill>
+                <a:latin typeface="Calibri" panose="020F0502020204030204" pitchFamily="34" charset="0"/>
+                <a:ea typeface="Calibri" panose="020F0502020204030204" pitchFamily="34" charset="0"/>
+                <a:cs typeface="Arial" panose="020B0604020202020204" pitchFamily="34" charset="0"/>
+              </a:rPr>
+            </a:br>
+            <a:r>
+              <a:rPr lang="en-US" sz="1400" dirty="0">
+                <a:solidFill>
+                  <a:srgbClr val="000000"/>
+                </a:solidFill>
+                <a:latin typeface="Calibri" panose="020F0502020204030204" pitchFamily="34" charset="0"/>
+                <a:ea typeface="Calibri" panose="020F0502020204030204" pitchFamily="34" charset="0"/>
+                <a:cs typeface="Arial" panose="020B0604020202020204" pitchFamily="34" charset="0"/>
+              </a:rPr>
+              <a:t>    </a:t>
+            </a:r>
+            <a:r>
+              <a:rPr lang="en-US" sz="1400" b="1" dirty="0">
+                <a:solidFill>
+                  <a:srgbClr val="000080"/>
+                </a:solidFill>
+                <a:latin typeface="Calibri" panose="020F0502020204030204" pitchFamily="34" charset="0"/>
+                <a:ea typeface="Calibri" panose="020F0502020204030204" pitchFamily="34" charset="0"/>
+                <a:cs typeface="Arial" panose="020B0604020202020204" pitchFamily="34" charset="0"/>
+              </a:rPr>
+              <a:t>if</a:t>
+            </a:r>
+            <a:r>
+              <a:rPr lang="en-US" sz="1400" dirty="0">
+                <a:solidFill>
+                  <a:srgbClr val="000000"/>
+                </a:solidFill>
+                <a:latin typeface="Calibri" panose="020F0502020204030204" pitchFamily="34" charset="0"/>
+                <a:ea typeface="Calibri" panose="020F0502020204030204" pitchFamily="34" charset="0"/>
+                <a:cs typeface="Arial" panose="020B0604020202020204" pitchFamily="34" charset="0"/>
+              </a:rPr>
+              <a:t>(task1() == </a:t>
+            </a:r>
+            <a:r>
+              <a:rPr lang="en-US" sz="1400" dirty="0">
+                <a:solidFill>
+                  <a:srgbClr val="0000FF"/>
+                </a:solidFill>
+                <a:latin typeface="Calibri" panose="020F0502020204030204" pitchFamily="34" charset="0"/>
+                <a:ea typeface="Calibri" panose="020F0502020204030204" pitchFamily="34" charset="0"/>
+                <a:cs typeface="Arial" panose="020B0604020202020204" pitchFamily="34" charset="0"/>
+              </a:rPr>
+              <a:t>42</a:t>
+            </a:r>
+            <a:r>
+              <a:rPr lang="en-US" sz="1400" dirty="0">
+                <a:solidFill>
+                  <a:srgbClr val="000000"/>
+                </a:solidFill>
+                <a:latin typeface="Calibri" panose="020F0502020204030204" pitchFamily="34" charset="0"/>
+                <a:ea typeface="Calibri" panose="020F0502020204030204" pitchFamily="34" charset="0"/>
+                <a:cs typeface="Arial" panose="020B0604020202020204" pitchFamily="34" charset="0"/>
+              </a:rPr>
+              <a:t>) {</a:t>
+            </a:r>
+            <a:br>
+              <a:rPr lang="en-US" sz="1400" dirty="0">
+                <a:solidFill>
+                  <a:srgbClr val="000000"/>
+                </a:solidFill>
+                <a:latin typeface="Calibri" panose="020F0502020204030204" pitchFamily="34" charset="0"/>
+                <a:ea typeface="Calibri" panose="020F0502020204030204" pitchFamily="34" charset="0"/>
+                <a:cs typeface="Arial" panose="020B0604020202020204" pitchFamily="34" charset="0"/>
+              </a:rPr>
+            </a:br>
+            <a:r>
+              <a:rPr lang="en-US" sz="1400" dirty="0">
+                <a:solidFill>
+                  <a:srgbClr val="000000"/>
+                </a:solidFill>
+                <a:latin typeface="Calibri" panose="020F0502020204030204" pitchFamily="34" charset="0"/>
+                <a:ea typeface="Calibri" panose="020F0502020204030204" pitchFamily="34" charset="0"/>
+                <a:cs typeface="Arial" panose="020B0604020202020204" pitchFamily="34" charset="0"/>
+              </a:rPr>
+              <a:t>        task2();</a:t>
+            </a:r>
+            <a:br>
+              <a:rPr lang="en-US" sz="1400" dirty="0">
+                <a:solidFill>
+                  <a:srgbClr val="000000"/>
+                </a:solidFill>
+                <a:latin typeface="Calibri" panose="020F0502020204030204" pitchFamily="34" charset="0"/>
+                <a:ea typeface="Calibri" panose="020F0502020204030204" pitchFamily="34" charset="0"/>
+                <a:cs typeface="Arial" panose="020B0604020202020204" pitchFamily="34" charset="0"/>
+              </a:rPr>
+            </a:br>
+            <a:r>
+              <a:rPr lang="en-US" sz="1400" dirty="0">
+                <a:solidFill>
+                  <a:srgbClr val="000000"/>
+                </a:solidFill>
+                <a:latin typeface="Calibri" panose="020F0502020204030204" pitchFamily="34" charset="0"/>
+                <a:ea typeface="Calibri" panose="020F0502020204030204" pitchFamily="34" charset="0"/>
+                <a:cs typeface="Arial" panose="020B0604020202020204" pitchFamily="34" charset="0"/>
+              </a:rPr>
+              <a:t>    }</a:t>
+            </a:r>
+            <a:br>
+              <a:rPr lang="en-US" sz="1400" dirty="0">
+                <a:solidFill>
+                  <a:srgbClr val="000000"/>
+                </a:solidFill>
+                <a:latin typeface="Calibri" panose="020F0502020204030204" pitchFamily="34" charset="0"/>
+                <a:ea typeface="Calibri" panose="020F0502020204030204" pitchFamily="34" charset="0"/>
+                <a:cs typeface="Arial" panose="020B0604020202020204" pitchFamily="34" charset="0"/>
+              </a:rPr>
+            </a:br>
+            <a:br>
+              <a:rPr lang="en-US" sz="1400" dirty="0">
+                <a:solidFill>
+                  <a:srgbClr val="000000"/>
+                </a:solidFill>
+                <a:latin typeface="Calibri" panose="020F0502020204030204" pitchFamily="34" charset="0"/>
+                <a:ea typeface="Calibri" panose="020F0502020204030204" pitchFamily="34" charset="0"/>
+                <a:cs typeface="Arial" panose="020B0604020202020204" pitchFamily="34" charset="0"/>
+              </a:rPr>
+            </a:br>
+            <a:r>
+              <a:rPr lang="en-US" sz="1400" dirty="0">
+                <a:solidFill>
+                  <a:srgbClr val="000000"/>
+                </a:solidFill>
+                <a:latin typeface="Calibri" panose="020F0502020204030204" pitchFamily="34" charset="0"/>
+                <a:ea typeface="Calibri" panose="020F0502020204030204" pitchFamily="34" charset="0"/>
+                <a:cs typeface="Arial" panose="020B0604020202020204" pitchFamily="34" charset="0"/>
+              </a:rPr>
+              <a:t>    </a:t>
+            </a:r>
+            <a:r>
+              <a:rPr lang="en-US" sz="1400" b="1" i="1" dirty="0">
+                <a:solidFill>
+                  <a:srgbClr val="660E7A"/>
+                </a:solidFill>
+                <a:latin typeface="Calibri" panose="020F0502020204030204" pitchFamily="34" charset="0"/>
+                <a:ea typeface="Calibri" panose="020F0502020204030204" pitchFamily="34" charset="0"/>
+                <a:cs typeface="Arial" panose="020B0604020202020204" pitchFamily="34" charset="0"/>
+              </a:rPr>
+              <a:t>console</a:t>
+            </a:r>
+            <a:r>
+              <a:rPr lang="en-US" sz="1400" dirty="0">
+                <a:solidFill>
+                  <a:srgbClr val="000000"/>
+                </a:solidFill>
+                <a:latin typeface="Calibri" panose="020F0502020204030204" pitchFamily="34" charset="0"/>
+                <a:ea typeface="Calibri" panose="020F0502020204030204" pitchFamily="34" charset="0"/>
+                <a:cs typeface="Arial" panose="020B0604020202020204" pitchFamily="34" charset="0"/>
+              </a:rPr>
+              <a:t>.</a:t>
+            </a:r>
+            <a:r>
+              <a:rPr lang="en-US" sz="1400" dirty="0">
+                <a:solidFill>
+                  <a:srgbClr val="7A7A43"/>
+                </a:solidFill>
+                <a:latin typeface="Calibri" panose="020F0502020204030204" pitchFamily="34" charset="0"/>
+                <a:ea typeface="Calibri" panose="020F0502020204030204" pitchFamily="34" charset="0"/>
+                <a:cs typeface="Arial" panose="020B0604020202020204" pitchFamily="34" charset="0"/>
+              </a:rPr>
+              <a:t>log</a:t>
+            </a:r>
+            <a:r>
+              <a:rPr lang="en-US" sz="1400" dirty="0">
+                <a:solidFill>
+                  <a:srgbClr val="000000"/>
+                </a:solidFill>
+                <a:latin typeface="Calibri" panose="020F0502020204030204" pitchFamily="34" charset="0"/>
+                <a:ea typeface="Calibri" panose="020F0502020204030204" pitchFamily="34" charset="0"/>
+                <a:cs typeface="Arial" panose="020B0604020202020204" pitchFamily="34" charset="0"/>
+              </a:rPr>
+              <a:t>(</a:t>
+            </a:r>
+            <a:r>
+              <a:rPr lang="en-US" sz="1400" b="1" dirty="0">
+                <a:solidFill>
+                  <a:srgbClr val="008000"/>
+                </a:solidFill>
+                <a:latin typeface="Calibri" panose="020F0502020204030204" pitchFamily="34" charset="0"/>
+                <a:ea typeface="Calibri" panose="020F0502020204030204" pitchFamily="34" charset="0"/>
+                <a:cs typeface="Arial" panose="020B0604020202020204" pitchFamily="34" charset="0"/>
+              </a:rPr>
+              <a:t>"COMPLETED"</a:t>
+            </a:r>
+            <a:r>
+              <a:rPr lang="en-US" sz="1400" dirty="0">
+                <a:solidFill>
+                  <a:srgbClr val="000000"/>
+                </a:solidFill>
+                <a:latin typeface="Calibri" panose="020F0502020204030204" pitchFamily="34" charset="0"/>
+                <a:ea typeface="Calibri" panose="020F0502020204030204" pitchFamily="34" charset="0"/>
+                <a:cs typeface="Arial" panose="020B0604020202020204" pitchFamily="34" charset="0"/>
+              </a:rPr>
+              <a:t>);</a:t>
+            </a:r>
+            <a:br>
+              <a:rPr lang="en-US" sz="1400" dirty="0">
+                <a:solidFill>
+                  <a:srgbClr val="000000"/>
+                </a:solidFill>
+                <a:latin typeface="Calibri" panose="020F0502020204030204" pitchFamily="34" charset="0"/>
+                <a:ea typeface="Calibri" panose="020F0502020204030204" pitchFamily="34" charset="0"/>
+                <a:cs typeface="Arial" panose="020B0604020202020204" pitchFamily="34" charset="0"/>
+              </a:rPr>
+            </a:br>
+            <a:r>
+              <a:rPr lang="en-US" sz="1400" dirty="0">
+                <a:solidFill>
+                  <a:srgbClr val="000000"/>
+                </a:solidFill>
+                <a:latin typeface="Calibri" panose="020F0502020204030204" pitchFamily="34" charset="0"/>
+                <a:ea typeface="Calibri" panose="020F0502020204030204" pitchFamily="34" charset="0"/>
+                <a:cs typeface="Arial" panose="020B0604020202020204" pitchFamily="34" charset="0"/>
+              </a:rPr>
+              <a:t>}</a:t>
+            </a:r>
+            <a:endParaRPr lang="en-US" sz="1400" dirty="0"/>
+          </a:p>
+        </p:txBody>
+      </p:sp>
+    </p:spTree>
+    <p:extLst>
+      <p:ext uri="{BB962C8B-B14F-4D97-AF65-F5344CB8AC3E}">
+        <p14:creationId xmlns:p14="http://schemas.microsoft.com/office/powerpoint/2010/main" val="3457678190"/>
+      </p:ext>
+    </p:extLst>
+  </p:cSld>
+  <p:clrMapOvr>
+    <a:masterClrMapping/>
+  </p:clrMapOvr>
+</p:sld>
+</file>
+
+<file path=ppt/slides/slide47.xml><?xml version="1.0" encoding="utf-8"?>
+<p:sld xmlns:a="http://schemas.openxmlformats.org/drawingml/2006/main" xmlns:r="http://schemas.openxmlformats.org/officeDocument/2006/relationships" xmlns:p="http://schemas.openxmlformats.org/presentationml/2006/main">
+  <p:cSld>
+    <p:spTree>
+      <p:nvGrpSpPr>
+        <p:cNvPr id="1" name=""/>
+        <p:cNvGrpSpPr/>
+        <p:nvPr/>
+      </p:nvGrpSpPr>
+      <p:grpSpPr>
+        <a:xfrm>
+          <a:off x="0" y="0"/>
+          <a:ext cx="0" cy="0"/>
+          <a:chOff x="0" y="0"/>
+          <a:chExt cx="0" cy="0"/>
+        </a:xfrm>
+      </p:grpSpPr>
+      <p:sp>
+        <p:nvSpPr>
+          <p:cNvPr id="2" name="Title 1">
+            <a:extLst>
+              <a:ext uri="{FF2B5EF4-FFF2-40B4-BE49-F238E27FC236}">
+                <a16:creationId xmlns:a16="http://schemas.microsoft.com/office/drawing/2014/main" id="{3EFB0DAE-ED63-4FA9-8C51-9A7C5E036980}"/>
+              </a:ext>
+            </a:extLst>
+          </p:cNvPr>
+          <p:cNvSpPr>
+            <a:spLocks noGrp="1"/>
+          </p:cNvSpPr>
+          <p:nvPr>
+            <p:ph type="title"/>
+          </p:nvPr>
+        </p:nvSpPr>
+        <p:spPr/>
+        <p:txBody>
+          <a:bodyPr/>
+          <a:lstStyle/>
+          <a:p>
+            <a:r>
+              <a:rPr lang="en-US" dirty="0"/>
+              <a:t>async/await</a:t>
+            </a:r>
+          </a:p>
+        </p:txBody>
+      </p:sp>
+      <p:sp>
+        <p:nvSpPr>
+          <p:cNvPr id="3" name="Footer Placeholder 2">
+            <a:extLst>
+              <a:ext uri="{FF2B5EF4-FFF2-40B4-BE49-F238E27FC236}">
+                <a16:creationId xmlns:a16="http://schemas.microsoft.com/office/drawing/2014/main" id="{5C25AF14-42C2-4B22-A269-2F44F2904BD0}"/>
+              </a:ext>
+            </a:extLst>
+          </p:cNvPr>
+          <p:cNvSpPr>
+            <a:spLocks noGrp="1"/>
+          </p:cNvSpPr>
+          <p:nvPr>
+            <p:ph type="ftr" sz="quarter" idx="11"/>
+          </p:nvPr>
+        </p:nvSpPr>
+        <p:spPr/>
+        <p:txBody>
+          <a:bodyPr/>
+          <a:lstStyle/>
+          <a:p>
+            <a:r>
+              <a:rPr lang="en-US"/>
+              <a:t>© 2018 Ori Calvo</a:t>
+            </a:r>
+            <a:endParaRPr lang="en-US" dirty="0"/>
+          </a:p>
+        </p:txBody>
+      </p:sp>
+      <p:sp>
+        <p:nvSpPr>
+          <p:cNvPr id="4" name="Slide Number Placeholder 3">
+            <a:extLst>
+              <a:ext uri="{FF2B5EF4-FFF2-40B4-BE49-F238E27FC236}">
+                <a16:creationId xmlns:a16="http://schemas.microsoft.com/office/drawing/2014/main" id="{FAE73ACB-1AF8-4ABC-B4C0-A80B3BC81112}"/>
+              </a:ext>
+            </a:extLst>
+          </p:cNvPr>
+          <p:cNvSpPr>
+            <a:spLocks noGrp="1"/>
+          </p:cNvSpPr>
+          <p:nvPr>
+            <p:ph type="sldNum" sz="quarter" idx="12"/>
+          </p:nvPr>
+        </p:nvSpPr>
+        <p:spPr/>
+        <p:txBody>
+          <a:bodyPr>
+            <a:normAutofit fontScale="85000" lnSpcReduction="20000"/>
+          </a:bodyPr>
+          <a:lstStyle/>
+          <a:p>
+            <a:fld id="{87B78B44-2135-4DB2-B732-E7D5FFF77B6A}" type="slidenum">
+              <a:rPr lang="en-US" smtClean="0"/>
+              <a:pPr/>
+              <a:t>47</a:t>
+            </a:fld>
+            <a:endParaRPr lang="en-US"/>
+          </a:p>
+        </p:txBody>
+      </p:sp>
+      <p:sp>
+        <p:nvSpPr>
+          <p:cNvPr id="5" name="Content Placeholder 4">
+            <a:extLst>
+              <a:ext uri="{FF2B5EF4-FFF2-40B4-BE49-F238E27FC236}">
+                <a16:creationId xmlns:a16="http://schemas.microsoft.com/office/drawing/2014/main" id="{FD4E0523-8FE6-46D3-A26C-8D9662A3445A}"/>
+              </a:ext>
+            </a:extLst>
+          </p:cNvPr>
+          <p:cNvSpPr>
+            <a:spLocks noGrp="1"/>
+          </p:cNvSpPr>
+          <p:nvPr>
+            <p:ph sz="quarter" idx="1"/>
+          </p:nvPr>
+        </p:nvSpPr>
+        <p:spPr/>
+        <p:txBody>
+          <a:bodyPr/>
+          <a:lstStyle/>
+          <a:p>
+            <a:r>
+              <a:rPr lang="en-US" dirty="0"/>
+              <a:t>Any function can be awaited</a:t>
+            </a:r>
+          </a:p>
+          <a:p>
+            <a:r>
+              <a:rPr lang="en-US" dirty="0"/>
+              <a:t>If the function returns a promise </a:t>
+            </a:r>
+            <a:r>
+              <a:rPr lang="en-US" dirty="0">
+                <a:sym typeface="Wingdings" panose="05000000000000000000" pitchFamily="2" charset="2"/>
+              </a:rPr>
+              <a:t></a:t>
+            </a:r>
+            <a:r>
+              <a:rPr lang="en-US" dirty="0"/>
+              <a:t> Browser uses then/catch</a:t>
+            </a:r>
+          </a:p>
+          <a:p>
+            <a:r>
+              <a:rPr lang="en-US" dirty="0"/>
+              <a:t>If function returns non promise </a:t>
+            </a:r>
+            <a:r>
+              <a:rPr lang="en-US" dirty="0">
+                <a:sym typeface="Wingdings" panose="05000000000000000000" pitchFamily="2" charset="2"/>
+              </a:rPr>
+              <a:t> Browser does nothing</a:t>
+            </a:r>
+            <a:endParaRPr lang="en-US" dirty="0"/>
+          </a:p>
+        </p:txBody>
+      </p:sp>
+      <p:sp>
+        <p:nvSpPr>
+          <p:cNvPr id="6" name="Rectangle 5">
+            <a:extLst>
+              <a:ext uri="{FF2B5EF4-FFF2-40B4-BE49-F238E27FC236}">
+                <a16:creationId xmlns:a16="http://schemas.microsoft.com/office/drawing/2014/main" id="{B634E7A9-5957-4CE9-B9B2-FA58F61644C7}"/>
+              </a:ext>
+            </a:extLst>
+          </p:cNvPr>
+          <p:cNvSpPr/>
+          <p:nvPr/>
+        </p:nvSpPr>
+        <p:spPr>
+          <a:xfrm>
+            <a:off x="3059832" y="4365104"/>
+            <a:ext cx="3024336" cy="2031325"/>
+          </a:xfrm>
+          <a:prstGeom prst="rect">
+            <a:avLst/>
+          </a:prstGeom>
+          <a:solidFill>
+            <a:schemeClr val="accent1">
+              <a:lumMod val="40000"/>
+              <a:lumOff val="60000"/>
+            </a:schemeClr>
+          </a:solidFill>
+        </p:spPr>
+        <p:txBody>
+          <a:bodyPr wrap="square">
+            <a:spAutoFit/>
+          </a:bodyPr>
+          <a:lstStyle/>
+          <a:p>
+            <a:r>
+              <a:rPr lang="en-US" b="1" dirty="0">
+                <a:solidFill>
+                  <a:srgbClr val="000080"/>
+                </a:solidFill>
+                <a:latin typeface="Calibri" panose="020F0502020204030204" pitchFamily="34" charset="0"/>
+                <a:ea typeface="Calibri" panose="020F0502020204030204" pitchFamily="34" charset="0"/>
+                <a:cs typeface="Arial" panose="020B0604020202020204" pitchFamily="34" charset="0"/>
+              </a:rPr>
+              <a:t>async function </a:t>
+            </a:r>
+            <a:r>
+              <a:rPr lang="en-US" i="1" dirty="0">
+                <a:solidFill>
+                  <a:srgbClr val="000000"/>
+                </a:solidFill>
+                <a:latin typeface="Calibri" panose="020F0502020204030204" pitchFamily="34" charset="0"/>
+                <a:ea typeface="Calibri" panose="020F0502020204030204" pitchFamily="34" charset="0"/>
+                <a:cs typeface="Arial" panose="020B0604020202020204" pitchFamily="34" charset="0"/>
+              </a:rPr>
+              <a:t>main</a:t>
+            </a:r>
+            <a:r>
+              <a:rPr lang="en-US" dirty="0">
+                <a:solidFill>
+                  <a:srgbClr val="000000"/>
+                </a:solidFill>
+                <a:latin typeface="Calibri" panose="020F0502020204030204" pitchFamily="34" charset="0"/>
+                <a:ea typeface="Calibri" panose="020F0502020204030204" pitchFamily="34" charset="0"/>
+                <a:cs typeface="Arial" panose="020B0604020202020204" pitchFamily="34" charset="0"/>
+              </a:rPr>
+              <a:t>() {</a:t>
+            </a:r>
+            <a:br>
+              <a:rPr lang="en-US" dirty="0">
+                <a:solidFill>
+                  <a:srgbClr val="000000"/>
+                </a:solidFill>
+                <a:latin typeface="Calibri" panose="020F0502020204030204" pitchFamily="34" charset="0"/>
+                <a:ea typeface="Calibri" panose="020F0502020204030204" pitchFamily="34" charset="0"/>
+                <a:cs typeface="Arial" panose="020B0604020202020204" pitchFamily="34" charset="0"/>
+              </a:rPr>
+            </a:br>
+            <a:r>
+              <a:rPr lang="en-US" dirty="0">
+                <a:solidFill>
+                  <a:srgbClr val="000000"/>
+                </a:solidFill>
+                <a:latin typeface="Calibri" panose="020F0502020204030204" pitchFamily="34" charset="0"/>
+                <a:ea typeface="Calibri" panose="020F0502020204030204" pitchFamily="34" charset="0"/>
+                <a:cs typeface="Arial" panose="020B0604020202020204" pitchFamily="34" charset="0"/>
+              </a:rPr>
+              <a:t>    </a:t>
+            </a:r>
+            <a:r>
+              <a:rPr lang="en-US" b="1" dirty="0">
+                <a:solidFill>
+                  <a:srgbClr val="000080"/>
+                </a:solidFill>
+                <a:latin typeface="Calibri" panose="020F0502020204030204" pitchFamily="34" charset="0"/>
+                <a:ea typeface="Calibri" panose="020F0502020204030204" pitchFamily="34" charset="0"/>
+                <a:cs typeface="Arial" panose="020B0604020202020204" pitchFamily="34" charset="0"/>
+              </a:rPr>
+              <a:t>if</a:t>
+            </a:r>
+            <a:r>
+              <a:rPr lang="en-US" dirty="0">
+                <a:solidFill>
+                  <a:srgbClr val="000000"/>
+                </a:solidFill>
+                <a:latin typeface="Calibri" panose="020F0502020204030204" pitchFamily="34" charset="0"/>
+                <a:ea typeface="Calibri" panose="020F0502020204030204" pitchFamily="34" charset="0"/>
+                <a:cs typeface="Arial" panose="020B0604020202020204" pitchFamily="34" charset="0"/>
+              </a:rPr>
+              <a:t>(</a:t>
+            </a:r>
+            <a:r>
+              <a:rPr lang="en-US" b="1" dirty="0">
+                <a:solidFill>
+                  <a:srgbClr val="000080"/>
+                </a:solidFill>
+                <a:latin typeface="Calibri" panose="020F0502020204030204" pitchFamily="34" charset="0"/>
+                <a:ea typeface="Calibri" panose="020F0502020204030204" pitchFamily="34" charset="0"/>
+                <a:cs typeface="Arial" panose="020B0604020202020204" pitchFamily="34" charset="0"/>
+              </a:rPr>
+              <a:t>await </a:t>
+            </a:r>
+            <a:r>
+              <a:rPr lang="en-US" i="1" dirty="0">
+                <a:solidFill>
+                  <a:srgbClr val="000000"/>
+                </a:solidFill>
+                <a:latin typeface="Calibri" panose="020F0502020204030204" pitchFamily="34" charset="0"/>
+                <a:ea typeface="Calibri" panose="020F0502020204030204" pitchFamily="34" charset="0"/>
+                <a:cs typeface="Arial" panose="020B0604020202020204" pitchFamily="34" charset="0"/>
+              </a:rPr>
+              <a:t>task1</a:t>
+            </a:r>
+            <a:r>
+              <a:rPr lang="en-US" dirty="0">
+                <a:solidFill>
+                  <a:srgbClr val="000000"/>
+                </a:solidFill>
+                <a:latin typeface="Calibri" panose="020F0502020204030204" pitchFamily="34" charset="0"/>
+                <a:ea typeface="Calibri" panose="020F0502020204030204" pitchFamily="34" charset="0"/>
+                <a:cs typeface="Arial" panose="020B0604020202020204" pitchFamily="34" charset="0"/>
+              </a:rPr>
+              <a:t>() == </a:t>
+            </a:r>
+            <a:r>
+              <a:rPr lang="en-US" dirty="0">
+                <a:solidFill>
+                  <a:srgbClr val="0000FF"/>
+                </a:solidFill>
+                <a:latin typeface="Calibri" panose="020F0502020204030204" pitchFamily="34" charset="0"/>
+                <a:ea typeface="Calibri" panose="020F0502020204030204" pitchFamily="34" charset="0"/>
+                <a:cs typeface="Arial" panose="020B0604020202020204" pitchFamily="34" charset="0"/>
+              </a:rPr>
+              <a:t>42</a:t>
+            </a:r>
+            <a:r>
+              <a:rPr lang="en-US" dirty="0">
+                <a:solidFill>
+                  <a:srgbClr val="000000"/>
+                </a:solidFill>
+                <a:latin typeface="Calibri" panose="020F0502020204030204" pitchFamily="34" charset="0"/>
+                <a:ea typeface="Calibri" panose="020F0502020204030204" pitchFamily="34" charset="0"/>
+                <a:cs typeface="Arial" panose="020B0604020202020204" pitchFamily="34" charset="0"/>
+              </a:rPr>
+              <a:t>) {</a:t>
+            </a:r>
+            <a:br>
+              <a:rPr lang="en-US" dirty="0">
+                <a:solidFill>
+                  <a:srgbClr val="000000"/>
+                </a:solidFill>
+                <a:latin typeface="Calibri" panose="020F0502020204030204" pitchFamily="34" charset="0"/>
+                <a:ea typeface="Calibri" panose="020F0502020204030204" pitchFamily="34" charset="0"/>
+                <a:cs typeface="Arial" panose="020B0604020202020204" pitchFamily="34" charset="0"/>
+              </a:rPr>
+            </a:br>
+            <a:r>
+              <a:rPr lang="en-US" dirty="0">
+                <a:solidFill>
+                  <a:srgbClr val="000000"/>
+                </a:solidFill>
+                <a:latin typeface="Calibri" panose="020F0502020204030204" pitchFamily="34" charset="0"/>
+                <a:ea typeface="Calibri" panose="020F0502020204030204" pitchFamily="34" charset="0"/>
+                <a:cs typeface="Arial" panose="020B0604020202020204" pitchFamily="34" charset="0"/>
+              </a:rPr>
+              <a:t>        </a:t>
+            </a:r>
+            <a:r>
+              <a:rPr lang="en-US" b="1" dirty="0">
+                <a:solidFill>
+                  <a:srgbClr val="000080"/>
+                </a:solidFill>
+                <a:latin typeface="Calibri" panose="020F0502020204030204" pitchFamily="34" charset="0"/>
+                <a:ea typeface="Calibri" panose="020F0502020204030204" pitchFamily="34" charset="0"/>
+                <a:cs typeface="Arial" panose="020B0604020202020204" pitchFamily="34" charset="0"/>
+              </a:rPr>
+              <a:t>await </a:t>
+            </a:r>
+            <a:r>
+              <a:rPr lang="en-US" i="1" dirty="0">
+                <a:solidFill>
+                  <a:srgbClr val="000000"/>
+                </a:solidFill>
+                <a:latin typeface="Calibri" panose="020F0502020204030204" pitchFamily="34" charset="0"/>
+                <a:ea typeface="Calibri" panose="020F0502020204030204" pitchFamily="34" charset="0"/>
+                <a:cs typeface="Arial" panose="020B0604020202020204" pitchFamily="34" charset="0"/>
+              </a:rPr>
+              <a:t>task2</a:t>
+            </a:r>
+            <a:r>
+              <a:rPr lang="en-US" dirty="0">
+                <a:solidFill>
+                  <a:srgbClr val="000000"/>
+                </a:solidFill>
+                <a:latin typeface="Calibri" panose="020F0502020204030204" pitchFamily="34" charset="0"/>
+                <a:ea typeface="Calibri" panose="020F0502020204030204" pitchFamily="34" charset="0"/>
+                <a:cs typeface="Arial" panose="020B0604020202020204" pitchFamily="34" charset="0"/>
+              </a:rPr>
+              <a:t>();</a:t>
+            </a:r>
+            <a:br>
+              <a:rPr lang="en-US" dirty="0">
+                <a:solidFill>
+                  <a:srgbClr val="000000"/>
+                </a:solidFill>
+                <a:latin typeface="Calibri" panose="020F0502020204030204" pitchFamily="34" charset="0"/>
+                <a:ea typeface="Calibri" panose="020F0502020204030204" pitchFamily="34" charset="0"/>
+                <a:cs typeface="Arial" panose="020B0604020202020204" pitchFamily="34" charset="0"/>
+              </a:rPr>
+            </a:br>
+            <a:r>
+              <a:rPr lang="en-US" dirty="0">
+                <a:solidFill>
+                  <a:srgbClr val="000000"/>
+                </a:solidFill>
+                <a:latin typeface="Calibri" panose="020F0502020204030204" pitchFamily="34" charset="0"/>
+                <a:ea typeface="Calibri" panose="020F0502020204030204" pitchFamily="34" charset="0"/>
+                <a:cs typeface="Arial" panose="020B0604020202020204" pitchFamily="34" charset="0"/>
+              </a:rPr>
+              <a:t>    }</a:t>
+            </a:r>
+            <a:br>
+              <a:rPr lang="en-US" dirty="0">
+                <a:solidFill>
+                  <a:srgbClr val="000000"/>
+                </a:solidFill>
+                <a:latin typeface="Calibri" panose="020F0502020204030204" pitchFamily="34" charset="0"/>
+                <a:ea typeface="Calibri" panose="020F0502020204030204" pitchFamily="34" charset="0"/>
+                <a:cs typeface="Arial" panose="020B0604020202020204" pitchFamily="34" charset="0"/>
+              </a:rPr>
+            </a:br>
+            <a:br>
+              <a:rPr lang="en-US" dirty="0">
+                <a:solidFill>
+                  <a:srgbClr val="000000"/>
+                </a:solidFill>
+                <a:latin typeface="Calibri" panose="020F0502020204030204" pitchFamily="34" charset="0"/>
+                <a:ea typeface="Calibri" panose="020F0502020204030204" pitchFamily="34" charset="0"/>
+                <a:cs typeface="Arial" panose="020B0604020202020204" pitchFamily="34" charset="0"/>
+              </a:rPr>
+            </a:br>
+            <a:r>
+              <a:rPr lang="en-US" dirty="0">
+                <a:solidFill>
+                  <a:srgbClr val="000000"/>
+                </a:solidFill>
+                <a:latin typeface="Calibri" panose="020F0502020204030204" pitchFamily="34" charset="0"/>
+                <a:ea typeface="Calibri" panose="020F0502020204030204" pitchFamily="34" charset="0"/>
+                <a:cs typeface="Arial" panose="020B0604020202020204" pitchFamily="34" charset="0"/>
+              </a:rPr>
+              <a:t>    </a:t>
+            </a:r>
+            <a:r>
+              <a:rPr lang="en-US" b="1" i="1" dirty="0">
+                <a:solidFill>
+                  <a:srgbClr val="660E7A"/>
+                </a:solidFill>
+                <a:latin typeface="Calibri" panose="020F0502020204030204" pitchFamily="34" charset="0"/>
+                <a:ea typeface="Calibri" panose="020F0502020204030204" pitchFamily="34" charset="0"/>
+                <a:cs typeface="Arial" panose="020B0604020202020204" pitchFamily="34" charset="0"/>
+              </a:rPr>
+              <a:t>console</a:t>
+            </a:r>
+            <a:r>
+              <a:rPr lang="en-US" dirty="0">
+                <a:solidFill>
+                  <a:srgbClr val="000000"/>
+                </a:solidFill>
+                <a:latin typeface="Calibri" panose="020F0502020204030204" pitchFamily="34" charset="0"/>
+                <a:ea typeface="Calibri" panose="020F0502020204030204" pitchFamily="34" charset="0"/>
+                <a:cs typeface="Arial" panose="020B0604020202020204" pitchFamily="34" charset="0"/>
+              </a:rPr>
+              <a:t>.</a:t>
+            </a:r>
+            <a:r>
+              <a:rPr lang="en-US" dirty="0">
+                <a:solidFill>
+                  <a:srgbClr val="7A7A43"/>
+                </a:solidFill>
+                <a:latin typeface="Calibri" panose="020F0502020204030204" pitchFamily="34" charset="0"/>
+                <a:ea typeface="Calibri" panose="020F0502020204030204" pitchFamily="34" charset="0"/>
+                <a:cs typeface="Arial" panose="020B0604020202020204" pitchFamily="34" charset="0"/>
+              </a:rPr>
+              <a:t>log</a:t>
+            </a:r>
+            <a:r>
+              <a:rPr lang="en-US" dirty="0">
+                <a:solidFill>
+                  <a:srgbClr val="000000"/>
+                </a:solidFill>
+                <a:latin typeface="Calibri" panose="020F0502020204030204" pitchFamily="34" charset="0"/>
+                <a:ea typeface="Calibri" panose="020F0502020204030204" pitchFamily="34" charset="0"/>
+                <a:cs typeface="Arial" panose="020B0604020202020204" pitchFamily="34" charset="0"/>
+              </a:rPr>
+              <a:t>(</a:t>
+            </a:r>
+            <a:r>
+              <a:rPr lang="en-US" b="1" dirty="0">
+                <a:solidFill>
+                  <a:srgbClr val="008000"/>
+                </a:solidFill>
+                <a:latin typeface="Calibri" panose="020F0502020204030204" pitchFamily="34" charset="0"/>
+                <a:ea typeface="Calibri" panose="020F0502020204030204" pitchFamily="34" charset="0"/>
+                <a:cs typeface="Arial" panose="020B0604020202020204" pitchFamily="34" charset="0"/>
+              </a:rPr>
+              <a:t>"COMPLETED"</a:t>
+            </a:r>
+            <a:r>
+              <a:rPr lang="en-US" dirty="0">
+                <a:solidFill>
+                  <a:srgbClr val="000000"/>
+                </a:solidFill>
+                <a:latin typeface="Calibri" panose="020F0502020204030204" pitchFamily="34" charset="0"/>
+                <a:ea typeface="Calibri" panose="020F0502020204030204" pitchFamily="34" charset="0"/>
+                <a:cs typeface="Arial" panose="020B0604020202020204" pitchFamily="34" charset="0"/>
+              </a:rPr>
+              <a:t>);</a:t>
+            </a:r>
+            <a:br>
+              <a:rPr lang="en-US" dirty="0">
+                <a:solidFill>
+                  <a:srgbClr val="000000"/>
+                </a:solidFill>
+                <a:latin typeface="Calibri" panose="020F0502020204030204" pitchFamily="34" charset="0"/>
+                <a:ea typeface="Calibri" panose="020F0502020204030204" pitchFamily="34" charset="0"/>
+                <a:cs typeface="Arial" panose="020B0604020202020204" pitchFamily="34" charset="0"/>
+              </a:rPr>
+            </a:br>
+            <a:r>
+              <a:rPr lang="en-US" dirty="0">
+                <a:solidFill>
+                  <a:srgbClr val="000000"/>
+                </a:solidFill>
+                <a:latin typeface="Calibri" panose="020F0502020204030204" pitchFamily="34" charset="0"/>
+                <a:ea typeface="Calibri" panose="020F0502020204030204" pitchFamily="34" charset="0"/>
+                <a:cs typeface="Arial" panose="020B0604020202020204" pitchFamily="34" charset="0"/>
+              </a:rPr>
+              <a:t>}</a:t>
+            </a:r>
+            <a:endParaRPr lang="en-US" dirty="0"/>
+          </a:p>
+        </p:txBody>
+      </p:sp>
+    </p:spTree>
+    <p:extLst>
+      <p:ext uri="{BB962C8B-B14F-4D97-AF65-F5344CB8AC3E}">
+        <p14:creationId xmlns:p14="http://schemas.microsoft.com/office/powerpoint/2010/main" val="2546340464"/>
+      </p:ext>
+    </p:extLst>
+  </p:cSld>
+  <p:clrMapOvr>
+    <a:masterClrMapping/>
+  </p:clrMapOvr>
+</p:sld>
+</file>
+
+<file path=ppt/slides/slide48.xml><?xml version="1.0" encoding="utf-8"?>
+<p:sld xmlns:a="http://schemas.openxmlformats.org/drawingml/2006/main" xmlns:r="http://schemas.openxmlformats.org/officeDocument/2006/relationships" xmlns:p="http://schemas.openxmlformats.org/presentationml/2006/main">
+  <p:cSld>
+    <p:spTree>
+      <p:nvGrpSpPr>
+        <p:cNvPr id="1" name=""/>
+        <p:cNvGrpSpPr/>
+        <p:nvPr/>
+      </p:nvGrpSpPr>
+      <p:grpSpPr>
+        <a:xfrm>
+          <a:off x="0" y="0"/>
+          <a:ext cx="0" cy="0"/>
+          <a:chOff x="0" y="0"/>
+          <a:chExt cx="0" cy="0"/>
+        </a:xfrm>
+      </p:grpSpPr>
+      <p:sp>
+        <p:nvSpPr>
+          <p:cNvPr id="2" name="Title 1">
+            <a:extLst>
+              <a:ext uri="{FF2B5EF4-FFF2-40B4-BE49-F238E27FC236}">
+                <a16:creationId xmlns:a16="http://schemas.microsoft.com/office/drawing/2014/main" id="{DF3E47DF-59DE-489E-9B95-EA8A754B0AD0}"/>
+              </a:ext>
+            </a:extLst>
+          </p:cNvPr>
+          <p:cNvSpPr>
+            <a:spLocks noGrp="1"/>
+          </p:cNvSpPr>
+          <p:nvPr>
+            <p:ph type="title"/>
+          </p:nvPr>
+        </p:nvSpPr>
+        <p:spPr/>
+        <p:txBody>
+          <a:bodyPr/>
+          <a:lstStyle/>
+          <a:p>
+            <a:r>
+              <a:rPr lang="en-US" dirty="0"/>
+              <a:t>Handling Errors</a:t>
+            </a:r>
+          </a:p>
+        </p:txBody>
+      </p:sp>
+      <p:sp>
+        <p:nvSpPr>
+          <p:cNvPr id="3" name="Footer Placeholder 2">
+            <a:extLst>
+              <a:ext uri="{FF2B5EF4-FFF2-40B4-BE49-F238E27FC236}">
+                <a16:creationId xmlns:a16="http://schemas.microsoft.com/office/drawing/2014/main" id="{0943E359-A3BF-4B79-9B24-EEE72A18A2BB}"/>
+              </a:ext>
+            </a:extLst>
+          </p:cNvPr>
+          <p:cNvSpPr>
+            <a:spLocks noGrp="1"/>
+          </p:cNvSpPr>
+          <p:nvPr>
+            <p:ph type="ftr" sz="quarter" idx="11"/>
+          </p:nvPr>
+        </p:nvSpPr>
+        <p:spPr/>
+        <p:txBody>
+          <a:bodyPr/>
+          <a:lstStyle/>
+          <a:p>
+            <a:r>
+              <a:rPr lang="en-US"/>
+              <a:t>© 2018 Ori Calvo</a:t>
+            </a:r>
+            <a:endParaRPr lang="en-US" dirty="0"/>
+          </a:p>
+        </p:txBody>
+      </p:sp>
+      <p:sp>
+        <p:nvSpPr>
+          <p:cNvPr id="4" name="Slide Number Placeholder 3">
+            <a:extLst>
+              <a:ext uri="{FF2B5EF4-FFF2-40B4-BE49-F238E27FC236}">
+                <a16:creationId xmlns:a16="http://schemas.microsoft.com/office/drawing/2014/main" id="{AA741A92-6D8B-44C0-96C0-69D881125D74}"/>
+              </a:ext>
+            </a:extLst>
+          </p:cNvPr>
+          <p:cNvSpPr>
+            <a:spLocks noGrp="1"/>
+          </p:cNvSpPr>
+          <p:nvPr>
+            <p:ph type="sldNum" sz="quarter" idx="12"/>
+          </p:nvPr>
+        </p:nvSpPr>
+        <p:spPr/>
+        <p:txBody>
+          <a:bodyPr>
+            <a:normAutofit fontScale="85000" lnSpcReduction="20000"/>
+          </a:bodyPr>
+          <a:lstStyle/>
+          <a:p>
+            <a:fld id="{87B78B44-2135-4DB2-B732-E7D5FFF77B6A}" type="slidenum">
+              <a:rPr lang="en-US" smtClean="0"/>
+              <a:pPr/>
+              <a:t>48</a:t>
+            </a:fld>
+            <a:endParaRPr lang="en-US"/>
+          </a:p>
+        </p:txBody>
+      </p:sp>
+      <p:sp>
+        <p:nvSpPr>
+          <p:cNvPr id="5" name="Content Placeholder 4">
+            <a:extLst>
+              <a:ext uri="{FF2B5EF4-FFF2-40B4-BE49-F238E27FC236}">
+                <a16:creationId xmlns:a16="http://schemas.microsoft.com/office/drawing/2014/main" id="{16ED4AC6-CF9A-4D90-A41B-6C55B9CCDCDA}"/>
+              </a:ext>
+            </a:extLst>
+          </p:cNvPr>
+          <p:cNvSpPr>
+            <a:spLocks noGrp="1"/>
+          </p:cNvSpPr>
+          <p:nvPr>
+            <p:ph sz="quarter" idx="1"/>
+          </p:nvPr>
+        </p:nvSpPr>
+        <p:spPr/>
+        <p:txBody>
+          <a:bodyPr/>
+          <a:lstStyle/>
+          <a:p>
+            <a:r>
+              <a:rPr lang="en-US" dirty="0"/>
+              <a:t>We can use try/catch </a:t>
+            </a:r>
+            <a:r>
+              <a:rPr lang="en-US" dirty="0">
+                <a:sym typeface="Wingdings" panose="05000000000000000000" pitchFamily="2" charset="2"/>
+              </a:rPr>
+              <a:t></a:t>
+            </a:r>
+            <a:endParaRPr lang="en-US" dirty="0"/>
+          </a:p>
+        </p:txBody>
+      </p:sp>
+      <p:sp>
+        <p:nvSpPr>
+          <p:cNvPr id="7" name="Rectangle 6">
+            <a:extLst>
+              <a:ext uri="{FF2B5EF4-FFF2-40B4-BE49-F238E27FC236}">
+                <a16:creationId xmlns:a16="http://schemas.microsoft.com/office/drawing/2014/main" id="{4F6ED872-8380-40C5-BD11-4650245D362B}"/>
+              </a:ext>
+            </a:extLst>
+          </p:cNvPr>
+          <p:cNvSpPr/>
+          <p:nvPr/>
+        </p:nvSpPr>
+        <p:spPr>
+          <a:xfrm>
+            <a:off x="2286000" y="2582615"/>
+            <a:ext cx="4572000" cy="3693319"/>
+          </a:xfrm>
+          <a:prstGeom prst="rect">
+            <a:avLst/>
+          </a:prstGeom>
+          <a:solidFill>
+            <a:schemeClr val="accent1">
+              <a:lumMod val="40000"/>
+              <a:lumOff val="60000"/>
+            </a:schemeClr>
+          </a:solidFill>
+        </p:spPr>
+        <p:txBody>
+          <a:bodyPr>
+            <a:spAutoFit/>
+          </a:bodyPr>
+          <a:lstStyle/>
+          <a:p>
+            <a:r>
+              <a:rPr lang="en-US" b="1" dirty="0">
+                <a:solidFill>
+                  <a:srgbClr val="000080"/>
+                </a:solidFill>
+                <a:latin typeface="Calibri" panose="020F0502020204030204" pitchFamily="34" charset="0"/>
+                <a:ea typeface="Calibri" panose="020F0502020204030204" pitchFamily="34" charset="0"/>
+                <a:cs typeface="Arial" panose="020B0604020202020204" pitchFamily="34" charset="0"/>
+              </a:rPr>
+              <a:t>async function </a:t>
+            </a:r>
+            <a:r>
+              <a:rPr lang="en-US" i="1" dirty="0">
+                <a:solidFill>
+                  <a:srgbClr val="000000"/>
+                </a:solidFill>
+                <a:latin typeface="Calibri" panose="020F0502020204030204" pitchFamily="34" charset="0"/>
+                <a:ea typeface="Calibri" panose="020F0502020204030204" pitchFamily="34" charset="0"/>
+                <a:cs typeface="Arial" panose="020B0604020202020204" pitchFamily="34" charset="0"/>
+              </a:rPr>
+              <a:t>main</a:t>
+            </a:r>
+            <a:r>
+              <a:rPr lang="en-US" dirty="0">
+                <a:solidFill>
+                  <a:srgbClr val="000000"/>
+                </a:solidFill>
+                <a:latin typeface="Calibri" panose="020F0502020204030204" pitchFamily="34" charset="0"/>
+                <a:ea typeface="Calibri" panose="020F0502020204030204" pitchFamily="34" charset="0"/>
+                <a:cs typeface="Arial" panose="020B0604020202020204" pitchFamily="34" charset="0"/>
+              </a:rPr>
+              <a:t>() {</a:t>
+            </a:r>
+            <a:br>
+              <a:rPr lang="en-US" dirty="0">
+                <a:solidFill>
+                  <a:srgbClr val="000000"/>
+                </a:solidFill>
+                <a:latin typeface="Calibri" panose="020F0502020204030204" pitchFamily="34" charset="0"/>
+                <a:ea typeface="Calibri" panose="020F0502020204030204" pitchFamily="34" charset="0"/>
+                <a:cs typeface="Arial" panose="020B0604020202020204" pitchFamily="34" charset="0"/>
+              </a:rPr>
+            </a:br>
+            <a:r>
+              <a:rPr lang="en-US" dirty="0">
+                <a:solidFill>
+                  <a:srgbClr val="000000"/>
+                </a:solidFill>
+                <a:latin typeface="Calibri" panose="020F0502020204030204" pitchFamily="34" charset="0"/>
+                <a:ea typeface="Calibri" panose="020F0502020204030204" pitchFamily="34" charset="0"/>
+                <a:cs typeface="Arial" panose="020B0604020202020204" pitchFamily="34" charset="0"/>
+              </a:rPr>
+              <a:t>    </a:t>
+            </a:r>
+            <a:r>
+              <a:rPr lang="en-US" b="1" dirty="0">
+                <a:solidFill>
+                  <a:srgbClr val="000080"/>
+                </a:solidFill>
+                <a:latin typeface="Calibri" panose="020F0502020204030204" pitchFamily="34" charset="0"/>
+                <a:ea typeface="Calibri" panose="020F0502020204030204" pitchFamily="34" charset="0"/>
+                <a:cs typeface="Arial" panose="020B0604020202020204" pitchFamily="34" charset="0"/>
+              </a:rPr>
+              <a:t>try </a:t>
+            </a:r>
+            <a:r>
+              <a:rPr lang="en-US" dirty="0">
+                <a:solidFill>
+                  <a:srgbClr val="000000"/>
+                </a:solidFill>
+                <a:latin typeface="Calibri" panose="020F0502020204030204" pitchFamily="34" charset="0"/>
+                <a:ea typeface="Calibri" panose="020F0502020204030204" pitchFamily="34" charset="0"/>
+                <a:cs typeface="Arial" panose="020B0604020202020204" pitchFamily="34" charset="0"/>
+              </a:rPr>
+              <a:t>{</a:t>
+            </a:r>
+            <a:br>
+              <a:rPr lang="en-US" dirty="0">
+                <a:solidFill>
+                  <a:srgbClr val="000000"/>
+                </a:solidFill>
+                <a:latin typeface="Calibri" panose="020F0502020204030204" pitchFamily="34" charset="0"/>
+                <a:ea typeface="Calibri" panose="020F0502020204030204" pitchFamily="34" charset="0"/>
+                <a:cs typeface="Arial" panose="020B0604020202020204" pitchFamily="34" charset="0"/>
+              </a:rPr>
+            </a:br>
+            <a:r>
+              <a:rPr lang="en-US" dirty="0">
+                <a:solidFill>
+                  <a:srgbClr val="000000"/>
+                </a:solidFill>
+                <a:latin typeface="Calibri" panose="020F0502020204030204" pitchFamily="34" charset="0"/>
+                <a:ea typeface="Calibri" panose="020F0502020204030204" pitchFamily="34" charset="0"/>
+                <a:cs typeface="Arial" panose="020B0604020202020204" pitchFamily="34" charset="0"/>
+              </a:rPr>
+              <a:t>        </a:t>
+            </a:r>
+            <a:r>
+              <a:rPr lang="en-US" b="1" dirty="0">
+                <a:solidFill>
+                  <a:srgbClr val="000080"/>
+                </a:solidFill>
+                <a:latin typeface="Calibri" panose="020F0502020204030204" pitchFamily="34" charset="0"/>
+                <a:ea typeface="Calibri" panose="020F0502020204030204" pitchFamily="34" charset="0"/>
+                <a:cs typeface="Arial" panose="020B0604020202020204" pitchFamily="34" charset="0"/>
+              </a:rPr>
+              <a:t>await </a:t>
+            </a:r>
+            <a:r>
+              <a:rPr lang="en-US" i="1" dirty="0">
+                <a:solidFill>
+                  <a:srgbClr val="000000"/>
+                </a:solidFill>
+                <a:latin typeface="Calibri" panose="020F0502020204030204" pitchFamily="34" charset="0"/>
+                <a:ea typeface="Calibri" panose="020F0502020204030204" pitchFamily="34" charset="0"/>
+                <a:cs typeface="Arial" panose="020B0604020202020204" pitchFamily="34" charset="0"/>
+              </a:rPr>
+              <a:t>task</a:t>
+            </a:r>
+            <a:r>
+              <a:rPr lang="en-US" dirty="0">
+                <a:solidFill>
+                  <a:srgbClr val="000000"/>
+                </a:solidFill>
+                <a:latin typeface="Calibri" panose="020F0502020204030204" pitchFamily="34" charset="0"/>
+                <a:ea typeface="Calibri" panose="020F0502020204030204" pitchFamily="34" charset="0"/>
+                <a:cs typeface="Arial" panose="020B0604020202020204" pitchFamily="34" charset="0"/>
+              </a:rPr>
+              <a:t>();</a:t>
+            </a:r>
+            <a:br>
+              <a:rPr lang="en-US" dirty="0">
+                <a:solidFill>
+                  <a:srgbClr val="000000"/>
+                </a:solidFill>
+                <a:latin typeface="Calibri" panose="020F0502020204030204" pitchFamily="34" charset="0"/>
+                <a:ea typeface="Calibri" panose="020F0502020204030204" pitchFamily="34" charset="0"/>
+                <a:cs typeface="Arial" panose="020B0604020202020204" pitchFamily="34" charset="0"/>
+              </a:rPr>
+            </a:br>
+            <a:r>
+              <a:rPr lang="en-US" dirty="0">
+                <a:solidFill>
+                  <a:srgbClr val="000000"/>
+                </a:solidFill>
+                <a:latin typeface="Calibri" panose="020F0502020204030204" pitchFamily="34" charset="0"/>
+                <a:ea typeface="Calibri" panose="020F0502020204030204" pitchFamily="34" charset="0"/>
+                <a:cs typeface="Arial" panose="020B0604020202020204" pitchFamily="34" charset="0"/>
+              </a:rPr>
+              <a:t>    }</a:t>
+            </a:r>
+            <a:br>
+              <a:rPr lang="en-US" dirty="0">
+                <a:solidFill>
+                  <a:srgbClr val="000000"/>
+                </a:solidFill>
+                <a:latin typeface="Calibri" panose="020F0502020204030204" pitchFamily="34" charset="0"/>
+                <a:ea typeface="Calibri" panose="020F0502020204030204" pitchFamily="34" charset="0"/>
+                <a:cs typeface="Arial" panose="020B0604020202020204" pitchFamily="34" charset="0"/>
+              </a:rPr>
+            </a:br>
+            <a:r>
+              <a:rPr lang="en-US" dirty="0">
+                <a:solidFill>
+                  <a:srgbClr val="000000"/>
+                </a:solidFill>
+                <a:latin typeface="Calibri" panose="020F0502020204030204" pitchFamily="34" charset="0"/>
+                <a:ea typeface="Calibri" panose="020F0502020204030204" pitchFamily="34" charset="0"/>
+                <a:cs typeface="Arial" panose="020B0604020202020204" pitchFamily="34" charset="0"/>
+              </a:rPr>
+              <a:t>    </a:t>
+            </a:r>
+            <a:r>
+              <a:rPr lang="en-US" b="1" dirty="0">
+                <a:solidFill>
+                  <a:srgbClr val="000080"/>
+                </a:solidFill>
+                <a:latin typeface="Calibri" panose="020F0502020204030204" pitchFamily="34" charset="0"/>
+                <a:ea typeface="Calibri" panose="020F0502020204030204" pitchFamily="34" charset="0"/>
+                <a:cs typeface="Arial" panose="020B0604020202020204" pitchFamily="34" charset="0"/>
+              </a:rPr>
+              <a:t>catch</a:t>
+            </a:r>
+            <a:r>
+              <a:rPr lang="en-US" dirty="0">
+                <a:solidFill>
+                  <a:srgbClr val="000000"/>
+                </a:solidFill>
+                <a:latin typeface="Calibri" panose="020F0502020204030204" pitchFamily="34" charset="0"/>
+                <a:ea typeface="Calibri" panose="020F0502020204030204" pitchFamily="34" charset="0"/>
+                <a:cs typeface="Arial" panose="020B0604020202020204" pitchFamily="34" charset="0"/>
+              </a:rPr>
+              <a:t>(err) {</a:t>
+            </a:r>
+            <a:br>
+              <a:rPr lang="en-US" dirty="0">
+                <a:solidFill>
+                  <a:srgbClr val="000000"/>
+                </a:solidFill>
+                <a:latin typeface="Calibri" panose="020F0502020204030204" pitchFamily="34" charset="0"/>
+                <a:ea typeface="Calibri" panose="020F0502020204030204" pitchFamily="34" charset="0"/>
+                <a:cs typeface="Arial" panose="020B0604020202020204" pitchFamily="34" charset="0"/>
+              </a:rPr>
+            </a:br>
+            <a:r>
+              <a:rPr lang="en-US" dirty="0">
+                <a:solidFill>
+                  <a:srgbClr val="000000"/>
+                </a:solidFill>
+                <a:latin typeface="Calibri" panose="020F0502020204030204" pitchFamily="34" charset="0"/>
+                <a:ea typeface="Calibri" panose="020F0502020204030204" pitchFamily="34" charset="0"/>
+                <a:cs typeface="Arial" panose="020B0604020202020204" pitchFamily="34" charset="0"/>
+              </a:rPr>
+              <a:t>        </a:t>
+            </a:r>
+            <a:r>
+              <a:rPr lang="en-US" b="1" i="1" dirty="0">
+                <a:solidFill>
+                  <a:srgbClr val="660E7A"/>
+                </a:solidFill>
+                <a:latin typeface="Calibri" panose="020F0502020204030204" pitchFamily="34" charset="0"/>
+                <a:ea typeface="Calibri" panose="020F0502020204030204" pitchFamily="34" charset="0"/>
+                <a:cs typeface="Arial" panose="020B0604020202020204" pitchFamily="34" charset="0"/>
+              </a:rPr>
+              <a:t>console</a:t>
+            </a:r>
+            <a:r>
+              <a:rPr lang="en-US" dirty="0">
+                <a:solidFill>
+                  <a:srgbClr val="000000"/>
+                </a:solidFill>
+                <a:latin typeface="Calibri" panose="020F0502020204030204" pitchFamily="34" charset="0"/>
+                <a:ea typeface="Calibri" panose="020F0502020204030204" pitchFamily="34" charset="0"/>
+                <a:cs typeface="Arial" panose="020B0604020202020204" pitchFamily="34" charset="0"/>
+              </a:rPr>
+              <a:t>.</a:t>
+            </a:r>
+            <a:r>
+              <a:rPr lang="en-US" dirty="0">
+                <a:solidFill>
+                  <a:srgbClr val="7A7A43"/>
+                </a:solidFill>
+                <a:latin typeface="Calibri" panose="020F0502020204030204" pitchFamily="34" charset="0"/>
+                <a:ea typeface="Calibri" panose="020F0502020204030204" pitchFamily="34" charset="0"/>
+                <a:cs typeface="Arial" panose="020B0604020202020204" pitchFamily="34" charset="0"/>
+              </a:rPr>
+              <a:t>log</a:t>
+            </a:r>
+            <a:r>
+              <a:rPr lang="en-US" dirty="0">
+                <a:solidFill>
+                  <a:srgbClr val="000000"/>
+                </a:solidFill>
+                <a:latin typeface="Calibri" panose="020F0502020204030204" pitchFamily="34" charset="0"/>
+                <a:ea typeface="Calibri" panose="020F0502020204030204" pitchFamily="34" charset="0"/>
+                <a:cs typeface="Arial" panose="020B0604020202020204" pitchFamily="34" charset="0"/>
+              </a:rPr>
+              <a:t>(</a:t>
+            </a:r>
+            <a:r>
+              <a:rPr lang="en-US" b="1" dirty="0">
+                <a:solidFill>
+                  <a:srgbClr val="008000"/>
+                </a:solidFill>
+                <a:latin typeface="Calibri" panose="020F0502020204030204" pitchFamily="34" charset="0"/>
+                <a:ea typeface="Calibri" panose="020F0502020204030204" pitchFamily="34" charset="0"/>
+                <a:cs typeface="Arial" panose="020B0604020202020204" pitchFamily="34" charset="0"/>
+              </a:rPr>
+              <a:t>"ERROR: " </a:t>
+            </a:r>
+            <a:r>
+              <a:rPr lang="en-US" dirty="0">
+                <a:solidFill>
+                  <a:srgbClr val="000000"/>
+                </a:solidFill>
+                <a:latin typeface="Calibri" panose="020F0502020204030204" pitchFamily="34" charset="0"/>
+                <a:ea typeface="Calibri" panose="020F0502020204030204" pitchFamily="34" charset="0"/>
+                <a:cs typeface="Arial" panose="020B0604020202020204" pitchFamily="34" charset="0"/>
+              </a:rPr>
+              <a:t>+ </a:t>
+            </a:r>
+            <a:r>
+              <a:rPr lang="en-US" dirty="0" err="1">
+                <a:solidFill>
+                  <a:srgbClr val="000000"/>
+                </a:solidFill>
+                <a:latin typeface="Calibri" panose="020F0502020204030204" pitchFamily="34" charset="0"/>
+                <a:ea typeface="Calibri" panose="020F0502020204030204" pitchFamily="34" charset="0"/>
+                <a:cs typeface="Arial" panose="020B0604020202020204" pitchFamily="34" charset="0"/>
+              </a:rPr>
+              <a:t>err.</a:t>
+            </a:r>
+            <a:r>
+              <a:rPr lang="en-US" b="1" dirty="0" err="1">
+                <a:solidFill>
+                  <a:srgbClr val="660E7A"/>
+                </a:solidFill>
+                <a:latin typeface="Calibri" panose="020F0502020204030204" pitchFamily="34" charset="0"/>
+                <a:ea typeface="Calibri" panose="020F0502020204030204" pitchFamily="34" charset="0"/>
+                <a:cs typeface="Arial" panose="020B0604020202020204" pitchFamily="34" charset="0"/>
+              </a:rPr>
+              <a:t>message</a:t>
+            </a:r>
+            <a:r>
+              <a:rPr lang="en-US" dirty="0">
+                <a:solidFill>
+                  <a:srgbClr val="000000"/>
+                </a:solidFill>
+                <a:latin typeface="Calibri" panose="020F0502020204030204" pitchFamily="34" charset="0"/>
+                <a:ea typeface="Calibri" panose="020F0502020204030204" pitchFamily="34" charset="0"/>
+                <a:cs typeface="Arial" panose="020B0604020202020204" pitchFamily="34" charset="0"/>
+              </a:rPr>
+              <a:t>);</a:t>
+            </a:r>
+            <a:br>
+              <a:rPr lang="en-US" dirty="0">
+                <a:solidFill>
+                  <a:srgbClr val="000000"/>
+                </a:solidFill>
+                <a:latin typeface="Calibri" panose="020F0502020204030204" pitchFamily="34" charset="0"/>
+                <a:ea typeface="Calibri" panose="020F0502020204030204" pitchFamily="34" charset="0"/>
+                <a:cs typeface="Arial" panose="020B0604020202020204" pitchFamily="34" charset="0"/>
+              </a:rPr>
+            </a:br>
+            <a:r>
+              <a:rPr lang="en-US" dirty="0">
+                <a:solidFill>
+                  <a:srgbClr val="000000"/>
+                </a:solidFill>
+                <a:latin typeface="Calibri" panose="020F0502020204030204" pitchFamily="34" charset="0"/>
+                <a:ea typeface="Calibri" panose="020F0502020204030204" pitchFamily="34" charset="0"/>
+                <a:cs typeface="Arial" panose="020B0604020202020204" pitchFamily="34" charset="0"/>
+              </a:rPr>
+              <a:t>    }</a:t>
+            </a:r>
+            <a:br>
+              <a:rPr lang="en-US" dirty="0">
+                <a:solidFill>
+                  <a:srgbClr val="000000"/>
+                </a:solidFill>
+                <a:latin typeface="Calibri" panose="020F0502020204030204" pitchFamily="34" charset="0"/>
+                <a:ea typeface="Calibri" panose="020F0502020204030204" pitchFamily="34" charset="0"/>
+                <a:cs typeface="Arial" panose="020B0604020202020204" pitchFamily="34" charset="0"/>
+              </a:rPr>
+            </a:br>
+            <a:r>
+              <a:rPr lang="en-US" dirty="0">
+                <a:solidFill>
+                  <a:srgbClr val="000000"/>
+                </a:solidFill>
+                <a:latin typeface="Calibri" panose="020F0502020204030204" pitchFamily="34" charset="0"/>
+                <a:ea typeface="Calibri" panose="020F0502020204030204" pitchFamily="34" charset="0"/>
+                <a:cs typeface="Arial" panose="020B0604020202020204" pitchFamily="34" charset="0"/>
+              </a:rPr>
+              <a:t>}</a:t>
+            </a:r>
+            <a:br>
+              <a:rPr lang="en-US" dirty="0">
+                <a:solidFill>
+                  <a:srgbClr val="000000"/>
+                </a:solidFill>
+                <a:latin typeface="Calibri" panose="020F0502020204030204" pitchFamily="34" charset="0"/>
+                <a:ea typeface="Calibri" panose="020F0502020204030204" pitchFamily="34" charset="0"/>
+                <a:cs typeface="Arial" panose="020B0604020202020204" pitchFamily="34" charset="0"/>
+              </a:rPr>
+            </a:br>
+            <a:br>
+              <a:rPr lang="en-US" dirty="0">
+                <a:solidFill>
+                  <a:srgbClr val="000000"/>
+                </a:solidFill>
+                <a:latin typeface="Calibri" panose="020F0502020204030204" pitchFamily="34" charset="0"/>
+                <a:ea typeface="Calibri" panose="020F0502020204030204" pitchFamily="34" charset="0"/>
+                <a:cs typeface="Arial" panose="020B0604020202020204" pitchFamily="34" charset="0"/>
+              </a:rPr>
+            </a:br>
+            <a:r>
+              <a:rPr lang="en-US" b="1" dirty="0">
+                <a:solidFill>
+                  <a:srgbClr val="000080"/>
+                </a:solidFill>
+                <a:latin typeface="Calibri" panose="020F0502020204030204" pitchFamily="34" charset="0"/>
+                <a:ea typeface="Calibri" panose="020F0502020204030204" pitchFamily="34" charset="0"/>
+                <a:cs typeface="Arial" panose="020B0604020202020204" pitchFamily="34" charset="0"/>
+              </a:rPr>
+              <a:t>async function </a:t>
+            </a:r>
+            <a:r>
+              <a:rPr lang="en-US" i="1" dirty="0">
+                <a:solidFill>
+                  <a:srgbClr val="000000"/>
+                </a:solidFill>
+                <a:latin typeface="Calibri" panose="020F0502020204030204" pitchFamily="34" charset="0"/>
+                <a:ea typeface="Calibri" panose="020F0502020204030204" pitchFamily="34" charset="0"/>
+                <a:cs typeface="Arial" panose="020B0604020202020204" pitchFamily="34" charset="0"/>
+              </a:rPr>
+              <a:t>task</a:t>
+            </a:r>
+            <a:r>
+              <a:rPr lang="en-US" dirty="0">
+                <a:solidFill>
+                  <a:srgbClr val="000000"/>
+                </a:solidFill>
+                <a:latin typeface="Calibri" panose="020F0502020204030204" pitchFamily="34" charset="0"/>
+                <a:ea typeface="Calibri" panose="020F0502020204030204" pitchFamily="34" charset="0"/>
+                <a:cs typeface="Arial" panose="020B0604020202020204" pitchFamily="34" charset="0"/>
+              </a:rPr>
+              <a:t>() {</a:t>
+            </a:r>
+            <a:br>
+              <a:rPr lang="en-US" dirty="0">
+                <a:solidFill>
+                  <a:srgbClr val="000000"/>
+                </a:solidFill>
+                <a:latin typeface="Calibri" panose="020F0502020204030204" pitchFamily="34" charset="0"/>
+                <a:ea typeface="Calibri" panose="020F0502020204030204" pitchFamily="34" charset="0"/>
+                <a:cs typeface="Arial" panose="020B0604020202020204" pitchFamily="34" charset="0"/>
+              </a:rPr>
+            </a:br>
+            <a:r>
+              <a:rPr lang="en-US" dirty="0">
+                <a:solidFill>
+                  <a:srgbClr val="000000"/>
+                </a:solidFill>
+                <a:latin typeface="Calibri" panose="020F0502020204030204" pitchFamily="34" charset="0"/>
+                <a:ea typeface="Calibri" panose="020F0502020204030204" pitchFamily="34" charset="0"/>
+                <a:cs typeface="Arial" panose="020B0604020202020204" pitchFamily="34" charset="0"/>
+              </a:rPr>
+              <a:t>    </a:t>
+            </a:r>
+            <a:r>
+              <a:rPr lang="en-US" b="1" dirty="0">
+                <a:solidFill>
+                  <a:srgbClr val="000080"/>
+                </a:solidFill>
+                <a:latin typeface="Calibri" panose="020F0502020204030204" pitchFamily="34" charset="0"/>
+                <a:ea typeface="Calibri" panose="020F0502020204030204" pitchFamily="34" charset="0"/>
+                <a:cs typeface="Arial" panose="020B0604020202020204" pitchFamily="34" charset="0"/>
+              </a:rPr>
+              <a:t>await </a:t>
+            </a:r>
+            <a:r>
+              <a:rPr lang="en-US" i="1" dirty="0">
+                <a:solidFill>
+                  <a:srgbClr val="000000"/>
+                </a:solidFill>
+                <a:latin typeface="Calibri" panose="020F0502020204030204" pitchFamily="34" charset="0"/>
+                <a:ea typeface="Calibri" panose="020F0502020204030204" pitchFamily="34" charset="0"/>
+                <a:cs typeface="Arial" panose="020B0604020202020204" pitchFamily="34" charset="0"/>
+              </a:rPr>
+              <a:t>delay</a:t>
+            </a:r>
+            <a:r>
+              <a:rPr lang="en-US" dirty="0">
+                <a:solidFill>
+                  <a:srgbClr val="000000"/>
+                </a:solidFill>
+                <a:latin typeface="Calibri" panose="020F0502020204030204" pitchFamily="34" charset="0"/>
+                <a:ea typeface="Calibri" panose="020F0502020204030204" pitchFamily="34" charset="0"/>
+                <a:cs typeface="Arial" panose="020B0604020202020204" pitchFamily="34" charset="0"/>
+              </a:rPr>
+              <a:t>(</a:t>
+            </a:r>
+            <a:r>
+              <a:rPr lang="en-US" dirty="0">
+                <a:solidFill>
+                  <a:srgbClr val="0000FF"/>
+                </a:solidFill>
+                <a:latin typeface="Calibri" panose="020F0502020204030204" pitchFamily="34" charset="0"/>
+                <a:ea typeface="Calibri" panose="020F0502020204030204" pitchFamily="34" charset="0"/>
+                <a:cs typeface="Arial" panose="020B0604020202020204" pitchFamily="34" charset="0"/>
+              </a:rPr>
+              <a:t>1500</a:t>
+            </a:r>
+            <a:r>
+              <a:rPr lang="en-US" dirty="0">
+                <a:solidFill>
+                  <a:srgbClr val="000000"/>
+                </a:solidFill>
+                <a:latin typeface="Calibri" panose="020F0502020204030204" pitchFamily="34" charset="0"/>
+                <a:ea typeface="Calibri" panose="020F0502020204030204" pitchFamily="34" charset="0"/>
+                <a:cs typeface="Arial" panose="020B0604020202020204" pitchFamily="34" charset="0"/>
+              </a:rPr>
+              <a:t>);</a:t>
+            </a:r>
+            <a:br>
+              <a:rPr lang="en-US" dirty="0">
+                <a:solidFill>
+                  <a:srgbClr val="000000"/>
+                </a:solidFill>
+                <a:latin typeface="Calibri" panose="020F0502020204030204" pitchFamily="34" charset="0"/>
+                <a:ea typeface="Calibri" panose="020F0502020204030204" pitchFamily="34" charset="0"/>
+                <a:cs typeface="Arial" panose="020B0604020202020204" pitchFamily="34" charset="0"/>
+              </a:rPr>
+            </a:br>
+            <a:r>
+              <a:rPr lang="en-US" dirty="0">
+                <a:solidFill>
+                  <a:srgbClr val="000000"/>
+                </a:solidFill>
+                <a:latin typeface="Calibri" panose="020F0502020204030204" pitchFamily="34" charset="0"/>
+                <a:ea typeface="Calibri" panose="020F0502020204030204" pitchFamily="34" charset="0"/>
+                <a:cs typeface="Arial" panose="020B0604020202020204" pitchFamily="34" charset="0"/>
+              </a:rPr>
+              <a:t>    </a:t>
+            </a:r>
+            <a:r>
+              <a:rPr lang="en-US" b="1" dirty="0">
+                <a:solidFill>
+                  <a:srgbClr val="000080"/>
+                </a:solidFill>
+                <a:latin typeface="Calibri" panose="020F0502020204030204" pitchFamily="34" charset="0"/>
+                <a:ea typeface="Calibri" panose="020F0502020204030204" pitchFamily="34" charset="0"/>
+                <a:cs typeface="Arial" panose="020B0604020202020204" pitchFamily="34" charset="0"/>
+              </a:rPr>
+              <a:t>throw new </a:t>
+            </a:r>
+            <a:r>
+              <a:rPr lang="en-US" b="1" i="1" dirty="0">
+                <a:solidFill>
+                  <a:srgbClr val="660E7A"/>
+                </a:solidFill>
+                <a:latin typeface="Calibri" panose="020F0502020204030204" pitchFamily="34" charset="0"/>
+                <a:ea typeface="Calibri" panose="020F0502020204030204" pitchFamily="34" charset="0"/>
+                <a:cs typeface="Arial" panose="020B0604020202020204" pitchFamily="34" charset="0"/>
+              </a:rPr>
+              <a:t>Error</a:t>
+            </a:r>
+            <a:r>
+              <a:rPr lang="en-US" dirty="0">
+                <a:solidFill>
+                  <a:srgbClr val="000000"/>
+                </a:solidFill>
+                <a:latin typeface="Calibri" panose="020F0502020204030204" pitchFamily="34" charset="0"/>
+                <a:ea typeface="Calibri" panose="020F0502020204030204" pitchFamily="34" charset="0"/>
+                <a:cs typeface="Arial" panose="020B0604020202020204" pitchFamily="34" charset="0"/>
+              </a:rPr>
+              <a:t>(</a:t>
+            </a:r>
+            <a:r>
+              <a:rPr lang="en-US" b="1" dirty="0">
+                <a:solidFill>
+                  <a:srgbClr val="008000"/>
+                </a:solidFill>
+                <a:latin typeface="Calibri" panose="020F0502020204030204" pitchFamily="34" charset="0"/>
+                <a:ea typeface="Calibri" panose="020F0502020204030204" pitchFamily="34" charset="0"/>
+                <a:cs typeface="Arial" panose="020B0604020202020204" pitchFamily="34" charset="0"/>
+              </a:rPr>
+              <a:t>"</a:t>
+            </a:r>
+            <a:r>
+              <a:rPr lang="en-US" b="1" dirty="0" err="1">
+                <a:solidFill>
+                  <a:srgbClr val="008000"/>
+                </a:solidFill>
+                <a:latin typeface="Calibri" panose="020F0502020204030204" pitchFamily="34" charset="0"/>
+                <a:ea typeface="Calibri" panose="020F0502020204030204" pitchFamily="34" charset="0"/>
+                <a:cs typeface="Arial" panose="020B0604020202020204" pitchFamily="34" charset="0"/>
+              </a:rPr>
+              <a:t>Ooops</a:t>
+            </a:r>
+            <a:r>
+              <a:rPr lang="en-US" b="1" dirty="0">
+                <a:solidFill>
+                  <a:srgbClr val="008000"/>
+                </a:solidFill>
+                <a:latin typeface="Calibri" panose="020F0502020204030204" pitchFamily="34" charset="0"/>
+                <a:ea typeface="Calibri" panose="020F0502020204030204" pitchFamily="34" charset="0"/>
+                <a:cs typeface="Arial" panose="020B0604020202020204" pitchFamily="34" charset="0"/>
+              </a:rPr>
+              <a:t>"</a:t>
+            </a:r>
+            <a:r>
+              <a:rPr lang="en-US" dirty="0">
+                <a:solidFill>
+                  <a:srgbClr val="000000"/>
+                </a:solidFill>
+                <a:latin typeface="Calibri" panose="020F0502020204030204" pitchFamily="34" charset="0"/>
+                <a:ea typeface="Calibri" panose="020F0502020204030204" pitchFamily="34" charset="0"/>
+                <a:cs typeface="Arial" panose="020B0604020202020204" pitchFamily="34" charset="0"/>
+              </a:rPr>
+              <a:t>);</a:t>
+            </a:r>
+            <a:br>
+              <a:rPr lang="en-US" dirty="0">
+                <a:solidFill>
+                  <a:srgbClr val="000000"/>
+                </a:solidFill>
+                <a:latin typeface="Calibri" panose="020F0502020204030204" pitchFamily="34" charset="0"/>
+                <a:ea typeface="Calibri" panose="020F0502020204030204" pitchFamily="34" charset="0"/>
+                <a:cs typeface="Arial" panose="020B0604020202020204" pitchFamily="34" charset="0"/>
+              </a:rPr>
+            </a:br>
+            <a:r>
+              <a:rPr lang="en-US" dirty="0">
+                <a:solidFill>
+                  <a:srgbClr val="000000"/>
+                </a:solidFill>
+                <a:latin typeface="Calibri" panose="020F0502020204030204" pitchFamily="34" charset="0"/>
+                <a:ea typeface="Calibri" panose="020F0502020204030204" pitchFamily="34" charset="0"/>
+                <a:cs typeface="Arial" panose="020B0604020202020204" pitchFamily="34" charset="0"/>
+              </a:rPr>
+              <a:t>}</a:t>
+            </a:r>
+            <a:endParaRPr lang="en-US" dirty="0"/>
+          </a:p>
+        </p:txBody>
+      </p:sp>
+    </p:spTree>
+    <p:extLst>
+      <p:ext uri="{BB962C8B-B14F-4D97-AF65-F5344CB8AC3E}">
+        <p14:creationId xmlns:p14="http://schemas.microsoft.com/office/powerpoint/2010/main" val="2496393913"/>
+      </p:ext>
+    </p:extLst>
+  </p:cSld>
+  <p:clrMapOvr>
+    <a:masterClrMapping/>
+  </p:clrMapOvr>
+</p:sld>
+</file>
+
+<file path=ppt/slides/slide49.xml><?xml version="1.0" encoding="utf-8"?>
+<p:sld xmlns:a="http://schemas.openxmlformats.org/drawingml/2006/main" xmlns:r="http://schemas.openxmlformats.org/officeDocument/2006/relationships" xmlns:p="http://schemas.openxmlformats.org/presentationml/2006/main">
+  <p:cSld>
+    <p:spTree>
+      <p:nvGrpSpPr>
+        <p:cNvPr id="1" name=""/>
+        <p:cNvGrpSpPr/>
+        <p:nvPr/>
+      </p:nvGrpSpPr>
+      <p:grpSpPr>
+        <a:xfrm>
+          <a:off x="0" y="0"/>
+          <a:ext cx="0" cy="0"/>
+          <a:chOff x="0" y="0"/>
+          <a:chExt cx="0" cy="0"/>
+        </a:xfrm>
+      </p:grpSpPr>
+      <p:sp>
+        <p:nvSpPr>
+          <p:cNvPr id="2" name="Title 1">
+            <a:extLst>
+              <a:ext uri="{FF2B5EF4-FFF2-40B4-BE49-F238E27FC236}">
+                <a16:creationId xmlns:a16="http://schemas.microsoft.com/office/drawing/2014/main" id="{965E2B75-E3B8-4197-B8A9-422E268DA9B5}"/>
+              </a:ext>
+            </a:extLst>
+          </p:cNvPr>
+          <p:cNvSpPr>
+            <a:spLocks noGrp="1"/>
+          </p:cNvSpPr>
+          <p:nvPr>
+            <p:ph type="title"/>
+          </p:nvPr>
+        </p:nvSpPr>
+        <p:spPr/>
+        <p:txBody>
+          <a:bodyPr/>
+          <a:lstStyle/>
+          <a:p>
+            <a:r>
+              <a:rPr lang="en-US" dirty="0"/>
+              <a:t>Typescript Specifics</a:t>
+            </a:r>
+          </a:p>
+        </p:txBody>
+      </p:sp>
+      <p:sp>
+        <p:nvSpPr>
+          <p:cNvPr id="3" name="Footer Placeholder 2">
+            <a:extLst>
+              <a:ext uri="{FF2B5EF4-FFF2-40B4-BE49-F238E27FC236}">
+                <a16:creationId xmlns:a16="http://schemas.microsoft.com/office/drawing/2014/main" id="{C57096F2-E141-47D4-916E-534E1F4F2CBF}"/>
+              </a:ext>
+            </a:extLst>
+          </p:cNvPr>
+          <p:cNvSpPr>
+            <a:spLocks noGrp="1"/>
+          </p:cNvSpPr>
+          <p:nvPr>
+            <p:ph type="ftr" sz="quarter" idx="11"/>
+          </p:nvPr>
+        </p:nvSpPr>
+        <p:spPr/>
+        <p:txBody>
+          <a:bodyPr/>
+          <a:lstStyle/>
+          <a:p>
+            <a:r>
+              <a:rPr lang="en-US"/>
+              <a:t>© 2018 Ori Calvo</a:t>
+            </a:r>
+            <a:endParaRPr lang="en-US" dirty="0"/>
+          </a:p>
+        </p:txBody>
+      </p:sp>
+      <p:sp>
+        <p:nvSpPr>
+          <p:cNvPr id="4" name="Slide Number Placeholder 3">
+            <a:extLst>
+              <a:ext uri="{FF2B5EF4-FFF2-40B4-BE49-F238E27FC236}">
+                <a16:creationId xmlns:a16="http://schemas.microsoft.com/office/drawing/2014/main" id="{8FFD8916-DEA6-453C-A0A4-FFD3B77B8EB0}"/>
+              </a:ext>
+            </a:extLst>
+          </p:cNvPr>
+          <p:cNvSpPr>
+            <a:spLocks noGrp="1"/>
+          </p:cNvSpPr>
+          <p:nvPr>
+            <p:ph type="sldNum" sz="quarter" idx="12"/>
+          </p:nvPr>
+        </p:nvSpPr>
+        <p:spPr/>
+        <p:txBody>
+          <a:bodyPr>
+            <a:normAutofit fontScale="85000" lnSpcReduction="20000"/>
+          </a:bodyPr>
+          <a:lstStyle/>
+          <a:p>
+            <a:fld id="{87B78B44-2135-4DB2-B732-E7D5FFF77B6A}" type="slidenum">
+              <a:rPr lang="en-US" smtClean="0"/>
+              <a:pPr/>
+              <a:t>49</a:t>
+            </a:fld>
+            <a:endParaRPr lang="en-US"/>
+          </a:p>
+        </p:txBody>
+      </p:sp>
+      <p:sp>
+        <p:nvSpPr>
+          <p:cNvPr id="5" name="Content Placeholder 4">
+            <a:extLst>
+              <a:ext uri="{FF2B5EF4-FFF2-40B4-BE49-F238E27FC236}">
+                <a16:creationId xmlns:a16="http://schemas.microsoft.com/office/drawing/2014/main" id="{CC3A554E-F1AA-4FE2-88DC-09E7B0CF57F0}"/>
+              </a:ext>
+            </a:extLst>
+          </p:cNvPr>
+          <p:cNvSpPr>
+            <a:spLocks noGrp="1"/>
+          </p:cNvSpPr>
+          <p:nvPr>
+            <p:ph sz="quarter" idx="1"/>
+          </p:nvPr>
+        </p:nvSpPr>
+        <p:spPr/>
+        <p:txBody>
+          <a:bodyPr/>
+          <a:lstStyle/>
+          <a:p>
+            <a:r>
+              <a:rPr lang="en-US" dirty="0"/>
+              <a:t>Types</a:t>
+            </a:r>
+          </a:p>
+          <a:p>
+            <a:r>
+              <a:rPr lang="en-US" dirty="0"/>
+              <a:t>Interface/</a:t>
+            </a:r>
+            <a:r>
+              <a:rPr lang="en-US" dirty="0" err="1"/>
+              <a:t>implemenets</a:t>
+            </a:r>
+            <a:endParaRPr lang="en-US" dirty="0"/>
+          </a:p>
+          <a:p>
+            <a:r>
+              <a:rPr lang="en-US" dirty="0"/>
+              <a:t>Accessibility</a:t>
+            </a:r>
+          </a:p>
+          <a:p>
+            <a:r>
+              <a:rPr lang="en-US" dirty="0" err="1"/>
+              <a:t>Enum</a:t>
+            </a:r>
+            <a:endParaRPr lang="en-US" dirty="0"/>
+          </a:p>
+          <a:p>
+            <a:r>
+              <a:rPr lang="en-US" dirty="0"/>
+              <a:t>Generic</a:t>
+            </a:r>
+          </a:p>
+          <a:p>
+            <a:r>
+              <a:rPr lang="en-US" dirty="0"/>
+              <a:t>Static</a:t>
+            </a:r>
+          </a:p>
+          <a:p>
+            <a:r>
+              <a:rPr lang="en-US" dirty="0"/>
+              <a:t>Abstract</a:t>
+            </a:r>
+          </a:p>
+          <a:p>
+            <a:r>
+              <a:rPr lang="en-US" dirty="0"/>
+              <a:t>Constructor Assignment</a:t>
+            </a:r>
+          </a:p>
+        </p:txBody>
+      </p:sp>
+    </p:spTree>
+    <p:extLst>
+      <p:ext uri="{BB962C8B-B14F-4D97-AF65-F5344CB8AC3E}">
+        <p14:creationId xmlns:p14="http://schemas.microsoft.com/office/powerpoint/2010/main" val="2749153783"/>
       </p:ext>
     </p:extLst>
   </p:cSld>
@@ -37799,6 +42663,66 @@
     <p:extLst>
       <p:ext uri="{BB962C8B-B14F-4D97-AF65-F5344CB8AC3E}">
         <p14:creationId xmlns:p14="http://schemas.microsoft.com/office/powerpoint/2010/main" val="3672423819"/>
+      </p:ext>
+    </p:extLst>
+  </p:cSld>
+  <p:clrMapOvr>
+    <a:masterClrMapping/>
+  </p:clrMapOvr>
+</p:sld>
+</file>
+
+<file path=ppt/slides/slide50.xml><?xml version="1.0" encoding="utf-8"?>
+<p:sld xmlns:a="http://schemas.openxmlformats.org/drawingml/2006/main" xmlns:r="http://schemas.openxmlformats.org/officeDocument/2006/relationships" xmlns:p="http://schemas.openxmlformats.org/presentationml/2006/main">
+  <p:cSld>
+    <p:spTree>
+      <p:nvGrpSpPr>
+        <p:cNvPr id="1" name=""/>
+        <p:cNvGrpSpPr/>
+        <p:nvPr/>
+      </p:nvGrpSpPr>
+      <p:grpSpPr>
+        <a:xfrm>
+          <a:off x="0" y="0"/>
+          <a:ext cx="0" cy="0"/>
+          <a:chOff x="0" y="0"/>
+          <a:chExt cx="0" cy="0"/>
+        </a:xfrm>
+      </p:grpSpPr>
+      <p:sp>
+        <p:nvSpPr>
+          <p:cNvPr id="2" name="כותרת 1"/>
+          <p:cNvSpPr>
+            <a:spLocks noGrp="1"/>
+          </p:cNvSpPr>
+          <p:nvPr>
+            <p:ph type="ctrTitle"/>
+          </p:nvPr>
+        </p:nvSpPr>
+        <p:spPr>
+          <a:xfrm>
+            <a:off x="1763688" y="1844824"/>
+            <a:ext cx="6477000" cy="1828800"/>
+          </a:xfrm>
+        </p:spPr>
+        <p:txBody>
+          <a:bodyPr>
+            <a:normAutofit/>
+          </a:bodyPr>
+          <a:lstStyle/>
+          <a:p>
+            <a:r>
+              <a:rPr lang="en-US" sz="5400" dirty="0"/>
+              <a:t>Thank You !</a:t>
+            </a:r>
+            <a:endParaRPr lang="en-US" sz="3600" dirty="0"/>
+          </a:p>
+        </p:txBody>
+      </p:sp>
+    </p:spTree>
+    <p:extLst>
+      <p:ext uri="{BB962C8B-B14F-4D97-AF65-F5344CB8AC3E}">
+        <p14:creationId xmlns:p14="http://schemas.microsoft.com/office/powerpoint/2010/main" val="1726454845"/>
       </p:ext>
     </p:extLst>
   </p:cSld>
